--- a/Slide/finalSlide.pptx
+++ b/Slide/finalSlide.pptx
@@ -13,29 +13,23 @@
     <p:sldMasterId id="2147483752" r:id="rId10"/>
     <p:sldMasterId id="2147483765" r:id="rId11"/>
     <p:sldMasterId id="2147483778" r:id="rId12"/>
-    <p:sldMasterId id="2147483791" r:id="rId13"/>
   </p:sldMasterIdLst>
   <p:sldIdLst>
-    <p:sldId id="256" r:id="rId14"/>
-    <p:sldId id="257" r:id="rId15"/>
-    <p:sldId id="258" r:id="rId16"/>
-    <p:sldId id="259" r:id="rId17"/>
-    <p:sldId id="260" r:id="rId18"/>
-    <p:sldId id="261" r:id="rId19"/>
-    <p:sldId id="262" r:id="rId20"/>
-    <p:sldId id="263" r:id="rId21"/>
-    <p:sldId id="264" r:id="rId22"/>
-    <p:sldId id="265" r:id="rId23"/>
-    <p:sldId id="266" r:id="rId24"/>
-    <p:sldId id="267" r:id="rId25"/>
-    <p:sldId id="268" r:id="rId26"/>
-    <p:sldId id="269" r:id="rId27"/>
-    <p:sldId id="270" r:id="rId28"/>
-    <p:sldId id="271" r:id="rId29"/>
-    <p:sldId id="272" r:id="rId30"/>
-    <p:sldId id="273" r:id="rId31"/>
-    <p:sldId id="274" r:id="rId32"/>
-    <p:sldId id="275" r:id="rId33"/>
+    <p:sldId id="256" r:id="rId13"/>
+    <p:sldId id="257" r:id="rId14"/>
+    <p:sldId id="258" r:id="rId15"/>
+    <p:sldId id="259" r:id="rId16"/>
+    <p:sldId id="260" r:id="rId17"/>
+    <p:sldId id="261" r:id="rId18"/>
+    <p:sldId id="262" r:id="rId19"/>
+    <p:sldId id="263" r:id="rId20"/>
+    <p:sldId id="264" r:id="rId21"/>
+    <p:sldId id="265" r:id="rId22"/>
+    <p:sldId id="266" r:id="rId23"/>
+    <p:sldId id="267" r:id="rId24"/>
+    <p:sldId id="268" r:id="rId25"/>
+    <p:sldId id="269" r:id="rId26"/>
+    <p:sldId id="270" r:id="rId27"/>
   </p:sldIdLst>
   <p:sldSz cx="10080625" cy="5670550"/>
   <p:notesSz cx="7772400" cy="10058400"/>
@@ -4484,557 +4478,6 @@
 </p:sldLayout>
 </file>
 
-<file path=ppt/slideLayouts/slideLayout133.xml><?xml version="1.0" encoding="utf-8"?>
-<p:sldLayout xmlns:a="http://schemas.openxmlformats.org/drawingml/2006/main" xmlns:p="http://schemas.openxmlformats.org/presentationml/2006/main" xmlns:r="http://schemas.openxmlformats.org/officeDocument/2006/relationships" xmlns:p14="http://schemas.microsoft.com/office/powerpoint/2010/main" xmlns:p15="http://schemas.microsoft.com/office/powerpoint/2012/main" xmlns:mc="http://schemas.openxmlformats.org/markup-compatibility/2006" type="blank" preserve="1">
-  <p:cSld name="Blank Slide">
-    <p:spTree>
-      <p:nvGrpSpPr>
-        <p:cNvPr id="1" name=""/>
-        <p:cNvGrpSpPr/>
-        <p:nvPr/>
-      </p:nvGrpSpPr>
-      <p:grpSpPr>
-        <a:xfrm>
-          <a:off x="0" y="0"/>
-          <a:ext cx="0" cy="0"/>
-          <a:chOff x="0" y="0"/>
-          <a:chExt cx="0" cy="0"/>
-        </a:xfrm>
-      </p:grpSpPr>
-    </p:spTree>
-  </p:cSld>
-</p:sldLayout>
-</file>
-
-<file path=ppt/slideLayouts/slideLayout134.xml><?xml version="1.0" encoding="utf-8"?>
-<p:sldLayout xmlns:a="http://schemas.openxmlformats.org/drawingml/2006/main" xmlns:p="http://schemas.openxmlformats.org/presentationml/2006/main" xmlns:r="http://schemas.openxmlformats.org/officeDocument/2006/relationships" xmlns:p14="http://schemas.microsoft.com/office/powerpoint/2010/main" xmlns:p15="http://schemas.microsoft.com/office/powerpoint/2012/main" xmlns:mc="http://schemas.openxmlformats.org/markup-compatibility/2006" type="tx" preserve="1">
-  <p:cSld name="Title Slide">
-    <p:spTree>
-      <p:nvGrpSpPr>
-        <p:cNvPr id="1" name=""/>
-        <p:cNvGrpSpPr/>
-        <p:nvPr/>
-      </p:nvGrpSpPr>
-      <p:grpSpPr>
-        <a:xfrm>
-          <a:off x="0" y="0"/>
-          <a:ext cx="0" cy="0"/>
-          <a:chOff x="0" y="0"/>
-          <a:chExt cx="0" cy="0"/>
-        </a:xfrm>
-      </p:grpSpPr>
-      <p:sp>
-        <p:nvSpPr>
-          <p:cNvPr id="470" name="PlaceHolder 1"/>
-          <p:cNvSpPr>
-            <a:spLocks noGrp="1"/>
-          </p:cNvSpPr>
-          <p:nvPr>
-            <p:ph type="title"/>
-          </p:nvPr>
-        </p:nvSpPr>
-        <p:spPr>
-          <a:xfrm>
-            <a:off x="504000" y="226080"/>
-            <a:ext cx="9072000" cy="946440"/>
-          </a:xfrm>
-          <a:prstGeom prst="rect">
-            <a:avLst/>
-          </a:prstGeom>
-        </p:spPr>
-        <p:txBody>
-          <a:bodyPr lIns="0" rIns="0" tIns="0" bIns="0" anchor="ctr">
-            <a:noAutofit/>
-          </a:bodyPr>
-          <a:p>
-            <a:pPr algn="ctr"/>
-            <a:endParaRPr b="0" lang="en-US" sz="4400" spc="-1" strike="noStrike">
-              <a:latin typeface="Arial"/>
-            </a:endParaRPr>
-          </a:p>
-        </p:txBody>
-      </p:sp>
-      <p:sp>
-        <p:nvSpPr>
-          <p:cNvPr id="471" name="PlaceHolder 2"/>
-          <p:cNvSpPr>
-            <a:spLocks noGrp="1"/>
-          </p:cNvSpPr>
-          <p:nvPr>
-            <p:ph type="subTitle"/>
-          </p:nvPr>
-        </p:nvSpPr>
-        <p:spPr>
-          <a:xfrm>
-            <a:off x="504000" y="1326600"/>
-            <a:ext cx="9072000" cy="3288600"/>
-          </a:xfrm>
-          <a:prstGeom prst="rect">
-            <a:avLst/>
-          </a:prstGeom>
-        </p:spPr>
-        <p:txBody>
-          <a:bodyPr lIns="0" rIns="0" tIns="0" bIns="0" anchor="ctr">
-            <a:noAutofit/>
-          </a:bodyPr>
-          <a:p>
-            <a:pPr algn="ctr"/>
-            <a:endParaRPr b="0" lang="en-US" sz="3200" spc="-1" strike="noStrike">
-              <a:latin typeface="Arial"/>
-            </a:endParaRPr>
-          </a:p>
-        </p:txBody>
-      </p:sp>
-    </p:spTree>
-  </p:cSld>
-</p:sldLayout>
-</file>
-
-<file path=ppt/slideLayouts/slideLayout135.xml><?xml version="1.0" encoding="utf-8"?>
-<p:sldLayout xmlns:a="http://schemas.openxmlformats.org/drawingml/2006/main" xmlns:p="http://schemas.openxmlformats.org/presentationml/2006/main" xmlns:r="http://schemas.openxmlformats.org/officeDocument/2006/relationships" xmlns:p14="http://schemas.microsoft.com/office/powerpoint/2010/main" xmlns:p15="http://schemas.microsoft.com/office/powerpoint/2012/main" xmlns:mc="http://schemas.openxmlformats.org/markup-compatibility/2006" type="obj" preserve="1">
-  <p:cSld name="Title, Content">
-    <p:spTree>
-      <p:nvGrpSpPr>
-        <p:cNvPr id="1" name=""/>
-        <p:cNvGrpSpPr/>
-        <p:nvPr/>
-      </p:nvGrpSpPr>
-      <p:grpSpPr>
-        <a:xfrm>
-          <a:off x="0" y="0"/>
-          <a:ext cx="0" cy="0"/>
-          <a:chOff x="0" y="0"/>
-          <a:chExt cx="0" cy="0"/>
-        </a:xfrm>
-      </p:grpSpPr>
-      <p:sp>
-        <p:nvSpPr>
-          <p:cNvPr id="472" name="PlaceHolder 1"/>
-          <p:cNvSpPr>
-            <a:spLocks noGrp="1"/>
-          </p:cNvSpPr>
-          <p:nvPr>
-            <p:ph type="title"/>
-          </p:nvPr>
-        </p:nvSpPr>
-        <p:spPr>
-          <a:xfrm>
-            <a:off x="504000" y="226080"/>
-            <a:ext cx="9072000" cy="946440"/>
-          </a:xfrm>
-          <a:prstGeom prst="rect">
-            <a:avLst/>
-          </a:prstGeom>
-        </p:spPr>
-        <p:txBody>
-          <a:bodyPr lIns="0" rIns="0" tIns="0" bIns="0" anchor="ctr">
-            <a:noAutofit/>
-          </a:bodyPr>
-          <a:p>
-            <a:pPr algn="ctr"/>
-            <a:endParaRPr b="0" lang="en-US" sz="4400" spc="-1" strike="noStrike">
-              <a:latin typeface="Arial"/>
-            </a:endParaRPr>
-          </a:p>
-        </p:txBody>
-      </p:sp>
-      <p:sp>
-        <p:nvSpPr>
-          <p:cNvPr id="473" name="PlaceHolder 2"/>
-          <p:cNvSpPr>
-            <a:spLocks noGrp="1"/>
-          </p:cNvSpPr>
-          <p:nvPr>
-            <p:ph type="body"/>
-          </p:nvPr>
-        </p:nvSpPr>
-        <p:spPr>
-          <a:xfrm>
-            <a:off x="504000" y="1326600"/>
-            <a:ext cx="9072000" cy="3288600"/>
-          </a:xfrm>
-          <a:prstGeom prst="rect">
-            <a:avLst/>
-          </a:prstGeom>
-        </p:spPr>
-        <p:txBody>
-          <a:bodyPr lIns="0" rIns="0" tIns="0" bIns="0">
-            <a:normAutofit/>
-          </a:bodyPr>
-          <a:p>
-            <a:endParaRPr b="0" lang="en-US" sz="3200" spc="-1" strike="noStrike">
-              <a:latin typeface="Arial"/>
-            </a:endParaRPr>
-          </a:p>
-        </p:txBody>
-      </p:sp>
-    </p:spTree>
-  </p:cSld>
-</p:sldLayout>
-</file>
-
-<file path=ppt/slideLayouts/slideLayout136.xml><?xml version="1.0" encoding="utf-8"?>
-<p:sldLayout xmlns:a="http://schemas.openxmlformats.org/drawingml/2006/main" xmlns:p="http://schemas.openxmlformats.org/presentationml/2006/main" xmlns:r="http://schemas.openxmlformats.org/officeDocument/2006/relationships" xmlns:p14="http://schemas.microsoft.com/office/powerpoint/2010/main" xmlns:p15="http://schemas.microsoft.com/office/powerpoint/2012/main" xmlns:mc="http://schemas.openxmlformats.org/markup-compatibility/2006" type="twoObj" preserve="1">
-  <p:cSld name="Title, 2 Content">
-    <p:spTree>
-      <p:nvGrpSpPr>
-        <p:cNvPr id="1" name=""/>
-        <p:cNvGrpSpPr/>
-        <p:nvPr/>
-      </p:nvGrpSpPr>
-      <p:grpSpPr>
-        <a:xfrm>
-          <a:off x="0" y="0"/>
-          <a:ext cx="0" cy="0"/>
-          <a:chOff x="0" y="0"/>
-          <a:chExt cx="0" cy="0"/>
-        </a:xfrm>
-      </p:grpSpPr>
-      <p:sp>
-        <p:nvSpPr>
-          <p:cNvPr id="474" name="PlaceHolder 1"/>
-          <p:cNvSpPr>
-            <a:spLocks noGrp="1"/>
-          </p:cNvSpPr>
-          <p:nvPr>
-            <p:ph type="title"/>
-          </p:nvPr>
-        </p:nvSpPr>
-        <p:spPr>
-          <a:xfrm>
-            <a:off x="504000" y="226080"/>
-            <a:ext cx="9072000" cy="946440"/>
-          </a:xfrm>
-          <a:prstGeom prst="rect">
-            <a:avLst/>
-          </a:prstGeom>
-        </p:spPr>
-        <p:txBody>
-          <a:bodyPr lIns="0" rIns="0" tIns="0" bIns="0" anchor="ctr">
-            <a:noAutofit/>
-          </a:bodyPr>
-          <a:p>
-            <a:pPr algn="ctr"/>
-            <a:endParaRPr b="0" lang="en-US" sz="4400" spc="-1" strike="noStrike">
-              <a:latin typeface="Arial"/>
-            </a:endParaRPr>
-          </a:p>
-        </p:txBody>
-      </p:sp>
-      <p:sp>
-        <p:nvSpPr>
-          <p:cNvPr id="475" name="PlaceHolder 2"/>
-          <p:cNvSpPr>
-            <a:spLocks noGrp="1"/>
-          </p:cNvSpPr>
-          <p:nvPr>
-            <p:ph type="body"/>
-          </p:nvPr>
-        </p:nvSpPr>
-        <p:spPr>
-          <a:xfrm>
-            <a:off x="504000" y="1326600"/>
-            <a:ext cx="4426920" cy="3288600"/>
-          </a:xfrm>
-          <a:prstGeom prst="rect">
-            <a:avLst/>
-          </a:prstGeom>
-        </p:spPr>
-        <p:txBody>
-          <a:bodyPr lIns="0" rIns="0" tIns="0" bIns="0">
-            <a:normAutofit/>
-          </a:bodyPr>
-          <a:p>
-            <a:endParaRPr b="0" lang="en-US" sz="3200" spc="-1" strike="noStrike">
-              <a:latin typeface="Arial"/>
-            </a:endParaRPr>
-          </a:p>
-        </p:txBody>
-      </p:sp>
-      <p:sp>
-        <p:nvSpPr>
-          <p:cNvPr id="476" name="PlaceHolder 3"/>
-          <p:cNvSpPr>
-            <a:spLocks noGrp="1"/>
-          </p:cNvSpPr>
-          <p:nvPr>
-            <p:ph type="body"/>
-          </p:nvPr>
-        </p:nvSpPr>
-        <p:spPr>
-          <a:xfrm>
-            <a:off x="5152680" y="1326600"/>
-            <a:ext cx="4426920" cy="3288600"/>
-          </a:xfrm>
-          <a:prstGeom prst="rect">
-            <a:avLst/>
-          </a:prstGeom>
-        </p:spPr>
-        <p:txBody>
-          <a:bodyPr lIns="0" rIns="0" tIns="0" bIns="0">
-            <a:normAutofit/>
-          </a:bodyPr>
-          <a:p>
-            <a:endParaRPr b="0" lang="en-US" sz="3200" spc="-1" strike="noStrike">
-              <a:latin typeface="Arial"/>
-            </a:endParaRPr>
-          </a:p>
-        </p:txBody>
-      </p:sp>
-    </p:spTree>
-  </p:cSld>
-</p:sldLayout>
-</file>
-
-<file path=ppt/slideLayouts/slideLayout137.xml><?xml version="1.0" encoding="utf-8"?>
-<p:sldLayout xmlns:a="http://schemas.openxmlformats.org/drawingml/2006/main" xmlns:p="http://schemas.openxmlformats.org/presentationml/2006/main" xmlns:r="http://schemas.openxmlformats.org/officeDocument/2006/relationships" xmlns:p14="http://schemas.microsoft.com/office/powerpoint/2010/main" xmlns:p15="http://schemas.microsoft.com/office/powerpoint/2012/main" xmlns:mc="http://schemas.openxmlformats.org/markup-compatibility/2006" type="titleOnly" preserve="1">
-  <p:cSld name="Title Only">
-    <p:spTree>
-      <p:nvGrpSpPr>
-        <p:cNvPr id="1" name=""/>
-        <p:cNvGrpSpPr/>
-        <p:nvPr/>
-      </p:nvGrpSpPr>
-      <p:grpSpPr>
-        <a:xfrm>
-          <a:off x="0" y="0"/>
-          <a:ext cx="0" cy="0"/>
-          <a:chOff x="0" y="0"/>
-          <a:chExt cx="0" cy="0"/>
-        </a:xfrm>
-      </p:grpSpPr>
-      <p:sp>
-        <p:nvSpPr>
-          <p:cNvPr id="477" name="PlaceHolder 1"/>
-          <p:cNvSpPr>
-            <a:spLocks noGrp="1"/>
-          </p:cNvSpPr>
-          <p:nvPr>
-            <p:ph type="title"/>
-          </p:nvPr>
-        </p:nvSpPr>
-        <p:spPr>
-          <a:xfrm>
-            <a:off x="504000" y="226080"/>
-            <a:ext cx="9072000" cy="946440"/>
-          </a:xfrm>
-          <a:prstGeom prst="rect">
-            <a:avLst/>
-          </a:prstGeom>
-        </p:spPr>
-        <p:txBody>
-          <a:bodyPr lIns="0" rIns="0" tIns="0" bIns="0" anchor="ctr">
-            <a:noAutofit/>
-          </a:bodyPr>
-          <a:p>
-            <a:pPr algn="ctr"/>
-            <a:endParaRPr b="0" lang="en-US" sz="4400" spc="-1" strike="noStrike">
-              <a:latin typeface="Arial"/>
-            </a:endParaRPr>
-          </a:p>
-        </p:txBody>
-      </p:sp>
-    </p:spTree>
-  </p:cSld>
-</p:sldLayout>
-</file>
-
-<file path=ppt/slideLayouts/slideLayout138.xml><?xml version="1.0" encoding="utf-8"?>
-<p:sldLayout xmlns:a="http://schemas.openxmlformats.org/drawingml/2006/main" xmlns:p="http://schemas.openxmlformats.org/presentationml/2006/main" xmlns:r="http://schemas.openxmlformats.org/officeDocument/2006/relationships" xmlns:p14="http://schemas.microsoft.com/office/powerpoint/2010/main" xmlns:p15="http://schemas.microsoft.com/office/powerpoint/2012/main" xmlns:mc="http://schemas.openxmlformats.org/markup-compatibility/2006" type="objOnly" preserve="1">
-  <p:cSld name="Centered Text">
-    <p:spTree>
-      <p:nvGrpSpPr>
-        <p:cNvPr id="1" name=""/>
-        <p:cNvGrpSpPr/>
-        <p:nvPr/>
-      </p:nvGrpSpPr>
-      <p:grpSpPr>
-        <a:xfrm>
-          <a:off x="0" y="0"/>
-          <a:ext cx="0" cy="0"/>
-          <a:chOff x="0" y="0"/>
-          <a:chExt cx="0" cy="0"/>
-        </a:xfrm>
-      </p:grpSpPr>
-      <p:sp>
-        <p:nvSpPr>
-          <p:cNvPr id="478" name="PlaceHolder 1"/>
-          <p:cNvSpPr>
-            <a:spLocks noGrp="1"/>
-          </p:cNvSpPr>
-          <p:nvPr>
-            <p:ph type="subTitle"/>
-          </p:nvPr>
-        </p:nvSpPr>
-        <p:spPr>
-          <a:xfrm>
-            <a:off x="504000" y="226080"/>
-            <a:ext cx="9072000" cy="4388400"/>
-          </a:xfrm>
-          <a:prstGeom prst="rect">
-            <a:avLst/>
-          </a:prstGeom>
-        </p:spPr>
-        <p:txBody>
-          <a:bodyPr lIns="0" rIns="0" tIns="0" bIns="0" anchor="ctr">
-            <a:noAutofit/>
-          </a:bodyPr>
-          <a:p>
-            <a:pPr algn="ctr"/>
-            <a:endParaRPr b="0" lang="en-US" sz="3200" spc="-1" strike="noStrike">
-              <a:latin typeface="Arial"/>
-            </a:endParaRPr>
-          </a:p>
-        </p:txBody>
-      </p:sp>
-    </p:spTree>
-  </p:cSld>
-</p:sldLayout>
-</file>
-
-<file path=ppt/slideLayouts/slideLayout139.xml><?xml version="1.0" encoding="utf-8"?>
-<p:sldLayout xmlns:a="http://schemas.openxmlformats.org/drawingml/2006/main" xmlns:p="http://schemas.openxmlformats.org/presentationml/2006/main" xmlns:r="http://schemas.openxmlformats.org/officeDocument/2006/relationships" xmlns:p14="http://schemas.microsoft.com/office/powerpoint/2010/main" xmlns:p15="http://schemas.microsoft.com/office/powerpoint/2012/main" xmlns:mc="http://schemas.openxmlformats.org/markup-compatibility/2006" type="twoObjAndObj" preserve="1">
-  <p:cSld name="Title, 2 Content and Content">
-    <p:spTree>
-      <p:nvGrpSpPr>
-        <p:cNvPr id="1" name=""/>
-        <p:cNvGrpSpPr/>
-        <p:nvPr/>
-      </p:nvGrpSpPr>
-      <p:grpSpPr>
-        <a:xfrm>
-          <a:off x="0" y="0"/>
-          <a:ext cx="0" cy="0"/>
-          <a:chOff x="0" y="0"/>
-          <a:chExt cx="0" cy="0"/>
-        </a:xfrm>
-      </p:grpSpPr>
-      <p:sp>
-        <p:nvSpPr>
-          <p:cNvPr id="479" name="PlaceHolder 1"/>
-          <p:cNvSpPr>
-            <a:spLocks noGrp="1"/>
-          </p:cNvSpPr>
-          <p:nvPr>
-            <p:ph type="title"/>
-          </p:nvPr>
-        </p:nvSpPr>
-        <p:spPr>
-          <a:xfrm>
-            <a:off x="504000" y="226080"/>
-            <a:ext cx="9072000" cy="946440"/>
-          </a:xfrm>
-          <a:prstGeom prst="rect">
-            <a:avLst/>
-          </a:prstGeom>
-        </p:spPr>
-        <p:txBody>
-          <a:bodyPr lIns="0" rIns="0" tIns="0" bIns="0" anchor="ctr">
-            <a:noAutofit/>
-          </a:bodyPr>
-          <a:p>
-            <a:pPr algn="ctr"/>
-            <a:endParaRPr b="0" lang="en-US" sz="4400" spc="-1" strike="noStrike">
-              <a:latin typeface="Arial"/>
-            </a:endParaRPr>
-          </a:p>
-        </p:txBody>
-      </p:sp>
-      <p:sp>
-        <p:nvSpPr>
-          <p:cNvPr id="480" name="PlaceHolder 2"/>
-          <p:cNvSpPr>
-            <a:spLocks noGrp="1"/>
-          </p:cNvSpPr>
-          <p:nvPr>
-            <p:ph type="body"/>
-          </p:nvPr>
-        </p:nvSpPr>
-        <p:spPr>
-          <a:xfrm>
-            <a:off x="504000" y="1326600"/>
-            <a:ext cx="4426920" cy="1568520"/>
-          </a:xfrm>
-          <a:prstGeom prst="rect">
-            <a:avLst/>
-          </a:prstGeom>
-        </p:spPr>
-        <p:txBody>
-          <a:bodyPr lIns="0" rIns="0" tIns="0" bIns="0">
-            <a:normAutofit/>
-          </a:bodyPr>
-          <a:p>
-            <a:endParaRPr b="0" lang="en-US" sz="3200" spc="-1" strike="noStrike">
-              <a:latin typeface="Arial"/>
-            </a:endParaRPr>
-          </a:p>
-        </p:txBody>
-      </p:sp>
-      <p:sp>
-        <p:nvSpPr>
-          <p:cNvPr id="481" name="PlaceHolder 3"/>
-          <p:cNvSpPr>
-            <a:spLocks noGrp="1"/>
-          </p:cNvSpPr>
-          <p:nvPr>
-            <p:ph type="body"/>
-          </p:nvPr>
-        </p:nvSpPr>
-        <p:spPr>
-          <a:xfrm>
-            <a:off x="5152680" y="1326600"/>
-            <a:ext cx="4426920" cy="3288600"/>
-          </a:xfrm>
-          <a:prstGeom prst="rect">
-            <a:avLst/>
-          </a:prstGeom>
-        </p:spPr>
-        <p:txBody>
-          <a:bodyPr lIns="0" rIns="0" tIns="0" bIns="0">
-            <a:normAutofit/>
-          </a:bodyPr>
-          <a:p>
-            <a:endParaRPr b="0" lang="en-US" sz="3200" spc="-1" strike="noStrike">
-              <a:latin typeface="Arial"/>
-            </a:endParaRPr>
-          </a:p>
-        </p:txBody>
-      </p:sp>
-      <p:sp>
-        <p:nvSpPr>
-          <p:cNvPr id="482" name="PlaceHolder 4"/>
-          <p:cNvSpPr>
-            <a:spLocks noGrp="1"/>
-          </p:cNvSpPr>
-          <p:nvPr>
-            <p:ph type="body"/>
-          </p:nvPr>
-        </p:nvSpPr>
-        <p:spPr>
-          <a:xfrm>
-            <a:off x="504000" y="3044520"/>
-            <a:ext cx="4426920" cy="1568520"/>
-          </a:xfrm>
-          <a:prstGeom prst="rect">
-            <a:avLst/>
-          </a:prstGeom>
-        </p:spPr>
-        <p:txBody>
-          <a:bodyPr lIns="0" rIns="0" tIns="0" bIns="0">
-            <a:normAutofit/>
-          </a:bodyPr>
-          <a:p>
-            <a:endParaRPr b="0" lang="en-US" sz="3200" spc="-1" strike="noStrike">
-              <a:latin typeface="Arial"/>
-            </a:endParaRPr>
-          </a:p>
-        </p:txBody>
-      </p:sp>
-    </p:spTree>
-  </p:cSld>
-</p:sldLayout>
-</file>
-
 <file path=ppt/slideLayouts/slideLayout14.xml><?xml version="1.0" encoding="utf-8"?>
 <p:sldLayout xmlns:a="http://schemas.openxmlformats.org/drawingml/2006/main" xmlns:p="http://schemas.openxmlformats.org/presentationml/2006/main" xmlns:r="http://schemas.openxmlformats.org/officeDocument/2006/relationships" xmlns:p14="http://schemas.microsoft.com/office/powerpoint/2010/main" xmlns:p15="http://schemas.microsoft.com/office/powerpoint/2012/main" xmlns:mc="http://schemas.openxmlformats.org/markup-compatibility/2006" type="tx" preserve="1">
   <p:cSld name="Title Slide">
@@ -5108,811 +4551,6 @@
           </a:bodyPr>
           <a:p>
             <a:pPr algn="ctr"/>
-            <a:endParaRPr b="0" lang="en-US" sz="3200" spc="-1" strike="noStrike">
-              <a:latin typeface="Arial"/>
-            </a:endParaRPr>
-          </a:p>
-        </p:txBody>
-      </p:sp>
-    </p:spTree>
-  </p:cSld>
-</p:sldLayout>
-</file>
-
-<file path=ppt/slideLayouts/slideLayout140.xml><?xml version="1.0" encoding="utf-8"?>
-<p:sldLayout xmlns:a="http://schemas.openxmlformats.org/drawingml/2006/main" xmlns:p="http://schemas.openxmlformats.org/presentationml/2006/main" xmlns:r="http://schemas.openxmlformats.org/officeDocument/2006/relationships" xmlns:p14="http://schemas.microsoft.com/office/powerpoint/2010/main" xmlns:p15="http://schemas.microsoft.com/office/powerpoint/2012/main" xmlns:mc="http://schemas.openxmlformats.org/markup-compatibility/2006" type="objAndTwoObj" preserve="1">
-  <p:cSld name="Title Content and 2 Content">
-    <p:spTree>
-      <p:nvGrpSpPr>
-        <p:cNvPr id="1" name=""/>
-        <p:cNvGrpSpPr/>
-        <p:nvPr/>
-      </p:nvGrpSpPr>
-      <p:grpSpPr>
-        <a:xfrm>
-          <a:off x="0" y="0"/>
-          <a:ext cx="0" cy="0"/>
-          <a:chOff x="0" y="0"/>
-          <a:chExt cx="0" cy="0"/>
-        </a:xfrm>
-      </p:grpSpPr>
-      <p:sp>
-        <p:nvSpPr>
-          <p:cNvPr id="483" name="PlaceHolder 1"/>
-          <p:cNvSpPr>
-            <a:spLocks noGrp="1"/>
-          </p:cNvSpPr>
-          <p:nvPr>
-            <p:ph type="title"/>
-          </p:nvPr>
-        </p:nvSpPr>
-        <p:spPr>
-          <a:xfrm>
-            <a:off x="504000" y="226080"/>
-            <a:ext cx="9072000" cy="946440"/>
-          </a:xfrm>
-          <a:prstGeom prst="rect">
-            <a:avLst/>
-          </a:prstGeom>
-        </p:spPr>
-        <p:txBody>
-          <a:bodyPr lIns="0" rIns="0" tIns="0" bIns="0" anchor="ctr">
-            <a:noAutofit/>
-          </a:bodyPr>
-          <a:p>
-            <a:pPr algn="ctr"/>
-            <a:endParaRPr b="0" lang="en-US" sz="4400" spc="-1" strike="noStrike">
-              <a:latin typeface="Arial"/>
-            </a:endParaRPr>
-          </a:p>
-        </p:txBody>
-      </p:sp>
-      <p:sp>
-        <p:nvSpPr>
-          <p:cNvPr id="484" name="PlaceHolder 2"/>
-          <p:cNvSpPr>
-            <a:spLocks noGrp="1"/>
-          </p:cNvSpPr>
-          <p:nvPr>
-            <p:ph type="body"/>
-          </p:nvPr>
-        </p:nvSpPr>
-        <p:spPr>
-          <a:xfrm>
-            <a:off x="504000" y="1326600"/>
-            <a:ext cx="4426920" cy="3288600"/>
-          </a:xfrm>
-          <a:prstGeom prst="rect">
-            <a:avLst/>
-          </a:prstGeom>
-        </p:spPr>
-        <p:txBody>
-          <a:bodyPr lIns="0" rIns="0" tIns="0" bIns="0">
-            <a:normAutofit/>
-          </a:bodyPr>
-          <a:p>
-            <a:endParaRPr b="0" lang="en-US" sz="3200" spc="-1" strike="noStrike">
-              <a:latin typeface="Arial"/>
-            </a:endParaRPr>
-          </a:p>
-        </p:txBody>
-      </p:sp>
-      <p:sp>
-        <p:nvSpPr>
-          <p:cNvPr id="485" name="PlaceHolder 3"/>
-          <p:cNvSpPr>
-            <a:spLocks noGrp="1"/>
-          </p:cNvSpPr>
-          <p:nvPr>
-            <p:ph type="body"/>
-          </p:nvPr>
-        </p:nvSpPr>
-        <p:spPr>
-          <a:xfrm>
-            <a:off x="5152680" y="1326600"/>
-            <a:ext cx="4426920" cy="1568520"/>
-          </a:xfrm>
-          <a:prstGeom prst="rect">
-            <a:avLst/>
-          </a:prstGeom>
-        </p:spPr>
-        <p:txBody>
-          <a:bodyPr lIns="0" rIns="0" tIns="0" bIns="0">
-            <a:normAutofit/>
-          </a:bodyPr>
-          <a:p>
-            <a:endParaRPr b="0" lang="en-US" sz="3200" spc="-1" strike="noStrike">
-              <a:latin typeface="Arial"/>
-            </a:endParaRPr>
-          </a:p>
-        </p:txBody>
-      </p:sp>
-      <p:sp>
-        <p:nvSpPr>
-          <p:cNvPr id="486" name="PlaceHolder 4"/>
-          <p:cNvSpPr>
-            <a:spLocks noGrp="1"/>
-          </p:cNvSpPr>
-          <p:nvPr>
-            <p:ph type="body"/>
-          </p:nvPr>
-        </p:nvSpPr>
-        <p:spPr>
-          <a:xfrm>
-            <a:off x="5152680" y="3044520"/>
-            <a:ext cx="4426920" cy="1568520"/>
-          </a:xfrm>
-          <a:prstGeom prst="rect">
-            <a:avLst/>
-          </a:prstGeom>
-        </p:spPr>
-        <p:txBody>
-          <a:bodyPr lIns="0" rIns="0" tIns="0" bIns="0">
-            <a:normAutofit/>
-          </a:bodyPr>
-          <a:p>
-            <a:endParaRPr b="0" lang="en-US" sz="3200" spc="-1" strike="noStrike">
-              <a:latin typeface="Arial"/>
-            </a:endParaRPr>
-          </a:p>
-        </p:txBody>
-      </p:sp>
-    </p:spTree>
-  </p:cSld>
-</p:sldLayout>
-</file>
-
-<file path=ppt/slideLayouts/slideLayout141.xml><?xml version="1.0" encoding="utf-8"?>
-<p:sldLayout xmlns:a="http://schemas.openxmlformats.org/drawingml/2006/main" xmlns:p="http://schemas.openxmlformats.org/presentationml/2006/main" xmlns:r="http://schemas.openxmlformats.org/officeDocument/2006/relationships" xmlns:p14="http://schemas.microsoft.com/office/powerpoint/2010/main" xmlns:p15="http://schemas.microsoft.com/office/powerpoint/2012/main" xmlns:mc="http://schemas.openxmlformats.org/markup-compatibility/2006" type="twoObjOverTx" preserve="1">
-  <p:cSld name="Title, 2 Content over Content">
-    <p:spTree>
-      <p:nvGrpSpPr>
-        <p:cNvPr id="1" name=""/>
-        <p:cNvGrpSpPr/>
-        <p:nvPr/>
-      </p:nvGrpSpPr>
-      <p:grpSpPr>
-        <a:xfrm>
-          <a:off x="0" y="0"/>
-          <a:ext cx="0" cy="0"/>
-          <a:chOff x="0" y="0"/>
-          <a:chExt cx="0" cy="0"/>
-        </a:xfrm>
-      </p:grpSpPr>
-      <p:sp>
-        <p:nvSpPr>
-          <p:cNvPr id="487" name="PlaceHolder 1"/>
-          <p:cNvSpPr>
-            <a:spLocks noGrp="1"/>
-          </p:cNvSpPr>
-          <p:nvPr>
-            <p:ph type="title"/>
-          </p:nvPr>
-        </p:nvSpPr>
-        <p:spPr>
-          <a:xfrm>
-            <a:off x="504000" y="226080"/>
-            <a:ext cx="9072000" cy="946440"/>
-          </a:xfrm>
-          <a:prstGeom prst="rect">
-            <a:avLst/>
-          </a:prstGeom>
-        </p:spPr>
-        <p:txBody>
-          <a:bodyPr lIns="0" rIns="0" tIns="0" bIns="0" anchor="ctr">
-            <a:noAutofit/>
-          </a:bodyPr>
-          <a:p>
-            <a:pPr algn="ctr"/>
-            <a:endParaRPr b="0" lang="en-US" sz="4400" spc="-1" strike="noStrike">
-              <a:latin typeface="Arial"/>
-            </a:endParaRPr>
-          </a:p>
-        </p:txBody>
-      </p:sp>
-      <p:sp>
-        <p:nvSpPr>
-          <p:cNvPr id="488" name="PlaceHolder 2"/>
-          <p:cNvSpPr>
-            <a:spLocks noGrp="1"/>
-          </p:cNvSpPr>
-          <p:nvPr>
-            <p:ph type="body"/>
-          </p:nvPr>
-        </p:nvSpPr>
-        <p:spPr>
-          <a:xfrm>
-            <a:off x="504000" y="1326600"/>
-            <a:ext cx="4426920" cy="1568520"/>
-          </a:xfrm>
-          <a:prstGeom prst="rect">
-            <a:avLst/>
-          </a:prstGeom>
-        </p:spPr>
-        <p:txBody>
-          <a:bodyPr lIns="0" rIns="0" tIns="0" bIns="0">
-            <a:normAutofit/>
-          </a:bodyPr>
-          <a:p>
-            <a:endParaRPr b="0" lang="en-US" sz="3200" spc="-1" strike="noStrike">
-              <a:latin typeface="Arial"/>
-            </a:endParaRPr>
-          </a:p>
-        </p:txBody>
-      </p:sp>
-      <p:sp>
-        <p:nvSpPr>
-          <p:cNvPr id="489" name="PlaceHolder 3"/>
-          <p:cNvSpPr>
-            <a:spLocks noGrp="1"/>
-          </p:cNvSpPr>
-          <p:nvPr>
-            <p:ph type="body"/>
-          </p:nvPr>
-        </p:nvSpPr>
-        <p:spPr>
-          <a:xfrm>
-            <a:off x="5152680" y="1326600"/>
-            <a:ext cx="4426920" cy="1568520"/>
-          </a:xfrm>
-          <a:prstGeom prst="rect">
-            <a:avLst/>
-          </a:prstGeom>
-        </p:spPr>
-        <p:txBody>
-          <a:bodyPr lIns="0" rIns="0" tIns="0" bIns="0">
-            <a:normAutofit/>
-          </a:bodyPr>
-          <a:p>
-            <a:endParaRPr b="0" lang="en-US" sz="3200" spc="-1" strike="noStrike">
-              <a:latin typeface="Arial"/>
-            </a:endParaRPr>
-          </a:p>
-        </p:txBody>
-      </p:sp>
-      <p:sp>
-        <p:nvSpPr>
-          <p:cNvPr id="490" name="PlaceHolder 4"/>
-          <p:cNvSpPr>
-            <a:spLocks noGrp="1"/>
-          </p:cNvSpPr>
-          <p:nvPr>
-            <p:ph type="body"/>
-          </p:nvPr>
-        </p:nvSpPr>
-        <p:spPr>
-          <a:xfrm>
-            <a:off x="504000" y="3044520"/>
-            <a:ext cx="9072000" cy="1568520"/>
-          </a:xfrm>
-          <a:prstGeom prst="rect">
-            <a:avLst/>
-          </a:prstGeom>
-        </p:spPr>
-        <p:txBody>
-          <a:bodyPr lIns="0" rIns="0" tIns="0" bIns="0">
-            <a:normAutofit/>
-          </a:bodyPr>
-          <a:p>
-            <a:endParaRPr b="0" lang="en-US" sz="3200" spc="-1" strike="noStrike">
-              <a:latin typeface="Arial"/>
-            </a:endParaRPr>
-          </a:p>
-        </p:txBody>
-      </p:sp>
-    </p:spTree>
-  </p:cSld>
-</p:sldLayout>
-</file>
-
-<file path=ppt/slideLayouts/slideLayout142.xml><?xml version="1.0" encoding="utf-8"?>
-<p:sldLayout xmlns:a="http://schemas.openxmlformats.org/drawingml/2006/main" xmlns:p="http://schemas.openxmlformats.org/presentationml/2006/main" xmlns:r="http://schemas.openxmlformats.org/officeDocument/2006/relationships" xmlns:p14="http://schemas.microsoft.com/office/powerpoint/2010/main" xmlns:p15="http://schemas.microsoft.com/office/powerpoint/2012/main" xmlns:mc="http://schemas.openxmlformats.org/markup-compatibility/2006" type="objOverTx" preserve="1">
-  <p:cSld name="Title, Content over Content">
-    <p:spTree>
-      <p:nvGrpSpPr>
-        <p:cNvPr id="1" name=""/>
-        <p:cNvGrpSpPr/>
-        <p:nvPr/>
-      </p:nvGrpSpPr>
-      <p:grpSpPr>
-        <a:xfrm>
-          <a:off x="0" y="0"/>
-          <a:ext cx="0" cy="0"/>
-          <a:chOff x="0" y="0"/>
-          <a:chExt cx="0" cy="0"/>
-        </a:xfrm>
-      </p:grpSpPr>
-      <p:sp>
-        <p:nvSpPr>
-          <p:cNvPr id="491" name="PlaceHolder 1"/>
-          <p:cNvSpPr>
-            <a:spLocks noGrp="1"/>
-          </p:cNvSpPr>
-          <p:nvPr>
-            <p:ph type="title"/>
-          </p:nvPr>
-        </p:nvSpPr>
-        <p:spPr>
-          <a:xfrm>
-            <a:off x="504000" y="226080"/>
-            <a:ext cx="9072000" cy="946440"/>
-          </a:xfrm>
-          <a:prstGeom prst="rect">
-            <a:avLst/>
-          </a:prstGeom>
-        </p:spPr>
-        <p:txBody>
-          <a:bodyPr lIns="0" rIns="0" tIns="0" bIns="0" anchor="ctr">
-            <a:noAutofit/>
-          </a:bodyPr>
-          <a:p>
-            <a:pPr algn="ctr"/>
-            <a:endParaRPr b="0" lang="en-US" sz="4400" spc="-1" strike="noStrike">
-              <a:latin typeface="Arial"/>
-            </a:endParaRPr>
-          </a:p>
-        </p:txBody>
-      </p:sp>
-      <p:sp>
-        <p:nvSpPr>
-          <p:cNvPr id="492" name="PlaceHolder 2"/>
-          <p:cNvSpPr>
-            <a:spLocks noGrp="1"/>
-          </p:cNvSpPr>
-          <p:nvPr>
-            <p:ph type="body"/>
-          </p:nvPr>
-        </p:nvSpPr>
-        <p:spPr>
-          <a:xfrm>
-            <a:off x="504000" y="1326600"/>
-            <a:ext cx="9072000" cy="1568520"/>
-          </a:xfrm>
-          <a:prstGeom prst="rect">
-            <a:avLst/>
-          </a:prstGeom>
-        </p:spPr>
-        <p:txBody>
-          <a:bodyPr lIns="0" rIns="0" tIns="0" bIns="0">
-            <a:normAutofit/>
-          </a:bodyPr>
-          <a:p>
-            <a:endParaRPr b="0" lang="en-US" sz="3200" spc="-1" strike="noStrike">
-              <a:latin typeface="Arial"/>
-            </a:endParaRPr>
-          </a:p>
-        </p:txBody>
-      </p:sp>
-      <p:sp>
-        <p:nvSpPr>
-          <p:cNvPr id="493" name="PlaceHolder 3"/>
-          <p:cNvSpPr>
-            <a:spLocks noGrp="1"/>
-          </p:cNvSpPr>
-          <p:nvPr>
-            <p:ph type="body"/>
-          </p:nvPr>
-        </p:nvSpPr>
-        <p:spPr>
-          <a:xfrm>
-            <a:off x="504000" y="3044520"/>
-            <a:ext cx="9072000" cy="1568520"/>
-          </a:xfrm>
-          <a:prstGeom prst="rect">
-            <a:avLst/>
-          </a:prstGeom>
-        </p:spPr>
-        <p:txBody>
-          <a:bodyPr lIns="0" rIns="0" tIns="0" bIns="0">
-            <a:normAutofit/>
-          </a:bodyPr>
-          <a:p>
-            <a:endParaRPr b="0" lang="en-US" sz="3200" spc="-1" strike="noStrike">
-              <a:latin typeface="Arial"/>
-            </a:endParaRPr>
-          </a:p>
-        </p:txBody>
-      </p:sp>
-    </p:spTree>
-  </p:cSld>
-</p:sldLayout>
-</file>
-
-<file path=ppt/slideLayouts/slideLayout143.xml><?xml version="1.0" encoding="utf-8"?>
-<p:sldLayout xmlns:a="http://schemas.openxmlformats.org/drawingml/2006/main" xmlns:p="http://schemas.openxmlformats.org/presentationml/2006/main" xmlns:r="http://schemas.openxmlformats.org/officeDocument/2006/relationships" xmlns:p14="http://schemas.microsoft.com/office/powerpoint/2010/main" xmlns:p15="http://schemas.microsoft.com/office/powerpoint/2012/main" xmlns:mc="http://schemas.openxmlformats.org/markup-compatibility/2006" type="fourObj" preserve="1">
-  <p:cSld name="Title, 4 Content">
-    <p:spTree>
-      <p:nvGrpSpPr>
-        <p:cNvPr id="1" name=""/>
-        <p:cNvGrpSpPr/>
-        <p:nvPr/>
-      </p:nvGrpSpPr>
-      <p:grpSpPr>
-        <a:xfrm>
-          <a:off x="0" y="0"/>
-          <a:ext cx="0" cy="0"/>
-          <a:chOff x="0" y="0"/>
-          <a:chExt cx="0" cy="0"/>
-        </a:xfrm>
-      </p:grpSpPr>
-      <p:sp>
-        <p:nvSpPr>
-          <p:cNvPr id="494" name="PlaceHolder 1"/>
-          <p:cNvSpPr>
-            <a:spLocks noGrp="1"/>
-          </p:cNvSpPr>
-          <p:nvPr>
-            <p:ph type="title"/>
-          </p:nvPr>
-        </p:nvSpPr>
-        <p:spPr>
-          <a:xfrm>
-            <a:off x="504000" y="226080"/>
-            <a:ext cx="9072000" cy="946440"/>
-          </a:xfrm>
-          <a:prstGeom prst="rect">
-            <a:avLst/>
-          </a:prstGeom>
-        </p:spPr>
-        <p:txBody>
-          <a:bodyPr lIns="0" rIns="0" tIns="0" bIns="0" anchor="ctr">
-            <a:noAutofit/>
-          </a:bodyPr>
-          <a:p>
-            <a:pPr algn="ctr"/>
-            <a:endParaRPr b="0" lang="en-US" sz="4400" spc="-1" strike="noStrike">
-              <a:latin typeface="Arial"/>
-            </a:endParaRPr>
-          </a:p>
-        </p:txBody>
-      </p:sp>
-      <p:sp>
-        <p:nvSpPr>
-          <p:cNvPr id="495" name="PlaceHolder 2"/>
-          <p:cNvSpPr>
-            <a:spLocks noGrp="1"/>
-          </p:cNvSpPr>
-          <p:nvPr>
-            <p:ph type="body"/>
-          </p:nvPr>
-        </p:nvSpPr>
-        <p:spPr>
-          <a:xfrm>
-            <a:off x="504000" y="1326600"/>
-            <a:ext cx="4426920" cy="1568520"/>
-          </a:xfrm>
-          <a:prstGeom prst="rect">
-            <a:avLst/>
-          </a:prstGeom>
-        </p:spPr>
-        <p:txBody>
-          <a:bodyPr lIns="0" rIns="0" tIns="0" bIns="0">
-            <a:normAutofit/>
-          </a:bodyPr>
-          <a:p>
-            <a:endParaRPr b="0" lang="en-US" sz="3200" spc="-1" strike="noStrike">
-              <a:latin typeface="Arial"/>
-            </a:endParaRPr>
-          </a:p>
-        </p:txBody>
-      </p:sp>
-      <p:sp>
-        <p:nvSpPr>
-          <p:cNvPr id="496" name="PlaceHolder 3"/>
-          <p:cNvSpPr>
-            <a:spLocks noGrp="1"/>
-          </p:cNvSpPr>
-          <p:nvPr>
-            <p:ph type="body"/>
-          </p:nvPr>
-        </p:nvSpPr>
-        <p:spPr>
-          <a:xfrm>
-            <a:off x="5152680" y="1326600"/>
-            <a:ext cx="4426920" cy="1568520"/>
-          </a:xfrm>
-          <a:prstGeom prst="rect">
-            <a:avLst/>
-          </a:prstGeom>
-        </p:spPr>
-        <p:txBody>
-          <a:bodyPr lIns="0" rIns="0" tIns="0" bIns="0">
-            <a:normAutofit/>
-          </a:bodyPr>
-          <a:p>
-            <a:endParaRPr b="0" lang="en-US" sz="3200" spc="-1" strike="noStrike">
-              <a:latin typeface="Arial"/>
-            </a:endParaRPr>
-          </a:p>
-        </p:txBody>
-      </p:sp>
-      <p:sp>
-        <p:nvSpPr>
-          <p:cNvPr id="497" name="PlaceHolder 4"/>
-          <p:cNvSpPr>
-            <a:spLocks noGrp="1"/>
-          </p:cNvSpPr>
-          <p:nvPr>
-            <p:ph type="body"/>
-          </p:nvPr>
-        </p:nvSpPr>
-        <p:spPr>
-          <a:xfrm>
-            <a:off x="504000" y="3044520"/>
-            <a:ext cx="4426920" cy="1568520"/>
-          </a:xfrm>
-          <a:prstGeom prst="rect">
-            <a:avLst/>
-          </a:prstGeom>
-        </p:spPr>
-        <p:txBody>
-          <a:bodyPr lIns="0" rIns="0" tIns="0" bIns="0">
-            <a:normAutofit/>
-          </a:bodyPr>
-          <a:p>
-            <a:endParaRPr b="0" lang="en-US" sz="3200" spc="-1" strike="noStrike">
-              <a:latin typeface="Arial"/>
-            </a:endParaRPr>
-          </a:p>
-        </p:txBody>
-      </p:sp>
-      <p:sp>
-        <p:nvSpPr>
-          <p:cNvPr id="498" name="PlaceHolder 5"/>
-          <p:cNvSpPr>
-            <a:spLocks noGrp="1"/>
-          </p:cNvSpPr>
-          <p:nvPr>
-            <p:ph type="body"/>
-          </p:nvPr>
-        </p:nvSpPr>
-        <p:spPr>
-          <a:xfrm>
-            <a:off x="5152680" y="3044520"/>
-            <a:ext cx="4426920" cy="1568520"/>
-          </a:xfrm>
-          <a:prstGeom prst="rect">
-            <a:avLst/>
-          </a:prstGeom>
-        </p:spPr>
-        <p:txBody>
-          <a:bodyPr lIns="0" rIns="0" tIns="0" bIns="0">
-            <a:normAutofit/>
-          </a:bodyPr>
-          <a:p>
-            <a:endParaRPr b="0" lang="en-US" sz="3200" spc="-1" strike="noStrike">
-              <a:latin typeface="Arial"/>
-            </a:endParaRPr>
-          </a:p>
-        </p:txBody>
-      </p:sp>
-    </p:spTree>
-  </p:cSld>
-</p:sldLayout>
-</file>
-
-<file path=ppt/slideLayouts/slideLayout144.xml><?xml version="1.0" encoding="utf-8"?>
-<p:sldLayout xmlns:a="http://schemas.openxmlformats.org/drawingml/2006/main" xmlns:p="http://schemas.openxmlformats.org/presentationml/2006/main" xmlns:r="http://schemas.openxmlformats.org/officeDocument/2006/relationships" xmlns:p14="http://schemas.microsoft.com/office/powerpoint/2010/main" xmlns:p15="http://schemas.microsoft.com/office/powerpoint/2012/main" xmlns:mc="http://schemas.openxmlformats.org/markup-compatibility/2006" type="blank" preserve="1">
-  <p:cSld name="Title, 6 Content">
-    <p:spTree>
-      <p:nvGrpSpPr>
-        <p:cNvPr id="1" name=""/>
-        <p:cNvGrpSpPr/>
-        <p:nvPr/>
-      </p:nvGrpSpPr>
-      <p:grpSpPr>
-        <a:xfrm>
-          <a:off x="0" y="0"/>
-          <a:ext cx="0" cy="0"/>
-          <a:chOff x="0" y="0"/>
-          <a:chExt cx="0" cy="0"/>
-        </a:xfrm>
-      </p:grpSpPr>
-      <p:sp>
-        <p:nvSpPr>
-          <p:cNvPr id="499" name="PlaceHolder 1"/>
-          <p:cNvSpPr>
-            <a:spLocks noGrp="1"/>
-          </p:cNvSpPr>
-          <p:nvPr>
-            <p:ph type="title"/>
-          </p:nvPr>
-        </p:nvSpPr>
-        <p:spPr>
-          <a:xfrm>
-            <a:off x="504000" y="226080"/>
-            <a:ext cx="9072000" cy="946440"/>
-          </a:xfrm>
-          <a:prstGeom prst="rect">
-            <a:avLst/>
-          </a:prstGeom>
-        </p:spPr>
-        <p:txBody>
-          <a:bodyPr lIns="0" rIns="0" tIns="0" bIns="0" anchor="ctr">
-            <a:noAutofit/>
-          </a:bodyPr>
-          <a:p>
-            <a:pPr algn="ctr"/>
-            <a:endParaRPr b="0" lang="en-US" sz="4400" spc="-1" strike="noStrike">
-              <a:latin typeface="Arial"/>
-            </a:endParaRPr>
-          </a:p>
-        </p:txBody>
-      </p:sp>
-      <p:sp>
-        <p:nvSpPr>
-          <p:cNvPr id="500" name="PlaceHolder 2"/>
-          <p:cNvSpPr>
-            <a:spLocks noGrp="1"/>
-          </p:cNvSpPr>
-          <p:nvPr>
-            <p:ph type="body"/>
-          </p:nvPr>
-        </p:nvSpPr>
-        <p:spPr>
-          <a:xfrm>
-            <a:off x="504000" y="1326600"/>
-            <a:ext cx="2921040" cy="1568520"/>
-          </a:xfrm>
-          <a:prstGeom prst="rect">
-            <a:avLst/>
-          </a:prstGeom>
-        </p:spPr>
-        <p:txBody>
-          <a:bodyPr lIns="0" rIns="0" tIns="0" bIns="0">
-            <a:normAutofit/>
-          </a:bodyPr>
-          <a:p>
-            <a:endParaRPr b="0" lang="en-US" sz="3200" spc="-1" strike="noStrike">
-              <a:latin typeface="Arial"/>
-            </a:endParaRPr>
-          </a:p>
-        </p:txBody>
-      </p:sp>
-      <p:sp>
-        <p:nvSpPr>
-          <p:cNvPr id="501" name="PlaceHolder 3"/>
-          <p:cNvSpPr>
-            <a:spLocks noGrp="1"/>
-          </p:cNvSpPr>
-          <p:nvPr>
-            <p:ph type="body"/>
-          </p:nvPr>
-        </p:nvSpPr>
-        <p:spPr>
-          <a:xfrm>
-            <a:off x="3571560" y="1326600"/>
-            <a:ext cx="2921040" cy="1568520"/>
-          </a:xfrm>
-          <a:prstGeom prst="rect">
-            <a:avLst/>
-          </a:prstGeom>
-        </p:spPr>
-        <p:txBody>
-          <a:bodyPr lIns="0" rIns="0" tIns="0" bIns="0">
-            <a:normAutofit/>
-          </a:bodyPr>
-          <a:p>
-            <a:endParaRPr b="0" lang="en-US" sz="3200" spc="-1" strike="noStrike">
-              <a:latin typeface="Arial"/>
-            </a:endParaRPr>
-          </a:p>
-        </p:txBody>
-      </p:sp>
-      <p:sp>
-        <p:nvSpPr>
-          <p:cNvPr id="502" name="PlaceHolder 4"/>
-          <p:cNvSpPr>
-            <a:spLocks noGrp="1"/>
-          </p:cNvSpPr>
-          <p:nvPr>
-            <p:ph type="body"/>
-          </p:nvPr>
-        </p:nvSpPr>
-        <p:spPr>
-          <a:xfrm>
-            <a:off x="6639120" y="1326600"/>
-            <a:ext cx="2921040" cy="1568520"/>
-          </a:xfrm>
-          <a:prstGeom prst="rect">
-            <a:avLst/>
-          </a:prstGeom>
-        </p:spPr>
-        <p:txBody>
-          <a:bodyPr lIns="0" rIns="0" tIns="0" bIns="0">
-            <a:normAutofit/>
-          </a:bodyPr>
-          <a:p>
-            <a:endParaRPr b="0" lang="en-US" sz="3200" spc="-1" strike="noStrike">
-              <a:latin typeface="Arial"/>
-            </a:endParaRPr>
-          </a:p>
-        </p:txBody>
-      </p:sp>
-      <p:sp>
-        <p:nvSpPr>
-          <p:cNvPr id="503" name="PlaceHolder 5"/>
-          <p:cNvSpPr>
-            <a:spLocks noGrp="1"/>
-          </p:cNvSpPr>
-          <p:nvPr>
-            <p:ph type="body"/>
-          </p:nvPr>
-        </p:nvSpPr>
-        <p:spPr>
-          <a:xfrm>
-            <a:off x="504000" y="3044520"/>
-            <a:ext cx="2921040" cy="1568520"/>
-          </a:xfrm>
-          <a:prstGeom prst="rect">
-            <a:avLst/>
-          </a:prstGeom>
-        </p:spPr>
-        <p:txBody>
-          <a:bodyPr lIns="0" rIns="0" tIns="0" bIns="0">
-            <a:normAutofit/>
-          </a:bodyPr>
-          <a:p>
-            <a:endParaRPr b="0" lang="en-US" sz="3200" spc="-1" strike="noStrike">
-              <a:latin typeface="Arial"/>
-            </a:endParaRPr>
-          </a:p>
-        </p:txBody>
-      </p:sp>
-      <p:sp>
-        <p:nvSpPr>
-          <p:cNvPr id="504" name="PlaceHolder 6"/>
-          <p:cNvSpPr>
-            <a:spLocks noGrp="1"/>
-          </p:cNvSpPr>
-          <p:nvPr>
-            <p:ph type="body"/>
-          </p:nvPr>
-        </p:nvSpPr>
-        <p:spPr>
-          <a:xfrm>
-            <a:off x="3571560" y="3044520"/>
-            <a:ext cx="2921040" cy="1568520"/>
-          </a:xfrm>
-          <a:prstGeom prst="rect">
-            <a:avLst/>
-          </a:prstGeom>
-        </p:spPr>
-        <p:txBody>
-          <a:bodyPr lIns="0" rIns="0" tIns="0" bIns="0">
-            <a:normAutofit/>
-          </a:bodyPr>
-          <a:p>
-            <a:endParaRPr b="0" lang="en-US" sz="3200" spc="-1" strike="noStrike">
-              <a:latin typeface="Arial"/>
-            </a:endParaRPr>
-          </a:p>
-        </p:txBody>
-      </p:sp>
-      <p:sp>
-        <p:nvSpPr>
-          <p:cNvPr id="505" name="PlaceHolder 7"/>
-          <p:cNvSpPr>
-            <a:spLocks noGrp="1"/>
-          </p:cNvSpPr>
-          <p:nvPr>
-            <p:ph type="body"/>
-          </p:nvPr>
-        </p:nvSpPr>
-        <p:spPr>
-          <a:xfrm>
-            <a:off x="6639120" y="3044520"/>
-            <a:ext cx="2921040" cy="1568520"/>
-          </a:xfrm>
-          <a:prstGeom prst="rect">
-            <a:avLst/>
-          </a:prstGeom>
-        </p:spPr>
-        <p:txBody>
-          <a:bodyPr lIns="0" rIns="0" tIns="0" bIns="0">
-            <a:normAutofit/>
-          </a:bodyPr>
-          <a:p>
             <a:endParaRPr b="0" lang="en-US" sz="3200" spc="-1" strike="noStrike">
               <a:latin typeface="Arial"/>
             </a:endParaRPr>
@@ -7299,7 +5937,7 @@
       </p:grpSpPr>
       <p:sp>
         <p:nvSpPr>
-          <p:cNvPr id="92" name="PlaceHolder 1"/>
+          <p:cNvPr id="91" name="PlaceHolder 1"/>
           <p:cNvSpPr>
             <a:spLocks noGrp="1"/>
           </p:cNvSpPr>
@@ -7330,7 +5968,7 @@
       </p:sp>
       <p:sp>
         <p:nvSpPr>
-          <p:cNvPr id="93" name="PlaceHolder 2"/>
+          <p:cNvPr id="92" name="PlaceHolder 2"/>
           <p:cNvSpPr>
             <a:spLocks noGrp="1"/>
           </p:cNvSpPr>
@@ -7383,7 +6021,7 @@
       </p:grpSpPr>
       <p:sp>
         <p:nvSpPr>
-          <p:cNvPr id="94" name="PlaceHolder 1"/>
+          <p:cNvPr id="93" name="PlaceHolder 1"/>
           <p:cNvSpPr>
             <a:spLocks noGrp="1"/>
           </p:cNvSpPr>
@@ -7414,7 +6052,7 @@
       </p:sp>
       <p:sp>
         <p:nvSpPr>
-          <p:cNvPr id="95" name="PlaceHolder 2"/>
+          <p:cNvPr id="94" name="PlaceHolder 2"/>
           <p:cNvSpPr>
             <a:spLocks noGrp="1"/>
           </p:cNvSpPr>
@@ -7466,7 +6104,7 @@
       </p:grpSpPr>
       <p:sp>
         <p:nvSpPr>
-          <p:cNvPr id="96" name="PlaceHolder 1"/>
+          <p:cNvPr id="95" name="PlaceHolder 1"/>
           <p:cNvSpPr>
             <a:spLocks noGrp="1"/>
           </p:cNvSpPr>
@@ -7497,7 +6135,7 @@
       </p:sp>
       <p:sp>
         <p:nvSpPr>
-          <p:cNvPr id="97" name="PlaceHolder 2"/>
+          <p:cNvPr id="96" name="PlaceHolder 2"/>
           <p:cNvSpPr>
             <a:spLocks noGrp="1"/>
           </p:cNvSpPr>
@@ -7527,7 +6165,7 @@
       </p:sp>
       <p:sp>
         <p:nvSpPr>
-          <p:cNvPr id="98" name="PlaceHolder 3"/>
+          <p:cNvPr id="97" name="PlaceHolder 3"/>
           <p:cNvSpPr>
             <a:spLocks noGrp="1"/>
           </p:cNvSpPr>
@@ -7579,7 +6217,7 @@
       </p:grpSpPr>
       <p:sp>
         <p:nvSpPr>
-          <p:cNvPr id="99" name="PlaceHolder 1"/>
+          <p:cNvPr id="98" name="PlaceHolder 1"/>
           <p:cNvSpPr>
             <a:spLocks noGrp="1"/>
           </p:cNvSpPr>
@@ -7715,7 +6353,7 @@
       </p:grpSpPr>
       <p:sp>
         <p:nvSpPr>
-          <p:cNvPr id="100" name="PlaceHolder 1"/>
+          <p:cNvPr id="99" name="PlaceHolder 1"/>
           <p:cNvSpPr>
             <a:spLocks noGrp="1"/>
           </p:cNvSpPr>
@@ -7768,7 +6406,7 @@
       </p:grpSpPr>
       <p:sp>
         <p:nvSpPr>
-          <p:cNvPr id="101" name="PlaceHolder 1"/>
+          <p:cNvPr id="100" name="PlaceHolder 1"/>
           <p:cNvSpPr>
             <a:spLocks noGrp="1"/>
           </p:cNvSpPr>
@@ -7799,7 +6437,7 @@
       </p:sp>
       <p:sp>
         <p:nvSpPr>
-          <p:cNvPr id="102" name="PlaceHolder 2"/>
+          <p:cNvPr id="101" name="PlaceHolder 2"/>
           <p:cNvSpPr>
             <a:spLocks noGrp="1"/>
           </p:cNvSpPr>
@@ -7829,7 +6467,7 @@
       </p:sp>
       <p:sp>
         <p:nvSpPr>
-          <p:cNvPr id="103" name="PlaceHolder 3"/>
+          <p:cNvPr id="102" name="PlaceHolder 3"/>
           <p:cNvSpPr>
             <a:spLocks noGrp="1"/>
           </p:cNvSpPr>
@@ -7859,7 +6497,7 @@
       </p:sp>
       <p:sp>
         <p:nvSpPr>
-          <p:cNvPr id="104" name="PlaceHolder 4"/>
+          <p:cNvPr id="103" name="PlaceHolder 4"/>
           <p:cNvSpPr>
             <a:spLocks noGrp="1"/>
           </p:cNvSpPr>
@@ -7911,7 +6549,7 @@
       </p:grpSpPr>
       <p:sp>
         <p:nvSpPr>
-          <p:cNvPr id="105" name="PlaceHolder 1"/>
+          <p:cNvPr id="104" name="PlaceHolder 1"/>
           <p:cNvSpPr>
             <a:spLocks noGrp="1"/>
           </p:cNvSpPr>
@@ -7942,7 +6580,7 @@
       </p:sp>
       <p:sp>
         <p:nvSpPr>
-          <p:cNvPr id="106" name="PlaceHolder 2"/>
+          <p:cNvPr id="105" name="PlaceHolder 2"/>
           <p:cNvSpPr>
             <a:spLocks noGrp="1"/>
           </p:cNvSpPr>
@@ -7972,7 +6610,7 @@
       </p:sp>
       <p:sp>
         <p:nvSpPr>
-          <p:cNvPr id="107" name="PlaceHolder 3"/>
+          <p:cNvPr id="106" name="PlaceHolder 3"/>
           <p:cNvSpPr>
             <a:spLocks noGrp="1"/>
           </p:cNvSpPr>
@@ -8002,7 +6640,7 @@
       </p:sp>
       <p:sp>
         <p:nvSpPr>
-          <p:cNvPr id="108" name="PlaceHolder 4"/>
+          <p:cNvPr id="107" name="PlaceHolder 4"/>
           <p:cNvSpPr>
             <a:spLocks noGrp="1"/>
           </p:cNvSpPr>
@@ -8054,7 +6692,7 @@
       </p:grpSpPr>
       <p:sp>
         <p:nvSpPr>
-          <p:cNvPr id="109" name="PlaceHolder 1"/>
+          <p:cNvPr id="108" name="PlaceHolder 1"/>
           <p:cNvSpPr>
             <a:spLocks noGrp="1"/>
           </p:cNvSpPr>
@@ -8085,7 +6723,7 @@
       </p:sp>
       <p:sp>
         <p:nvSpPr>
-          <p:cNvPr id="110" name="PlaceHolder 2"/>
+          <p:cNvPr id="109" name="PlaceHolder 2"/>
           <p:cNvSpPr>
             <a:spLocks noGrp="1"/>
           </p:cNvSpPr>
@@ -8115,7 +6753,7 @@
       </p:sp>
       <p:sp>
         <p:nvSpPr>
-          <p:cNvPr id="111" name="PlaceHolder 3"/>
+          <p:cNvPr id="110" name="PlaceHolder 3"/>
           <p:cNvSpPr>
             <a:spLocks noGrp="1"/>
           </p:cNvSpPr>
@@ -8145,7 +6783,7 @@
       </p:sp>
       <p:sp>
         <p:nvSpPr>
-          <p:cNvPr id="112" name="PlaceHolder 4"/>
+          <p:cNvPr id="111" name="PlaceHolder 4"/>
           <p:cNvSpPr>
             <a:spLocks noGrp="1"/>
           </p:cNvSpPr>
@@ -8197,7 +6835,7 @@
       </p:grpSpPr>
       <p:sp>
         <p:nvSpPr>
-          <p:cNvPr id="113" name="PlaceHolder 1"/>
+          <p:cNvPr id="112" name="PlaceHolder 1"/>
           <p:cNvSpPr>
             <a:spLocks noGrp="1"/>
           </p:cNvSpPr>
@@ -8228,7 +6866,7 @@
       </p:sp>
       <p:sp>
         <p:nvSpPr>
-          <p:cNvPr id="114" name="PlaceHolder 2"/>
+          <p:cNvPr id="113" name="PlaceHolder 2"/>
           <p:cNvSpPr>
             <a:spLocks noGrp="1"/>
           </p:cNvSpPr>
@@ -8258,7 +6896,7 @@
       </p:sp>
       <p:sp>
         <p:nvSpPr>
-          <p:cNvPr id="115" name="PlaceHolder 3"/>
+          <p:cNvPr id="114" name="PlaceHolder 3"/>
           <p:cNvSpPr>
             <a:spLocks noGrp="1"/>
           </p:cNvSpPr>
@@ -8310,7 +6948,7 @@
       </p:grpSpPr>
       <p:sp>
         <p:nvSpPr>
-          <p:cNvPr id="116" name="PlaceHolder 1"/>
+          <p:cNvPr id="115" name="PlaceHolder 1"/>
           <p:cNvSpPr>
             <a:spLocks noGrp="1"/>
           </p:cNvSpPr>
@@ -8341,7 +6979,7 @@
       </p:sp>
       <p:sp>
         <p:nvSpPr>
-          <p:cNvPr id="117" name="PlaceHolder 2"/>
+          <p:cNvPr id="116" name="PlaceHolder 2"/>
           <p:cNvSpPr>
             <a:spLocks noGrp="1"/>
           </p:cNvSpPr>
@@ -8371,7 +7009,7 @@
       </p:sp>
       <p:sp>
         <p:nvSpPr>
-          <p:cNvPr id="118" name="PlaceHolder 3"/>
+          <p:cNvPr id="117" name="PlaceHolder 3"/>
           <p:cNvSpPr>
             <a:spLocks noGrp="1"/>
           </p:cNvSpPr>
@@ -8401,7 +7039,7 @@
       </p:sp>
       <p:sp>
         <p:nvSpPr>
-          <p:cNvPr id="119" name="PlaceHolder 4"/>
+          <p:cNvPr id="118" name="PlaceHolder 4"/>
           <p:cNvSpPr>
             <a:spLocks noGrp="1"/>
           </p:cNvSpPr>
@@ -8431,7 +7069,7 @@
       </p:sp>
       <p:sp>
         <p:nvSpPr>
-          <p:cNvPr id="120" name="PlaceHolder 5"/>
+          <p:cNvPr id="119" name="PlaceHolder 5"/>
           <p:cNvSpPr>
             <a:spLocks noGrp="1"/>
           </p:cNvSpPr>
@@ -8483,7 +7121,7 @@
       </p:grpSpPr>
       <p:sp>
         <p:nvSpPr>
-          <p:cNvPr id="121" name="PlaceHolder 1"/>
+          <p:cNvPr id="120" name="PlaceHolder 1"/>
           <p:cNvSpPr>
             <a:spLocks noGrp="1"/>
           </p:cNvSpPr>
@@ -8514,7 +7152,7 @@
       </p:sp>
       <p:sp>
         <p:nvSpPr>
-          <p:cNvPr id="122" name="PlaceHolder 2"/>
+          <p:cNvPr id="121" name="PlaceHolder 2"/>
           <p:cNvSpPr>
             <a:spLocks noGrp="1"/>
           </p:cNvSpPr>
@@ -8544,7 +7182,7 @@
       </p:sp>
       <p:sp>
         <p:nvSpPr>
-          <p:cNvPr id="123" name="PlaceHolder 3"/>
+          <p:cNvPr id="122" name="PlaceHolder 3"/>
           <p:cNvSpPr>
             <a:spLocks noGrp="1"/>
           </p:cNvSpPr>
@@ -8574,7 +7212,7 @@
       </p:sp>
       <p:sp>
         <p:nvSpPr>
-          <p:cNvPr id="124" name="PlaceHolder 4"/>
+          <p:cNvPr id="123" name="PlaceHolder 4"/>
           <p:cNvSpPr>
             <a:spLocks noGrp="1"/>
           </p:cNvSpPr>
@@ -8604,7 +7242,7 @@
       </p:sp>
       <p:sp>
         <p:nvSpPr>
-          <p:cNvPr id="125" name="PlaceHolder 5"/>
+          <p:cNvPr id="124" name="PlaceHolder 5"/>
           <p:cNvSpPr>
             <a:spLocks noGrp="1"/>
           </p:cNvSpPr>
@@ -8634,7 +7272,7 @@
       </p:sp>
       <p:sp>
         <p:nvSpPr>
-          <p:cNvPr id="126" name="PlaceHolder 6"/>
+          <p:cNvPr id="125" name="PlaceHolder 6"/>
           <p:cNvSpPr>
             <a:spLocks noGrp="1"/>
           </p:cNvSpPr>
@@ -8664,7 +7302,7 @@
       </p:sp>
       <p:sp>
         <p:nvSpPr>
-          <p:cNvPr id="127" name="PlaceHolder 7"/>
+          <p:cNvPr id="126" name="PlaceHolder 7"/>
           <p:cNvSpPr>
             <a:spLocks noGrp="1"/>
           </p:cNvSpPr>
@@ -16340,7 +14978,7 @@
         <p:spPr>
           <a:xfrm>
             <a:off x="0" y="4320000"/>
-            <a:ext cx="1977120" cy="1347120"/>
+            <a:ext cx="1976760" cy="1346760"/>
           </a:xfrm>
           <a:custGeom>
             <a:avLst/>
@@ -16388,7 +15026,7 @@
         <p:spPr>
           <a:xfrm>
             <a:off x="0" y="0"/>
-            <a:ext cx="1077120" cy="3417120"/>
+            <a:ext cx="1076760" cy="3416760"/>
           </a:xfrm>
           <a:custGeom>
             <a:avLst/>
@@ -16436,7 +15074,7 @@
         <p:spPr>
           <a:xfrm>
             <a:off x="7740000" y="0"/>
-            <a:ext cx="2337120" cy="1617120"/>
+            <a:ext cx="2336760" cy="1616760"/>
           </a:xfrm>
           <a:custGeom>
             <a:avLst/>
@@ -16484,7 +15122,7 @@
         <p:spPr>
           <a:xfrm>
             <a:off x="9000000" y="2520000"/>
-            <a:ext cx="1077120" cy="3147120"/>
+            <a:ext cx="1076760" cy="3146760"/>
           </a:xfrm>
           <a:custGeom>
             <a:avLst/>
@@ -16785,7 +15423,7 @@
         <p:spPr>
           <a:xfrm>
             <a:off x="0" y="4320000"/>
-            <a:ext cx="1977120" cy="1347120"/>
+            <a:ext cx="1976760" cy="1346760"/>
           </a:xfrm>
           <a:custGeom>
             <a:avLst/>
@@ -16833,7 +15471,7 @@
         <p:spPr>
           <a:xfrm>
             <a:off x="0" y="0"/>
-            <a:ext cx="1077120" cy="3417120"/>
+            <a:ext cx="1076760" cy="3416760"/>
           </a:xfrm>
           <a:custGeom>
             <a:avLst/>
@@ -16881,7 +15519,7 @@
         <p:spPr>
           <a:xfrm>
             <a:off x="7740000" y="0"/>
-            <a:ext cx="2337120" cy="1617120"/>
+            <a:ext cx="2336760" cy="1616760"/>
           </a:xfrm>
           <a:custGeom>
             <a:avLst/>
@@ -16929,7 +15567,7 @@
         <p:spPr>
           <a:xfrm>
             <a:off x="9000000" y="2520000"/>
-            <a:ext cx="1077120" cy="3147120"/>
+            <a:ext cx="1076760" cy="3146760"/>
           </a:xfrm>
           <a:custGeom>
             <a:avLst/>
@@ -17230,7 +15868,7 @@
         <p:spPr>
           <a:xfrm>
             <a:off x="0" y="4320000"/>
-            <a:ext cx="1977120" cy="1347120"/>
+            <a:ext cx="1976760" cy="1346760"/>
           </a:xfrm>
           <a:custGeom>
             <a:avLst/>
@@ -17278,7 +15916,7 @@
         <p:spPr>
           <a:xfrm>
             <a:off x="0" y="0"/>
-            <a:ext cx="1077120" cy="3417120"/>
+            <a:ext cx="1076760" cy="3416760"/>
           </a:xfrm>
           <a:custGeom>
             <a:avLst/>
@@ -17326,7 +15964,7 @@
         <p:spPr>
           <a:xfrm>
             <a:off x="7740000" y="0"/>
-            <a:ext cx="2337120" cy="1617120"/>
+            <a:ext cx="2336760" cy="1616760"/>
           </a:xfrm>
           <a:custGeom>
             <a:avLst/>
@@ -17374,7 +16012,7 @@
         <p:spPr>
           <a:xfrm>
             <a:off x="9000000" y="2520000"/>
-            <a:ext cx="1077120" cy="3147120"/>
+            <a:ext cx="1076760" cy="3146760"/>
           </a:xfrm>
           <a:custGeom>
             <a:avLst/>
@@ -17649,7 +16287,7 @@
 </p:sldMaster>
 </file>
 
-<file path=ppt/slideMasters/slideMaster12.xml><?xml version="1.0" encoding="utf-8"?>
+<file path=ppt/slideMasters/slideMaster2.xml><?xml version="1.0" encoding="utf-8"?>
 <p:sldMaster xmlns:a="http://schemas.openxmlformats.org/drawingml/2006/main" xmlns:p="http://schemas.openxmlformats.org/presentationml/2006/main" xmlns:r="http://schemas.openxmlformats.org/officeDocument/2006/relationships" xmlns:p14="http://schemas.microsoft.com/office/powerpoint/2010/main" xmlns:p15="http://schemas.microsoft.com/office/powerpoint/2012/main" xmlns:mc="http://schemas.openxmlformats.org/markup-compatibility/2006">
   <p:cSld>
     <p:spTree>
@@ -17668,14 +16306,14 @@
       </p:grpSpPr>
       <p:sp>
         <p:nvSpPr>
-          <p:cNvPr id="464" name=""/>
+          <p:cNvPr id="42" name=""/>
           <p:cNvSpPr/>
           <p:nvPr/>
         </p:nvSpPr>
         <p:spPr>
           <a:xfrm>
             <a:off x="0" y="4320000"/>
-            <a:ext cx="1977120" cy="1347120"/>
+            <a:ext cx="1976760" cy="1346760"/>
           </a:xfrm>
           <a:custGeom>
             <a:avLst/>
@@ -17716,14 +16354,14 @@
       </p:sp>
       <p:sp>
         <p:nvSpPr>
-          <p:cNvPr id="465" name=""/>
+          <p:cNvPr id="43" name=""/>
           <p:cNvSpPr/>
           <p:nvPr/>
         </p:nvSpPr>
         <p:spPr>
           <a:xfrm>
             <a:off x="0" y="0"/>
-            <a:ext cx="1077120" cy="3417120"/>
+            <a:ext cx="1076760" cy="3416760"/>
           </a:xfrm>
           <a:custGeom>
             <a:avLst/>
@@ -17764,14 +16402,14 @@
       </p:sp>
       <p:sp>
         <p:nvSpPr>
-          <p:cNvPr id="466" name=""/>
+          <p:cNvPr id="44" name=""/>
           <p:cNvSpPr/>
           <p:nvPr/>
         </p:nvSpPr>
         <p:spPr>
           <a:xfrm>
             <a:off x="7740000" y="0"/>
-            <a:ext cx="2337120" cy="1617120"/>
+            <a:ext cx="2336760" cy="1616760"/>
           </a:xfrm>
           <a:custGeom>
             <a:avLst/>
@@ -17812,451 +16450,6 @@
       </p:sp>
       <p:sp>
         <p:nvSpPr>
-          <p:cNvPr id="467" name=""/>
-          <p:cNvSpPr/>
-          <p:nvPr/>
-        </p:nvSpPr>
-        <p:spPr>
-          <a:xfrm>
-            <a:off x="9000000" y="2520000"/>
-            <a:ext cx="1077120" cy="3147120"/>
-          </a:xfrm>
-          <a:custGeom>
-            <a:avLst/>
-            <a:gdLst/>
-            <a:ahLst/>
-            <a:rect l="l" t="t" r="r" b="b"/>
-            <a:pathLst>
-              <a:path w="3001" h="8751">
-                <a:moveTo>
-                  <a:pt x="3000" y="8750"/>
-                </a:moveTo>
-                <a:lnTo>
-                  <a:pt x="3000" y="0"/>
-                </a:lnTo>
-                <a:lnTo>
-                  <a:pt x="0" y="8750"/>
-                </a:lnTo>
-                <a:lnTo>
-                  <a:pt x="3000" y="8750"/>
-                </a:lnTo>
-                <a:close/>
-              </a:path>
-            </a:pathLst>
-          </a:custGeom>
-          <a:solidFill>
-            <a:srgbClr val="168253"/>
-          </a:solidFill>
-          <a:ln w="0">
-            <a:noFill/>
-          </a:ln>
-        </p:spPr>
-        <p:style>
-          <a:lnRef idx="0"/>
-          <a:fillRef idx="0"/>
-          <a:effectRef idx="0"/>
-          <a:fontRef idx="minor"/>
-        </p:style>
-      </p:sp>
-      <p:sp>
-        <p:nvSpPr>
-          <p:cNvPr id="468" name="PlaceHolder 1"/>
-          <p:cNvSpPr>
-            <a:spLocks noGrp="1"/>
-          </p:cNvSpPr>
-          <p:nvPr>
-            <p:ph type="title"/>
-          </p:nvPr>
-        </p:nvSpPr>
-        <p:spPr>
-          <a:xfrm>
-            <a:off x="504000" y="226080"/>
-            <a:ext cx="9072000" cy="946440"/>
-          </a:xfrm>
-          <a:prstGeom prst="rect">
-            <a:avLst/>
-          </a:prstGeom>
-        </p:spPr>
-        <p:txBody>
-          <a:bodyPr lIns="0" rIns="0" tIns="0" bIns="0" anchor="ctr">
-            <a:noAutofit/>
-          </a:bodyPr>
-          <a:p>
-            <a:pPr algn="ctr"/>
-            <a:r>
-              <a:rPr b="0" lang="en-US" sz="4400" spc="-1" strike="noStrike">
-                <a:latin typeface="Arial"/>
-              </a:rPr>
-              <a:t>Click to edit the title text format</a:t>
-            </a:r>
-            <a:endParaRPr b="0" lang="en-US" sz="4400" spc="-1" strike="noStrike">
-              <a:latin typeface="Arial"/>
-            </a:endParaRPr>
-          </a:p>
-        </p:txBody>
-      </p:sp>
-      <p:sp>
-        <p:nvSpPr>
-          <p:cNvPr id="469" name="PlaceHolder 2"/>
-          <p:cNvSpPr>
-            <a:spLocks noGrp="1"/>
-          </p:cNvSpPr>
-          <p:nvPr>
-            <p:ph type="body"/>
-          </p:nvPr>
-        </p:nvSpPr>
-        <p:spPr>
-          <a:xfrm>
-            <a:off x="504000" y="1326600"/>
-            <a:ext cx="9072000" cy="3288600"/>
-          </a:xfrm>
-          <a:prstGeom prst="rect">
-            <a:avLst/>
-          </a:prstGeom>
-        </p:spPr>
-        <p:txBody>
-          <a:bodyPr lIns="0" rIns="0" tIns="0" bIns="0">
-            <a:normAutofit/>
-          </a:bodyPr>
-          <a:p>
-            <a:pPr marL="432000" indent="-324000">
-              <a:spcBef>
-                <a:spcPts val="1417"/>
-              </a:spcBef>
-              <a:buClr>
-                <a:srgbClr val="000000"/>
-              </a:buClr>
-              <a:buSzPct val="45000"/>
-              <a:buFont typeface="Wingdings" charset="2"/>
-              <a:buChar char=""/>
-            </a:pPr>
-            <a:r>
-              <a:rPr b="0" lang="en-US" sz="3200" spc="-1" strike="noStrike">
-                <a:latin typeface="Arial"/>
-              </a:rPr>
-              <a:t>Click to edit the outline text format</a:t>
-            </a:r>
-            <a:endParaRPr b="0" lang="en-US" sz="3200" spc="-1" strike="noStrike">
-              <a:latin typeface="Arial"/>
-            </a:endParaRPr>
-          </a:p>
-          <a:p>
-            <a:pPr lvl="1" marL="864000" indent="-324000">
-              <a:spcBef>
-                <a:spcPts val="1134"/>
-              </a:spcBef>
-              <a:buClr>
-                <a:srgbClr val="000000"/>
-              </a:buClr>
-              <a:buSzPct val="75000"/>
-              <a:buFont typeface="Symbol" charset="2"/>
-              <a:buChar char=""/>
-            </a:pPr>
-            <a:r>
-              <a:rPr b="0" lang="en-US" sz="2800" spc="-1" strike="noStrike">
-                <a:latin typeface="Arial"/>
-              </a:rPr>
-              <a:t>Second Outline Level</a:t>
-            </a:r>
-            <a:endParaRPr b="0" lang="en-US" sz="2800" spc="-1" strike="noStrike">
-              <a:latin typeface="Arial"/>
-            </a:endParaRPr>
-          </a:p>
-          <a:p>
-            <a:pPr lvl="2" marL="1296000" indent="-288000">
-              <a:spcBef>
-                <a:spcPts val="850"/>
-              </a:spcBef>
-              <a:buClr>
-                <a:srgbClr val="000000"/>
-              </a:buClr>
-              <a:buSzPct val="45000"/>
-              <a:buFont typeface="Wingdings" charset="2"/>
-              <a:buChar char=""/>
-            </a:pPr>
-            <a:r>
-              <a:rPr b="0" lang="en-US" sz="2400" spc="-1" strike="noStrike">
-                <a:latin typeface="Arial"/>
-              </a:rPr>
-              <a:t>Third Outline Level</a:t>
-            </a:r>
-            <a:endParaRPr b="0" lang="en-US" sz="2400" spc="-1" strike="noStrike">
-              <a:latin typeface="Arial"/>
-            </a:endParaRPr>
-          </a:p>
-          <a:p>
-            <a:pPr lvl="3" marL="1728000" indent="-216000">
-              <a:spcBef>
-                <a:spcPts val="567"/>
-              </a:spcBef>
-              <a:buClr>
-                <a:srgbClr val="000000"/>
-              </a:buClr>
-              <a:buSzPct val="75000"/>
-              <a:buFont typeface="Symbol" charset="2"/>
-              <a:buChar char=""/>
-            </a:pPr>
-            <a:r>
-              <a:rPr b="0" lang="en-US" sz="2000" spc="-1" strike="noStrike">
-                <a:latin typeface="Arial"/>
-              </a:rPr>
-              <a:t>Fourth Outline Level</a:t>
-            </a:r>
-            <a:endParaRPr b="0" lang="en-US" sz="2000" spc="-1" strike="noStrike">
-              <a:latin typeface="Arial"/>
-            </a:endParaRPr>
-          </a:p>
-          <a:p>
-            <a:pPr lvl="4" marL="2160000" indent="-216000">
-              <a:spcBef>
-                <a:spcPts val="283"/>
-              </a:spcBef>
-              <a:buClr>
-                <a:srgbClr val="000000"/>
-              </a:buClr>
-              <a:buSzPct val="45000"/>
-              <a:buFont typeface="Wingdings" charset="2"/>
-              <a:buChar char=""/>
-            </a:pPr>
-            <a:r>
-              <a:rPr b="0" lang="en-US" sz="2000" spc="-1" strike="noStrike">
-                <a:latin typeface="Arial"/>
-              </a:rPr>
-              <a:t>Fifth Outline Level</a:t>
-            </a:r>
-            <a:endParaRPr b="0" lang="en-US" sz="2000" spc="-1" strike="noStrike">
-              <a:latin typeface="Arial"/>
-            </a:endParaRPr>
-          </a:p>
-          <a:p>
-            <a:pPr lvl="5" marL="2592000" indent="-216000">
-              <a:spcBef>
-                <a:spcPts val="283"/>
-              </a:spcBef>
-              <a:buClr>
-                <a:srgbClr val="000000"/>
-              </a:buClr>
-              <a:buSzPct val="45000"/>
-              <a:buFont typeface="Wingdings" charset="2"/>
-              <a:buChar char=""/>
-            </a:pPr>
-            <a:r>
-              <a:rPr b="0" lang="en-US" sz="2000" spc="-1" strike="noStrike">
-                <a:latin typeface="Arial"/>
-              </a:rPr>
-              <a:t>Sixth Outline Level</a:t>
-            </a:r>
-            <a:endParaRPr b="0" lang="en-US" sz="2000" spc="-1" strike="noStrike">
-              <a:latin typeface="Arial"/>
-            </a:endParaRPr>
-          </a:p>
-          <a:p>
-            <a:pPr lvl="6" marL="3024000" indent="-216000">
-              <a:spcBef>
-                <a:spcPts val="283"/>
-              </a:spcBef>
-              <a:buClr>
-                <a:srgbClr val="000000"/>
-              </a:buClr>
-              <a:buSzPct val="45000"/>
-              <a:buFont typeface="Wingdings" charset="2"/>
-              <a:buChar char=""/>
-            </a:pPr>
-            <a:r>
-              <a:rPr b="0" lang="en-US" sz="2000" spc="-1" strike="noStrike">
-                <a:latin typeface="Arial"/>
-              </a:rPr>
-              <a:t>Seventh Outline Level</a:t>
-            </a:r>
-            <a:endParaRPr b="0" lang="en-US" sz="2000" spc="-1" strike="noStrike">
-              <a:latin typeface="Arial"/>
-            </a:endParaRPr>
-          </a:p>
-        </p:txBody>
-      </p:sp>
-    </p:spTree>
-  </p:cSld>
-  <p:clrMap bg1="lt1" bg2="lt2" tx1="dk1" tx2="dk2" accent1="accent1" accent2="accent2" accent3="accent3" accent4="accent4" accent5="accent5" accent6="accent6" hlink="hlink" folHlink="folHlink"/>
-  <p:sldLayoutIdLst>
-    <p:sldLayoutId id="2147483792" r:id="rId2"/>
-    <p:sldLayoutId id="2147483793" r:id="rId3"/>
-    <p:sldLayoutId id="2147483794" r:id="rId4"/>
-    <p:sldLayoutId id="2147483795" r:id="rId5"/>
-    <p:sldLayoutId id="2147483796" r:id="rId6"/>
-    <p:sldLayoutId id="2147483797" r:id="rId7"/>
-    <p:sldLayoutId id="2147483798" r:id="rId8"/>
-    <p:sldLayoutId id="2147483799" r:id="rId9"/>
-    <p:sldLayoutId id="2147483800" r:id="rId10"/>
-    <p:sldLayoutId id="2147483801" r:id="rId11"/>
-    <p:sldLayoutId id="2147483802" r:id="rId12"/>
-    <p:sldLayoutId id="2147483803" r:id="rId13"/>
-  </p:sldLayoutIdLst>
-</p:sldMaster>
-</file>
-
-<file path=ppt/slideMasters/slideMaster2.xml><?xml version="1.0" encoding="utf-8"?>
-<p:sldMaster xmlns:a="http://schemas.openxmlformats.org/drawingml/2006/main" xmlns:p="http://schemas.openxmlformats.org/presentationml/2006/main" xmlns:r="http://schemas.openxmlformats.org/officeDocument/2006/relationships" xmlns:p14="http://schemas.microsoft.com/office/powerpoint/2010/main" xmlns:p15="http://schemas.microsoft.com/office/powerpoint/2012/main" xmlns:mc="http://schemas.openxmlformats.org/markup-compatibility/2006">
-  <p:cSld>
-    <p:spTree>
-      <p:nvGrpSpPr>
-        <p:cNvPr id="1" name=""/>
-        <p:cNvGrpSpPr/>
-        <p:nvPr/>
-      </p:nvGrpSpPr>
-      <p:grpSpPr>
-        <a:xfrm>
-          <a:off x="0" y="0"/>
-          <a:ext cx="0" cy="0"/>
-          <a:chOff x="0" y="0"/>
-          <a:chExt cx="0" cy="0"/>
-        </a:xfrm>
-      </p:grpSpPr>
-      <p:sp>
-        <p:nvSpPr>
-          <p:cNvPr id="42" name=""/>
-          <p:cNvSpPr/>
-          <p:nvPr/>
-        </p:nvSpPr>
-        <p:spPr>
-          <a:xfrm>
-            <a:off x="0" y="4320000"/>
-            <a:ext cx="1977120" cy="1347120"/>
-          </a:xfrm>
-          <a:custGeom>
-            <a:avLst/>
-            <a:gdLst/>
-            <a:ahLst/>
-            <a:rect l="l" t="t" r="r" b="b"/>
-            <a:pathLst>
-              <a:path w="5501" h="3751">
-                <a:moveTo>
-                  <a:pt x="0" y="0"/>
-                </a:moveTo>
-                <a:lnTo>
-                  <a:pt x="0" y="3750"/>
-                </a:lnTo>
-                <a:lnTo>
-                  <a:pt x="5500" y="3750"/>
-                </a:lnTo>
-                <a:lnTo>
-                  <a:pt x="0" y="0"/>
-                </a:lnTo>
-                <a:close/>
-              </a:path>
-            </a:pathLst>
-          </a:custGeom>
-          <a:solidFill>
-            <a:srgbClr val="780373"/>
-          </a:solidFill>
-          <a:ln w="0">
-            <a:noFill/>
-          </a:ln>
-        </p:spPr>
-        <p:style>
-          <a:lnRef idx="0"/>
-          <a:fillRef idx="0"/>
-          <a:effectRef idx="0"/>
-          <a:fontRef idx="minor"/>
-        </p:style>
-      </p:sp>
-      <p:sp>
-        <p:nvSpPr>
-          <p:cNvPr id="43" name=""/>
-          <p:cNvSpPr/>
-          <p:nvPr/>
-        </p:nvSpPr>
-        <p:spPr>
-          <a:xfrm>
-            <a:off x="0" y="0"/>
-            <a:ext cx="1077120" cy="3417120"/>
-          </a:xfrm>
-          <a:custGeom>
-            <a:avLst/>
-            <a:gdLst/>
-            <a:ahLst/>
-            <a:rect l="l" t="t" r="r" b="b"/>
-            <a:pathLst>
-              <a:path w="3001" h="9501">
-                <a:moveTo>
-                  <a:pt x="0" y="0"/>
-                </a:moveTo>
-                <a:lnTo>
-                  <a:pt x="0" y="9500"/>
-                </a:lnTo>
-                <a:lnTo>
-                  <a:pt x="3000" y="0"/>
-                </a:lnTo>
-                <a:lnTo>
-                  <a:pt x="0" y="0"/>
-                </a:lnTo>
-                <a:close/>
-              </a:path>
-            </a:pathLst>
-          </a:custGeom>
-          <a:solidFill>
-            <a:srgbClr val="f10d0c"/>
-          </a:solidFill>
-          <a:ln w="0">
-            <a:noFill/>
-          </a:ln>
-        </p:spPr>
-        <p:style>
-          <a:lnRef idx="0"/>
-          <a:fillRef idx="0"/>
-          <a:effectRef idx="0"/>
-          <a:fontRef idx="minor"/>
-        </p:style>
-      </p:sp>
-      <p:sp>
-        <p:nvSpPr>
-          <p:cNvPr id="44" name=""/>
-          <p:cNvSpPr/>
-          <p:nvPr/>
-        </p:nvSpPr>
-        <p:spPr>
-          <a:xfrm>
-            <a:off x="7740000" y="0"/>
-            <a:ext cx="2337120" cy="1617120"/>
-          </a:xfrm>
-          <a:custGeom>
-            <a:avLst/>
-            <a:gdLst/>
-            <a:ahLst/>
-            <a:rect l="l" t="t" r="r" b="b"/>
-            <a:pathLst>
-              <a:path w="6501" h="4501">
-                <a:moveTo>
-                  <a:pt x="6500" y="0"/>
-                </a:moveTo>
-                <a:lnTo>
-                  <a:pt x="0" y="0"/>
-                </a:lnTo>
-                <a:lnTo>
-                  <a:pt x="6500" y="4500"/>
-                </a:lnTo>
-                <a:lnTo>
-                  <a:pt x="6500" y="0"/>
-                </a:lnTo>
-                <a:close/>
-              </a:path>
-            </a:pathLst>
-          </a:custGeom>
-          <a:solidFill>
-            <a:srgbClr val="e8a202"/>
-          </a:solidFill>
-          <a:ln w="0">
-            <a:noFill/>
-          </a:ln>
-        </p:spPr>
-        <p:style>
-          <a:lnRef idx="0"/>
-          <a:fillRef idx="0"/>
-          <a:effectRef idx="0"/>
-          <a:fontRef idx="minor"/>
-        </p:style>
-      </p:sp>
-      <p:sp>
-        <p:nvSpPr>
           <p:cNvPr id="45" name=""/>
           <p:cNvSpPr/>
           <p:nvPr/>
@@ -18264,7 +16457,7 @@
         <p:spPr>
           <a:xfrm>
             <a:off x="9000000" y="2520000"/>
-            <a:ext cx="1077120" cy="3147120"/>
+            <a:ext cx="1076760" cy="3146760"/>
           </a:xfrm>
           <a:custGeom>
             <a:avLst/>
@@ -18743,7 +16936,7 @@
         <p:spPr>
           <a:xfrm>
             <a:off x="0" y="4320000"/>
-            <a:ext cx="1977120" cy="1347120"/>
+            <a:ext cx="1976760" cy="1346760"/>
           </a:xfrm>
           <a:custGeom>
             <a:avLst/>
@@ -18791,7 +16984,7 @@
         <p:spPr>
           <a:xfrm>
             <a:off x="0" y="0"/>
-            <a:ext cx="1077120" cy="3417120"/>
+            <a:ext cx="1076760" cy="3416760"/>
           </a:xfrm>
           <a:custGeom>
             <a:avLst/>
@@ -18839,7 +17032,7 @@
         <p:spPr>
           <a:xfrm>
             <a:off x="7740000" y="0"/>
-            <a:ext cx="2337120" cy="1617120"/>
+            <a:ext cx="2336760" cy="1616760"/>
           </a:xfrm>
           <a:custGeom>
             <a:avLst/>
@@ -18887,7 +17080,7 @@
         <p:spPr>
           <a:xfrm>
             <a:off x="9000000" y="2520000"/>
-            <a:ext cx="1077120" cy="3147120"/>
+            <a:ext cx="1076760" cy="3146760"/>
           </a:xfrm>
           <a:custGeom>
             <a:avLst/>
@@ -18939,7 +17132,7 @@
         <p:spPr>
           <a:xfrm>
             <a:off x="504000" y="226080"/>
-            <a:ext cx="9071640" cy="946080"/>
+            <a:ext cx="9072000" cy="946440"/>
           </a:xfrm>
           <a:prstGeom prst="rect">
             <a:avLst/>
@@ -18950,13 +17143,14 @@
             <a:noAutofit/>
           </a:bodyPr>
           <a:p>
+            <a:pPr algn="ctr"/>
             <a:r>
-              <a:rPr b="0" lang="en-US" sz="1800" spc="-1" strike="noStrike">
+              <a:rPr b="0" lang="en-US" sz="4400" spc="-1" strike="noStrike">
                 <a:latin typeface="Arial"/>
               </a:rPr>
               <a:t>Click to edit the title text format</a:t>
             </a:r>
-            <a:endParaRPr b="0" lang="en-US" sz="1800" spc="-1" strike="noStrike">
+            <a:endParaRPr b="0" lang="en-US" sz="4400" spc="-1" strike="noStrike">
               <a:latin typeface="Arial"/>
             </a:endParaRPr>
           </a:p>
@@ -18975,7 +17169,7 @@
         <p:spPr>
           <a:xfrm>
             <a:off x="504000" y="1326600"/>
-            <a:ext cx="4426560" cy="3288240"/>
+            <a:ext cx="9072000" cy="3288600"/>
           </a:xfrm>
           <a:prstGeom prst="rect">
             <a:avLst/>
@@ -18998,12 +17192,12 @@
               <a:buChar char=""/>
             </a:pPr>
             <a:r>
-              <a:rPr b="0" lang="en-US" sz="1800" spc="-1" strike="noStrike">
+              <a:rPr b="0" lang="en-US" sz="3200" spc="-1" strike="noStrike">
                 <a:latin typeface="Arial"/>
               </a:rPr>
               <a:t>Click to edit the outline text format</a:t>
             </a:r>
-            <a:endParaRPr b="0" lang="en-US" sz="1800" spc="-1" strike="noStrike">
+            <a:endParaRPr b="0" lang="en-US" sz="3200" spc="-1" strike="noStrike">
               <a:latin typeface="Arial"/>
             </a:endParaRPr>
           </a:p>
@@ -19020,12 +17214,12 @@
               <a:buChar char=""/>
             </a:pPr>
             <a:r>
-              <a:rPr b="0" lang="en-US" sz="1800" spc="-1" strike="noStrike">
+              <a:rPr b="0" lang="en-US" sz="2800" spc="-1" strike="noStrike">
                 <a:latin typeface="Arial"/>
               </a:rPr>
               <a:t>Second Outline Level</a:t>
             </a:r>
-            <a:endParaRPr b="0" lang="en-US" sz="1800" spc="-1" strike="noStrike">
+            <a:endParaRPr b="0" lang="en-US" sz="2800" spc="-1" strike="noStrike">
               <a:latin typeface="Arial"/>
             </a:endParaRPr>
           </a:p>
@@ -19042,12 +17236,12 @@
               <a:buChar char=""/>
             </a:pPr>
             <a:r>
-              <a:rPr b="0" lang="en-US" sz="1800" spc="-1" strike="noStrike">
+              <a:rPr b="0" lang="en-US" sz="2400" spc="-1" strike="noStrike">
                 <a:latin typeface="Arial"/>
               </a:rPr>
               <a:t>Third Outline Level</a:t>
             </a:r>
-            <a:endParaRPr b="0" lang="en-US" sz="1800" spc="-1" strike="noStrike">
+            <a:endParaRPr b="0" lang="en-US" sz="2400" spc="-1" strike="noStrike">
               <a:latin typeface="Arial"/>
             </a:endParaRPr>
           </a:p>
@@ -19064,12 +17258,12 @@
               <a:buChar char=""/>
             </a:pPr>
             <a:r>
-              <a:rPr b="0" lang="en-US" sz="1800" spc="-1" strike="noStrike">
+              <a:rPr b="0" lang="en-US" sz="2000" spc="-1" strike="noStrike">
                 <a:latin typeface="Arial"/>
               </a:rPr>
               <a:t>Fourth Outline Level</a:t>
             </a:r>
-            <a:endParaRPr b="0" lang="en-US" sz="1800" spc="-1" strike="noStrike">
+            <a:endParaRPr b="0" lang="en-US" sz="2000" spc="-1" strike="noStrike">
               <a:latin typeface="Arial"/>
             </a:endParaRPr>
           </a:p>
@@ -19086,12 +17280,12 @@
               <a:buChar char=""/>
             </a:pPr>
             <a:r>
-              <a:rPr b="0" lang="en-US" sz="1800" spc="-1" strike="noStrike">
+              <a:rPr b="0" lang="en-US" sz="2000" spc="-1" strike="noStrike">
                 <a:latin typeface="Arial"/>
               </a:rPr>
               <a:t>Fifth Outline Level</a:t>
             </a:r>
-            <a:endParaRPr b="0" lang="en-US" sz="1800" spc="-1" strike="noStrike">
+            <a:endParaRPr b="0" lang="en-US" sz="2000" spc="-1" strike="noStrike">
               <a:latin typeface="Arial"/>
             </a:endParaRPr>
           </a:p>
@@ -19108,12 +17302,12 @@
               <a:buChar char=""/>
             </a:pPr>
             <a:r>
-              <a:rPr b="0" lang="en-US" sz="1800" spc="-1" strike="noStrike">
+              <a:rPr b="0" lang="en-US" sz="2000" spc="-1" strike="noStrike">
                 <a:latin typeface="Arial"/>
               </a:rPr>
               <a:t>Sixth Outline Level</a:t>
             </a:r>
-            <a:endParaRPr b="0" lang="en-US" sz="1800" spc="-1" strike="noStrike">
+            <a:endParaRPr b="0" lang="en-US" sz="2000" spc="-1" strike="noStrike">
               <a:latin typeface="Arial"/>
             </a:endParaRPr>
           </a:p>
@@ -19130,191 +17324,12 @@
               <a:buChar char=""/>
             </a:pPr>
             <a:r>
-              <a:rPr b="0" lang="en-US" sz="1800" spc="-1" strike="noStrike">
+              <a:rPr b="0" lang="en-US" sz="2000" spc="-1" strike="noStrike">
                 <a:latin typeface="Arial"/>
               </a:rPr>
               <a:t>Seventh Outline Level</a:t>
             </a:r>
-            <a:endParaRPr b="0" lang="en-US" sz="1800" spc="-1" strike="noStrike">
-              <a:latin typeface="Arial"/>
-            </a:endParaRPr>
-          </a:p>
-        </p:txBody>
-      </p:sp>
-      <p:sp>
-        <p:nvSpPr>
-          <p:cNvPr id="91" name="PlaceHolder 3"/>
-          <p:cNvSpPr>
-            <a:spLocks noGrp="1"/>
-          </p:cNvSpPr>
-          <p:nvPr>
-            <p:ph type="body"/>
-          </p:nvPr>
-        </p:nvSpPr>
-        <p:spPr>
-          <a:xfrm>
-            <a:off x="5152680" y="1326600"/>
-            <a:ext cx="4426560" cy="3288240"/>
-          </a:xfrm>
-          <a:prstGeom prst="rect">
-            <a:avLst/>
-          </a:prstGeom>
-        </p:spPr>
-        <p:txBody>
-          <a:bodyPr lIns="0" rIns="0" tIns="0" bIns="0">
-            <a:normAutofit/>
-          </a:bodyPr>
-          <a:p>
-            <a:pPr marL="432000" indent="-324000">
-              <a:spcBef>
-                <a:spcPts val="1417"/>
-              </a:spcBef>
-              <a:buClr>
-                <a:srgbClr val="000000"/>
-              </a:buClr>
-              <a:buSzPct val="45000"/>
-              <a:buFont typeface="Wingdings" charset="2"/>
-              <a:buChar char=""/>
-            </a:pPr>
-            <a:r>
-              <a:rPr b="0" lang="en-US" sz="1800" spc="-1" strike="noStrike">
-                <a:latin typeface="Arial"/>
-              </a:rPr>
-              <a:t>Click to edit the outline text format</a:t>
-            </a:r>
-            <a:endParaRPr b="0" lang="en-US" sz="1800" spc="-1" strike="noStrike">
-              <a:latin typeface="Arial"/>
-            </a:endParaRPr>
-          </a:p>
-          <a:p>
-            <a:pPr lvl="1" marL="864000" indent="-324000">
-              <a:spcBef>
-                <a:spcPts val="1134"/>
-              </a:spcBef>
-              <a:buClr>
-                <a:srgbClr val="000000"/>
-              </a:buClr>
-              <a:buSzPct val="75000"/>
-              <a:buFont typeface="Symbol" charset="2"/>
-              <a:buChar char=""/>
-            </a:pPr>
-            <a:r>
-              <a:rPr b="0" lang="en-US" sz="1800" spc="-1" strike="noStrike">
-                <a:latin typeface="Arial"/>
-              </a:rPr>
-              <a:t>Second Outline Level</a:t>
-            </a:r>
-            <a:endParaRPr b="0" lang="en-US" sz="1800" spc="-1" strike="noStrike">
-              <a:latin typeface="Arial"/>
-            </a:endParaRPr>
-          </a:p>
-          <a:p>
-            <a:pPr lvl="2" marL="1296000" indent="-288000">
-              <a:spcBef>
-                <a:spcPts val="850"/>
-              </a:spcBef>
-              <a:buClr>
-                <a:srgbClr val="000000"/>
-              </a:buClr>
-              <a:buSzPct val="45000"/>
-              <a:buFont typeface="Wingdings" charset="2"/>
-              <a:buChar char=""/>
-            </a:pPr>
-            <a:r>
-              <a:rPr b="0" lang="en-US" sz="1800" spc="-1" strike="noStrike">
-                <a:latin typeface="Arial"/>
-              </a:rPr>
-              <a:t>Third Outline Level</a:t>
-            </a:r>
-            <a:endParaRPr b="0" lang="en-US" sz="1800" spc="-1" strike="noStrike">
-              <a:latin typeface="Arial"/>
-            </a:endParaRPr>
-          </a:p>
-          <a:p>
-            <a:pPr lvl="3" marL="1728000" indent="-216000">
-              <a:spcBef>
-                <a:spcPts val="567"/>
-              </a:spcBef>
-              <a:buClr>
-                <a:srgbClr val="000000"/>
-              </a:buClr>
-              <a:buSzPct val="75000"/>
-              <a:buFont typeface="Symbol" charset="2"/>
-              <a:buChar char=""/>
-            </a:pPr>
-            <a:r>
-              <a:rPr b="0" lang="en-US" sz="1800" spc="-1" strike="noStrike">
-                <a:latin typeface="Arial"/>
-              </a:rPr>
-              <a:t>Fourth Outline Level</a:t>
-            </a:r>
-            <a:endParaRPr b="0" lang="en-US" sz="1800" spc="-1" strike="noStrike">
-              <a:latin typeface="Arial"/>
-            </a:endParaRPr>
-          </a:p>
-          <a:p>
-            <a:pPr lvl="4" marL="2160000" indent="-216000">
-              <a:spcBef>
-                <a:spcPts val="283"/>
-              </a:spcBef>
-              <a:buClr>
-                <a:srgbClr val="000000"/>
-              </a:buClr>
-              <a:buSzPct val="45000"/>
-              <a:buFont typeface="Wingdings" charset="2"/>
-              <a:buChar char=""/>
-            </a:pPr>
-            <a:r>
-              <a:rPr b="0" lang="en-US" sz="1800" spc="-1" strike="noStrike">
-                <a:latin typeface="Arial"/>
-              </a:rPr>
-              <a:t>Fifth Outline Level</a:t>
-            </a:r>
-            <a:endParaRPr b="0" lang="en-US" sz="1800" spc="-1" strike="noStrike">
-              <a:latin typeface="Arial"/>
-            </a:endParaRPr>
-          </a:p>
-          <a:p>
-            <a:pPr lvl="5" marL="2592000" indent="-216000">
-              <a:spcBef>
-                <a:spcPts val="283"/>
-              </a:spcBef>
-              <a:buClr>
-                <a:srgbClr val="000000"/>
-              </a:buClr>
-              <a:buSzPct val="45000"/>
-              <a:buFont typeface="Wingdings" charset="2"/>
-              <a:buChar char=""/>
-            </a:pPr>
-            <a:r>
-              <a:rPr b="0" lang="en-US" sz="1800" spc="-1" strike="noStrike">
-                <a:latin typeface="Arial"/>
-              </a:rPr>
-              <a:t>Sixth Outline Level</a:t>
-            </a:r>
-            <a:endParaRPr b="0" lang="en-US" sz="1800" spc="-1" strike="noStrike">
-              <a:latin typeface="Arial"/>
-            </a:endParaRPr>
-          </a:p>
-          <a:p>
-            <a:pPr lvl="6" marL="3024000" indent="-216000">
-              <a:spcBef>
-                <a:spcPts val="283"/>
-              </a:spcBef>
-              <a:buClr>
-                <a:srgbClr val="000000"/>
-              </a:buClr>
-              <a:buSzPct val="45000"/>
-              <a:buFont typeface="Wingdings" charset="2"/>
-              <a:buChar char=""/>
-            </a:pPr>
-            <a:r>
-              <a:rPr b="0" lang="en-US" sz="1800" spc="-1" strike="noStrike">
-                <a:latin typeface="Arial"/>
-              </a:rPr>
-              <a:t>Seventh Outline Level</a:t>
-            </a:r>
-            <a:endParaRPr b="0" lang="en-US" sz="1800" spc="-1" strike="noStrike">
+            <a:endParaRPr b="0" lang="en-US" sz="2000" spc="-1" strike="noStrike">
               <a:latin typeface="Arial"/>
             </a:endParaRPr>
           </a:p>
@@ -19359,14 +17374,14 @@
       </p:grpSpPr>
       <p:sp>
         <p:nvSpPr>
-          <p:cNvPr id="128" name=""/>
+          <p:cNvPr id="127" name=""/>
           <p:cNvSpPr/>
           <p:nvPr/>
         </p:nvSpPr>
         <p:spPr>
           <a:xfrm>
             <a:off x="0" y="4320000"/>
-            <a:ext cx="1977120" cy="1347120"/>
+            <a:ext cx="1976760" cy="1346760"/>
           </a:xfrm>
           <a:custGeom>
             <a:avLst/>
@@ -19407,14 +17422,14 @@
       </p:sp>
       <p:sp>
         <p:nvSpPr>
-          <p:cNvPr id="129" name=""/>
+          <p:cNvPr id="128" name=""/>
           <p:cNvSpPr/>
           <p:nvPr/>
         </p:nvSpPr>
         <p:spPr>
           <a:xfrm>
             <a:off x="0" y="0"/>
-            <a:ext cx="1077120" cy="3417120"/>
+            <a:ext cx="1076760" cy="3416760"/>
           </a:xfrm>
           <a:custGeom>
             <a:avLst/>
@@ -19455,14 +17470,14 @@
       </p:sp>
       <p:sp>
         <p:nvSpPr>
-          <p:cNvPr id="130" name=""/>
+          <p:cNvPr id="129" name=""/>
           <p:cNvSpPr/>
           <p:nvPr/>
         </p:nvSpPr>
         <p:spPr>
           <a:xfrm>
             <a:off x="7740000" y="0"/>
-            <a:ext cx="2337120" cy="1617120"/>
+            <a:ext cx="2336760" cy="1616760"/>
           </a:xfrm>
           <a:custGeom>
             <a:avLst/>
@@ -19503,14 +17518,14 @@
       </p:sp>
       <p:sp>
         <p:nvSpPr>
-          <p:cNvPr id="131" name=""/>
+          <p:cNvPr id="130" name=""/>
           <p:cNvSpPr/>
           <p:nvPr/>
         </p:nvSpPr>
         <p:spPr>
           <a:xfrm>
             <a:off x="9000000" y="2520000"/>
-            <a:ext cx="1077120" cy="3147120"/>
+            <a:ext cx="1076760" cy="3146760"/>
           </a:xfrm>
           <a:custGeom>
             <a:avLst/>
@@ -19551,7 +17566,7 @@
       </p:sp>
       <p:sp>
         <p:nvSpPr>
-          <p:cNvPr id="132" name="PlaceHolder 1"/>
+          <p:cNvPr id="131" name="PlaceHolder 1"/>
           <p:cNvSpPr>
             <a:spLocks noGrp="1"/>
           </p:cNvSpPr>
@@ -19562,7 +17577,7 @@
         <p:spPr>
           <a:xfrm>
             <a:off x="504000" y="226080"/>
-            <a:ext cx="9072000" cy="946440"/>
+            <a:ext cx="9071640" cy="946080"/>
           </a:xfrm>
           <a:prstGeom prst="rect">
             <a:avLst/>
@@ -19573,22 +17588,21 @@
             <a:noAutofit/>
           </a:bodyPr>
           <a:p>
-            <a:pPr algn="ctr"/>
             <a:r>
-              <a:rPr b="0" lang="en-US" sz="4400" spc="-1" strike="noStrike">
+              <a:rPr b="0" lang="en-US" sz="1800" spc="-1" strike="noStrike">
                 <a:latin typeface="Arial"/>
               </a:rPr>
               <a:t>Click to edit the title text format</a:t>
             </a:r>
-            <a:endParaRPr b="0" lang="en-US" sz="4400" spc="-1" strike="noStrike">
-              <a:latin typeface="Arial"/>
-            </a:endParaRPr>
-          </a:p>
-        </p:txBody>
-      </p:sp>
-      <p:sp>
-        <p:nvSpPr>
-          <p:cNvPr id="133" name="PlaceHolder 2"/>
+            <a:endParaRPr b="0" lang="en-US" sz="1800" spc="-1" strike="noStrike">
+              <a:latin typeface="Arial"/>
+            </a:endParaRPr>
+          </a:p>
+        </p:txBody>
+      </p:sp>
+      <p:sp>
+        <p:nvSpPr>
+          <p:cNvPr id="132" name="PlaceHolder 2"/>
           <p:cNvSpPr>
             <a:spLocks noGrp="1"/>
           </p:cNvSpPr>
@@ -19599,7 +17613,7 @@
         <p:spPr>
           <a:xfrm>
             <a:off x="504000" y="1326600"/>
-            <a:ext cx="9072000" cy="3288600"/>
+            <a:ext cx="4426560" cy="3288240"/>
           </a:xfrm>
           <a:prstGeom prst="rect">
             <a:avLst/>
@@ -19622,12 +17636,12 @@
               <a:buChar char=""/>
             </a:pPr>
             <a:r>
-              <a:rPr b="0" lang="en-US" sz="3200" spc="-1" strike="noStrike">
+              <a:rPr b="0" lang="en-US" sz="1800" spc="-1" strike="noStrike">
                 <a:latin typeface="Arial"/>
               </a:rPr>
               <a:t>Click to edit the outline text format</a:t>
             </a:r>
-            <a:endParaRPr b="0" lang="en-US" sz="3200" spc="-1" strike="noStrike">
+            <a:endParaRPr b="0" lang="en-US" sz="1800" spc="-1" strike="noStrike">
               <a:latin typeface="Arial"/>
             </a:endParaRPr>
           </a:p>
@@ -19644,12 +17658,12 @@
               <a:buChar char=""/>
             </a:pPr>
             <a:r>
-              <a:rPr b="0" lang="en-US" sz="2800" spc="-1" strike="noStrike">
+              <a:rPr b="0" lang="en-US" sz="1800" spc="-1" strike="noStrike">
                 <a:latin typeface="Arial"/>
               </a:rPr>
               <a:t>Second Outline Level</a:t>
             </a:r>
-            <a:endParaRPr b="0" lang="en-US" sz="2800" spc="-1" strike="noStrike">
+            <a:endParaRPr b="0" lang="en-US" sz="1800" spc="-1" strike="noStrike">
               <a:latin typeface="Arial"/>
             </a:endParaRPr>
           </a:p>
@@ -19666,12 +17680,12 @@
               <a:buChar char=""/>
             </a:pPr>
             <a:r>
-              <a:rPr b="0" lang="en-US" sz="2400" spc="-1" strike="noStrike">
+              <a:rPr b="0" lang="en-US" sz="1800" spc="-1" strike="noStrike">
                 <a:latin typeface="Arial"/>
               </a:rPr>
               <a:t>Third Outline Level</a:t>
             </a:r>
-            <a:endParaRPr b="0" lang="en-US" sz="2400" spc="-1" strike="noStrike">
+            <a:endParaRPr b="0" lang="en-US" sz="1800" spc="-1" strike="noStrike">
               <a:latin typeface="Arial"/>
             </a:endParaRPr>
           </a:p>
@@ -19688,12 +17702,12 @@
               <a:buChar char=""/>
             </a:pPr>
             <a:r>
-              <a:rPr b="0" lang="en-US" sz="2000" spc="-1" strike="noStrike">
+              <a:rPr b="0" lang="en-US" sz="1800" spc="-1" strike="noStrike">
                 <a:latin typeface="Arial"/>
               </a:rPr>
               <a:t>Fourth Outline Level</a:t>
             </a:r>
-            <a:endParaRPr b="0" lang="en-US" sz="2000" spc="-1" strike="noStrike">
+            <a:endParaRPr b="0" lang="en-US" sz="1800" spc="-1" strike="noStrike">
               <a:latin typeface="Arial"/>
             </a:endParaRPr>
           </a:p>
@@ -19710,12 +17724,12 @@
               <a:buChar char=""/>
             </a:pPr>
             <a:r>
-              <a:rPr b="0" lang="en-US" sz="2000" spc="-1" strike="noStrike">
+              <a:rPr b="0" lang="en-US" sz="1800" spc="-1" strike="noStrike">
                 <a:latin typeface="Arial"/>
               </a:rPr>
               <a:t>Fifth Outline Level</a:t>
             </a:r>
-            <a:endParaRPr b="0" lang="en-US" sz="2000" spc="-1" strike="noStrike">
+            <a:endParaRPr b="0" lang="en-US" sz="1800" spc="-1" strike="noStrike">
               <a:latin typeface="Arial"/>
             </a:endParaRPr>
           </a:p>
@@ -19732,12 +17746,12 @@
               <a:buChar char=""/>
             </a:pPr>
             <a:r>
-              <a:rPr b="0" lang="en-US" sz="2000" spc="-1" strike="noStrike">
+              <a:rPr b="0" lang="en-US" sz="1800" spc="-1" strike="noStrike">
                 <a:latin typeface="Arial"/>
               </a:rPr>
               <a:t>Sixth Outline Level</a:t>
             </a:r>
-            <a:endParaRPr b="0" lang="en-US" sz="2000" spc="-1" strike="noStrike">
+            <a:endParaRPr b="0" lang="en-US" sz="1800" spc="-1" strike="noStrike">
               <a:latin typeface="Arial"/>
             </a:endParaRPr>
           </a:p>
@@ -19754,12 +17768,191 @@
               <a:buChar char=""/>
             </a:pPr>
             <a:r>
-              <a:rPr b="0" lang="en-US" sz="2000" spc="-1" strike="noStrike">
+              <a:rPr b="0" lang="en-US" sz="1800" spc="-1" strike="noStrike">
                 <a:latin typeface="Arial"/>
               </a:rPr>
               <a:t>Seventh Outline Level</a:t>
             </a:r>
-            <a:endParaRPr b="0" lang="en-US" sz="2000" spc="-1" strike="noStrike">
+            <a:endParaRPr b="0" lang="en-US" sz="1800" spc="-1" strike="noStrike">
+              <a:latin typeface="Arial"/>
+            </a:endParaRPr>
+          </a:p>
+        </p:txBody>
+      </p:sp>
+      <p:sp>
+        <p:nvSpPr>
+          <p:cNvPr id="133" name="PlaceHolder 3"/>
+          <p:cNvSpPr>
+            <a:spLocks noGrp="1"/>
+          </p:cNvSpPr>
+          <p:nvPr>
+            <p:ph type="body"/>
+          </p:nvPr>
+        </p:nvSpPr>
+        <p:spPr>
+          <a:xfrm>
+            <a:off x="5152680" y="1326600"/>
+            <a:ext cx="4426560" cy="3288240"/>
+          </a:xfrm>
+          <a:prstGeom prst="rect">
+            <a:avLst/>
+          </a:prstGeom>
+        </p:spPr>
+        <p:txBody>
+          <a:bodyPr lIns="0" rIns="0" tIns="0" bIns="0">
+            <a:normAutofit/>
+          </a:bodyPr>
+          <a:p>
+            <a:pPr marL="432000" indent="-324000">
+              <a:spcBef>
+                <a:spcPts val="1417"/>
+              </a:spcBef>
+              <a:buClr>
+                <a:srgbClr val="000000"/>
+              </a:buClr>
+              <a:buSzPct val="45000"/>
+              <a:buFont typeface="Wingdings" charset="2"/>
+              <a:buChar char=""/>
+            </a:pPr>
+            <a:r>
+              <a:rPr b="0" lang="en-US" sz="1800" spc="-1" strike="noStrike">
+                <a:latin typeface="Arial"/>
+              </a:rPr>
+              <a:t>Click to edit the outline text format</a:t>
+            </a:r>
+            <a:endParaRPr b="0" lang="en-US" sz="1800" spc="-1" strike="noStrike">
+              <a:latin typeface="Arial"/>
+            </a:endParaRPr>
+          </a:p>
+          <a:p>
+            <a:pPr lvl="1" marL="864000" indent="-324000">
+              <a:spcBef>
+                <a:spcPts val="1134"/>
+              </a:spcBef>
+              <a:buClr>
+                <a:srgbClr val="000000"/>
+              </a:buClr>
+              <a:buSzPct val="75000"/>
+              <a:buFont typeface="Symbol" charset="2"/>
+              <a:buChar char=""/>
+            </a:pPr>
+            <a:r>
+              <a:rPr b="0" lang="en-US" sz="1800" spc="-1" strike="noStrike">
+                <a:latin typeface="Arial"/>
+              </a:rPr>
+              <a:t>Second Outline Level</a:t>
+            </a:r>
+            <a:endParaRPr b="0" lang="en-US" sz="1800" spc="-1" strike="noStrike">
+              <a:latin typeface="Arial"/>
+            </a:endParaRPr>
+          </a:p>
+          <a:p>
+            <a:pPr lvl="2" marL="1296000" indent="-288000">
+              <a:spcBef>
+                <a:spcPts val="850"/>
+              </a:spcBef>
+              <a:buClr>
+                <a:srgbClr val="000000"/>
+              </a:buClr>
+              <a:buSzPct val="45000"/>
+              <a:buFont typeface="Wingdings" charset="2"/>
+              <a:buChar char=""/>
+            </a:pPr>
+            <a:r>
+              <a:rPr b="0" lang="en-US" sz="1800" spc="-1" strike="noStrike">
+                <a:latin typeface="Arial"/>
+              </a:rPr>
+              <a:t>Third Outline Level</a:t>
+            </a:r>
+            <a:endParaRPr b="0" lang="en-US" sz="1800" spc="-1" strike="noStrike">
+              <a:latin typeface="Arial"/>
+            </a:endParaRPr>
+          </a:p>
+          <a:p>
+            <a:pPr lvl="3" marL="1728000" indent="-216000">
+              <a:spcBef>
+                <a:spcPts val="567"/>
+              </a:spcBef>
+              <a:buClr>
+                <a:srgbClr val="000000"/>
+              </a:buClr>
+              <a:buSzPct val="75000"/>
+              <a:buFont typeface="Symbol" charset="2"/>
+              <a:buChar char=""/>
+            </a:pPr>
+            <a:r>
+              <a:rPr b="0" lang="en-US" sz="1800" spc="-1" strike="noStrike">
+                <a:latin typeface="Arial"/>
+              </a:rPr>
+              <a:t>Fourth Outline Level</a:t>
+            </a:r>
+            <a:endParaRPr b="0" lang="en-US" sz="1800" spc="-1" strike="noStrike">
+              <a:latin typeface="Arial"/>
+            </a:endParaRPr>
+          </a:p>
+          <a:p>
+            <a:pPr lvl="4" marL="2160000" indent="-216000">
+              <a:spcBef>
+                <a:spcPts val="283"/>
+              </a:spcBef>
+              <a:buClr>
+                <a:srgbClr val="000000"/>
+              </a:buClr>
+              <a:buSzPct val="45000"/>
+              <a:buFont typeface="Wingdings" charset="2"/>
+              <a:buChar char=""/>
+            </a:pPr>
+            <a:r>
+              <a:rPr b="0" lang="en-US" sz="1800" spc="-1" strike="noStrike">
+                <a:latin typeface="Arial"/>
+              </a:rPr>
+              <a:t>Fifth Outline Level</a:t>
+            </a:r>
+            <a:endParaRPr b="0" lang="en-US" sz="1800" spc="-1" strike="noStrike">
+              <a:latin typeface="Arial"/>
+            </a:endParaRPr>
+          </a:p>
+          <a:p>
+            <a:pPr lvl="5" marL="2592000" indent="-216000">
+              <a:spcBef>
+                <a:spcPts val="283"/>
+              </a:spcBef>
+              <a:buClr>
+                <a:srgbClr val="000000"/>
+              </a:buClr>
+              <a:buSzPct val="45000"/>
+              <a:buFont typeface="Wingdings" charset="2"/>
+              <a:buChar char=""/>
+            </a:pPr>
+            <a:r>
+              <a:rPr b="0" lang="en-US" sz="1800" spc="-1" strike="noStrike">
+                <a:latin typeface="Arial"/>
+              </a:rPr>
+              <a:t>Sixth Outline Level</a:t>
+            </a:r>
+            <a:endParaRPr b="0" lang="en-US" sz="1800" spc="-1" strike="noStrike">
+              <a:latin typeface="Arial"/>
+            </a:endParaRPr>
+          </a:p>
+          <a:p>
+            <a:pPr lvl="6" marL="3024000" indent="-216000">
+              <a:spcBef>
+                <a:spcPts val="283"/>
+              </a:spcBef>
+              <a:buClr>
+                <a:srgbClr val="000000"/>
+              </a:buClr>
+              <a:buSzPct val="45000"/>
+              <a:buFont typeface="Wingdings" charset="2"/>
+              <a:buChar char=""/>
+            </a:pPr>
+            <a:r>
+              <a:rPr b="0" lang="en-US" sz="1800" spc="-1" strike="noStrike">
+                <a:latin typeface="Arial"/>
+              </a:rPr>
+              <a:t>Seventh Outline Level</a:t>
+            </a:r>
+            <a:endParaRPr b="0" lang="en-US" sz="1800" spc="-1" strike="noStrike">
               <a:latin typeface="Arial"/>
             </a:endParaRPr>
           </a:p>
@@ -19811,7 +18004,7 @@
         <p:spPr>
           <a:xfrm>
             <a:off x="0" y="4320000"/>
-            <a:ext cx="1977120" cy="1347120"/>
+            <a:ext cx="1976760" cy="1346760"/>
           </a:xfrm>
           <a:custGeom>
             <a:avLst/>
@@ -19859,7 +18052,7 @@
         <p:spPr>
           <a:xfrm>
             <a:off x="0" y="0"/>
-            <a:ext cx="1077120" cy="3417120"/>
+            <a:ext cx="1076760" cy="3416760"/>
           </a:xfrm>
           <a:custGeom>
             <a:avLst/>
@@ -19907,7 +18100,7 @@
         <p:spPr>
           <a:xfrm>
             <a:off x="7740000" y="0"/>
-            <a:ext cx="2337120" cy="1617120"/>
+            <a:ext cx="2336760" cy="1616760"/>
           </a:xfrm>
           <a:custGeom>
             <a:avLst/>
@@ -19955,7 +18148,7 @@
         <p:spPr>
           <a:xfrm>
             <a:off x="9000000" y="2520000"/>
-            <a:ext cx="1077120" cy="3147120"/>
+            <a:ext cx="1076760" cy="3146760"/>
           </a:xfrm>
           <a:custGeom>
             <a:avLst/>
@@ -20256,7 +18449,7 @@
         <p:spPr>
           <a:xfrm>
             <a:off x="0" y="4320000"/>
-            <a:ext cx="1977120" cy="1347120"/>
+            <a:ext cx="1976760" cy="1346760"/>
           </a:xfrm>
           <a:custGeom>
             <a:avLst/>
@@ -20304,7 +18497,7 @@
         <p:spPr>
           <a:xfrm>
             <a:off x="0" y="0"/>
-            <a:ext cx="1077120" cy="3417120"/>
+            <a:ext cx="1076760" cy="3416760"/>
           </a:xfrm>
           <a:custGeom>
             <a:avLst/>
@@ -20352,7 +18545,7 @@
         <p:spPr>
           <a:xfrm>
             <a:off x="7740000" y="0"/>
-            <a:ext cx="2337120" cy="1617120"/>
+            <a:ext cx="2336760" cy="1616760"/>
           </a:xfrm>
           <a:custGeom>
             <a:avLst/>
@@ -20400,7 +18593,7 @@
         <p:spPr>
           <a:xfrm>
             <a:off x="9000000" y="2520000"/>
-            <a:ext cx="1077120" cy="3147120"/>
+            <a:ext cx="1076760" cy="3146760"/>
           </a:xfrm>
           <a:custGeom>
             <a:avLst/>
@@ -20701,7 +18894,7 @@
         <p:spPr>
           <a:xfrm>
             <a:off x="0" y="4320000"/>
-            <a:ext cx="1977120" cy="1347120"/>
+            <a:ext cx="1976760" cy="1346760"/>
           </a:xfrm>
           <a:custGeom>
             <a:avLst/>
@@ -20749,7 +18942,7 @@
         <p:spPr>
           <a:xfrm>
             <a:off x="0" y="0"/>
-            <a:ext cx="1077120" cy="3417120"/>
+            <a:ext cx="1076760" cy="3416760"/>
           </a:xfrm>
           <a:custGeom>
             <a:avLst/>
@@ -20797,7 +18990,7 @@
         <p:spPr>
           <a:xfrm>
             <a:off x="7740000" y="0"/>
-            <a:ext cx="2337120" cy="1617120"/>
+            <a:ext cx="2336760" cy="1616760"/>
           </a:xfrm>
           <a:custGeom>
             <a:avLst/>
@@ -20845,7 +19038,7 @@
         <p:spPr>
           <a:xfrm>
             <a:off x="9000000" y="2520000"/>
-            <a:ext cx="1077120" cy="3147120"/>
+            <a:ext cx="1076760" cy="3146760"/>
           </a:xfrm>
           <a:custGeom>
             <a:avLst/>
@@ -21146,7 +19339,7 @@
         <p:spPr>
           <a:xfrm>
             <a:off x="0" y="4320000"/>
-            <a:ext cx="1977120" cy="1347120"/>
+            <a:ext cx="1976760" cy="1346760"/>
           </a:xfrm>
           <a:custGeom>
             <a:avLst/>
@@ -21194,7 +19387,7 @@
         <p:spPr>
           <a:xfrm>
             <a:off x="0" y="0"/>
-            <a:ext cx="1077120" cy="3417120"/>
+            <a:ext cx="1076760" cy="3416760"/>
           </a:xfrm>
           <a:custGeom>
             <a:avLst/>
@@ -21242,7 +19435,7 @@
         <p:spPr>
           <a:xfrm>
             <a:off x="7740000" y="0"/>
-            <a:ext cx="2337120" cy="1617120"/>
+            <a:ext cx="2336760" cy="1616760"/>
           </a:xfrm>
           <a:custGeom>
             <a:avLst/>
@@ -21290,7 +19483,7 @@
         <p:spPr>
           <a:xfrm>
             <a:off x="9000000" y="2520000"/>
-            <a:ext cx="1077120" cy="3147120"/>
+            <a:ext cx="1076760" cy="3146760"/>
           </a:xfrm>
           <a:custGeom>
             <a:avLst/>
@@ -21591,7 +19784,7 @@
         <p:spPr>
           <a:xfrm>
             <a:off x="0" y="4320000"/>
-            <a:ext cx="1977120" cy="1347120"/>
+            <a:ext cx="1976760" cy="1346760"/>
           </a:xfrm>
           <a:custGeom>
             <a:avLst/>
@@ -21639,7 +19832,7 @@
         <p:spPr>
           <a:xfrm>
             <a:off x="0" y="0"/>
-            <a:ext cx="1077120" cy="3417120"/>
+            <a:ext cx="1076760" cy="3416760"/>
           </a:xfrm>
           <a:custGeom>
             <a:avLst/>
@@ -21687,7 +19880,7 @@
         <p:spPr>
           <a:xfrm>
             <a:off x="7740000" y="0"/>
-            <a:ext cx="2337120" cy="1617120"/>
+            <a:ext cx="2336760" cy="1616760"/>
           </a:xfrm>
           <a:custGeom>
             <a:avLst/>
@@ -21735,7 +19928,7 @@
         <p:spPr>
           <a:xfrm>
             <a:off x="9000000" y="2520000"/>
-            <a:ext cx="1077120" cy="3147120"/>
+            <a:ext cx="1076760" cy="3146760"/>
           </a:xfrm>
           <a:custGeom>
             <a:avLst/>
@@ -22028,14 +20221,14 @@
       </p:grpSpPr>
       <p:sp>
         <p:nvSpPr>
-          <p:cNvPr id="506" name=""/>
+          <p:cNvPr id="464" name=""/>
           <p:cNvSpPr/>
           <p:nvPr/>
         </p:nvSpPr>
         <p:spPr>
           <a:xfrm>
             <a:off x="720000" y="360000"/>
-            <a:ext cx="8636760" cy="4894560"/>
+            <a:ext cx="8636400" cy="4894200"/>
           </a:xfrm>
           <a:prstGeom prst="rect">
             <a:avLst/>
@@ -22239,14 +20432,14 @@
       </p:grpSpPr>
       <p:sp>
         <p:nvSpPr>
-          <p:cNvPr id="541" name=""/>
+          <p:cNvPr id="499" name=""/>
           <p:cNvSpPr/>
           <p:nvPr/>
         </p:nvSpPr>
         <p:spPr>
           <a:xfrm>
             <a:off x="720000" y="360000"/>
-            <a:ext cx="8636760" cy="896760"/>
+            <a:ext cx="8636400" cy="896400"/>
           </a:xfrm>
           <a:prstGeom prst="rect">
             <a:avLst/>
@@ -22290,14 +20483,14 @@
       </p:sp>
       <p:sp>
         <p:nvSpPr>
-          <p:cNvPr id="542" name=""/>
+          <p:cNvPr id="500" name=""/>
           <p:cNvSpPr/>
           <p:nvPr/>
         </p:nvSpPr>
         <p:spPr>
           <a:xfrm>
             <a:off x="720000" y="1440000"/>
-            <a:ext cx="9107640" cy="3596760"/>
+            <a:ext cx="9107280" cy="3596400"/>
           </a:xfrm>
           <a:prstGeom prst="rect">
             <a:avLst/>
@@ -22318,7 +20511,7 @@
             <a:normAutofit/>
           </a:bodyPr>
           <a:p>
-            <a:pPr marL="432000" indent="-321840">
+            <a:pPr marL="432000" indent="-321480">
               <a:lnSpc>
                 <a:spcPct val="100000"/>
               </a:lnSpc>
@@ -22347,7 +20540,7 @@
             </a:endParaRPr>
           </a:p>
           <a:p>
-            <a:pPr marL="432000" indent="-321840">
+            <a:pPr marL="432000" indent="-321480">
               <a:lnSpc>
                 <a:spcPct val="100000"/>
               </a:lnSpc>
@@ -22389,14 +20582,14 @@
                 <a:latin typeface="Arial"/>
                 <a:ea typeface="DejaVu Sans"/>
               </a:rPr>
-              <a:t>logout</a:t>
+              <a:t>quit</a:t>
             </a:r>
             <a:endParaRPr b="0" lang="en-US" sz="1800" spc="-1" strike="noStrike">
               <a:latin typeface="Arial"/>
             </a:endParaRPr>
           </a:p>
           <a:p>
-            <a:pPr marL="432000" indent="-321840">
+            <a:pPr marL="432000" indent="-321480">
               <a:lnSpc>
                 <a:spcPct val="100000"/>
               </a:lnSpc>
@@ -22445,7 +20638,7 @@
             </a:endParaRPr>
           </a:p>
           <a:p>
-            <a:pPr marL="432000" indent="-321840">
+            <a:pPr marL="432000" indent="-321480">
               <a:lnSpc>
                 <a:spcPct val="100000"/>
               </a:lnSpc>
@@ -22494,7 +20687,7 @@
             </a:endParaRPr>
           </a:p>
           <a:p>
-            <a:pPr marL="432000" indent="-321840">
+            <a:pPr marL="432000" indent="-321480">
               <a:lnSpc>
                 <a:spcPct val="100000"/>
               </a:lnSpc>
@@ -22543,7 +20736,7 @@
             </a:endParaRPr>
           </a:p>
           <a:p>
-            <a:pPr marL="432000" indent="-321840">
+            <a:pPr marL="432000" indent="-321480">
               <a:lnSpc>
                 <a:spcPct val="100000"/>
               </a:lnSpc>
@@ -22565,14 +20758,14 @@
                 <a:latin typeface="Arial"/>
                 <a:ea typeface="Microsoft YaHei"/>
               </a:rPr>
-              <a:t>Server sends the invitation to the challenged user:</a:t>
+              <a:t>Server sends the list of challenges received:</a:t>
             </a:r>
             <a:endParaRPr b="0" lang="en-US" sz="1800" spc="-1" strike="noStrike">
               <a:latin typeface="Arial"/>
             </a:endParaRPr>
           </a:p>
           <a:p>
-            <a:pPr marL="432000" indent="-321840">
+            <a:pPr marL="432000" indent="-321480">
               <a:lnSpc>
                 <a:spcPct val="100000"/>
               </a:lnSpc>
@@ -22614,7 +20807,7 @@
                 <a:latin typeface="Arial"/>
                 <a:ea typeface="Microsoft YaHei"/>
               </a:rPr>
-              <a:t>invite : [username]#[tag] </a:t>
+              <a:t>challengelist: [username1],[username2],[username3], </a:t>
             </a:r>
             <a:endParaRPr b="0" lang="en-US" sz="1800" spc="-1" strike="noStrike">
               <a:latin typeface="Arial"/>
@@ -22654,14 +20847,14 @@
       </p:grpSpPr>
       <p:sp>
         <p:nvSpPr>
-          <p:cNvPr id="543" name=""/>
+          <p:cNvPr id="501" name=""/>
           <p:cNvSpPr/>
           <p:nvPr/>
         </p:nvSpPr>
         <p:spPr>
           <a:xfrm>
             <a:off x="720000" y="360000"/>
-            <a:ext cx="8636760" cy="896760"/>
+            <a:ext cx="8636400" cy="896400"/>
           </a:xfrm>
           <a:prstGeom prst="rect">
             <a:avLst/>
@@ -22705,14 +20898,14 @@
       </p:sp>
       <p:sp>
         <p:nvSpPr>
-          <p:cNvPr id="544" name=""/>
+          <p:cNvPr id="502" name=""/>
           <p:cNvSpPr/>
           <p:nvPr/>
         </p:nvSpPr>
         <p:spPr>
           <a:xfrm>
             <a:off x="720000" y="1440000"/>
-            <a:ext cx="8421840" cy="3596760"/>
+            <a:ext cx="8421480" cy="3596400"/>
           </a:xfrm>
           <a:prstGeom prst="rect">
             <a:avLst/>
@@ -22733,7 +20926,7 @@
             <a:normAutofit/>
           </a:bodyPr>
           <a:p>
-            <a:pPr marL="432000" indent="-321840">
+            <a:pPr marL="432000" indent="-321480">
               <a:lnSpc>
                 <a:spcPct val="100000"/>
               </a:lnSpc>
@@ -22812,7 +21005,7 @@
             </a:endParaRPr>
           </a:p>
           <a:p>
-            <a:pPr marL="432000" indent="-321840">
+            <a:pPr marL="432000" indent="-321480">
               <a:lnSpc>
                 <a:spcPct val="100000"/>
               </a:lnSpc>
@@ -22841,7 +21034,7 @@
             </a:endParaRPr>
           </a:p>
           <a:p>
-            <a:pPr marL="432000" indent="-321840">
+            <a:pPr marL="432000" indent="-321480">
               <a:lnSpc>
                 <a:spcPct val="100000"/>
               </a:lnSpc>
@@ -22893,7 +21086,7 @@
                 <a:latin typeface="Arial"/>
                 <a:ea typeface="DejaVu Sans"/>
               </a:rPr>
-              <a:t>setup : V-4-3-10 , H-3-5-2 ,</a:t>
+              <a:t>setup: V-4-3-10,H-3-5-2,</a:t>
             </a:r>
             <a:r>
               <a:rPr b="0" lang="en-US" sz="1800" spc="-1" strike="noStrike">
@@ -22913,7 +21106,7 @@
                 <a:latin typeface="Arial"/>
                 <a:ea typeface="DejaVu Sans"/>
               </a:rPr>
-              <a:t>, H-1-8-8 .</a:t>
+              <a:t>,H-1-8-8,</a:t>
             </a:r>
             <a:endParaRPr b="0" lang="en-US" sz="1800" spc="-1" strike="noStrike">
               <a:latin typeface="Arial"/>
@@ -23182,14 +21375,14 @@
       </p:grpSpPr>
       <p:sp>
         <p:nvSpPr>
-          <p:cNvPr id="545" name=""/>
+          <p:cNvPr id="503" name=""/>
           <p:cNvSpPr/>
           <p:nvPr/>
         </p:nvSpPr>
         <p:spPr>
           <a:xfrm>
             <a:off x="720000" y="360000"/>
-            <a:ext cx="8636760" cy="896760"/>
+            <a:ext cx="8636400" cy="896400"/>
           </a:xfrm>
           <a:prstGeom prst="rect">
             <a:avLst/>
@@ -23233,14 +21426,14 @@
       </p:sp>
       <p:sp>
         <p:nvSpPr>
-          <p:cNvPr id="546" name=""/>
+          <p:cNvPr id="504" name=""/>
           <p:cNvSpPr/>
           <p:nvPr/>
         </p:nvSpPr>
         <p:spPr>
           <a:xfrm>
             <a:off x="720000" y="1440000"/>
-            <a:ext cx="8421840" cy="3596760"/>
+            <a:ext cx="8421480" cy="3596400"/>
           </a:xfrm>
           <a:prstGeom prst="rect">
             <a:avLst/>
@@ -23261,7 +21454,7 @@
             <a:normAutofit/>
           </a:bodyPr>
           <a:p>
-            <a:pPr marL="432000" indent="-321840">
+            <a:pPr marL="432000" indent="-321480">
               <a:lnSpc>
                 <a:spcPct val="100000"/>
               </a:lnSpc>
@@ -23303,7 +21496,7 @@
             </a:endParaRPr>
           </a:p>
           <a:p>
-            <a:pPr marL="432000" indent="-321840">
+            <a:pPr marL="432000" indent="-321480">
               <a:lnSpc>
                 <a:spcPct val="100000"/>
               </a:lnSpc>
@@ -23385,7 +21578,7 @@
                 <a:latin typeface="Arial"/>
                 <a:ea typeface="DejaVu Sans"/>
               </a:rPr>
-              <a:t>fire : 4-4</a:t>
+              <a:t>fire: 4-4</a:t>
             </a:r>
             <a:r>
               <a:rPr b="0" lang="en-US" sz="1800" spc="-1" strike="noStrike">
@@ -23452,7 +21645,7 @@
             </a:endParaRPr>
           </a:p>
           <a:p>
-            <a:pPr marL="432000" indent="-321840">
+            <a:pPr marL="432000" indent="-321480">
               <a:lnSpc>
                 <a:spcPct val="100000"/>
               </a:lnSpc>
@@ -23511,7 +21704,7 @@
             </a:endParaRPr>
           </a:p>
           <a:p>
-            <a:pPr marL="432000" indent="-321840">
+            <a:pPr marL="432000" indent="-321480">
               <a:lnSpc>
                 <a:spcPct val="100000"/>
               </a:lnSpc>
@@ -23563,7 +21756,7 @@
                 <a:latin typeface="Arial"/>
                 <a:ea typeface="DejaVu Sans"/>
               </a:rPr>
-              <a:t>fire : 4-4-miss</a:t>
+              <a:t>fire: 4-4-miss</a:t>
             </a:r>
             <a:endParaRPr b="0" lang="en-US" sz="1800" spc="-1" strike="noStrike">
               <a:latin typeface="Arial"/>
@@ -23573,7 +21766,7 @@
       </p:sp>
       <p:pic>
         <p:nvPicPr>
-          <p:cNvPr id="547" name="" descr=""/>
+          <p:cNvPr id="505" name="" descr=""/>
           <p:cNvPicPr/>
           <p:nvPr/>
         </p:nvPicPr>
@@ -23584,7 +21777,7 @@
         <p:spPr>
           <a:xfrm>
             <a:off x="5715000" y="2971800"/>
-            <a:ext cx="2571840" cy="2571840"/>
+            <a:ext cx="2571480" cy="2571480"/>
           </a:xfrm>
           <a:prstGeom prst="rect">
             <a:avLst/>
@@ -23626,14 +21819,14 @@
       </p:grpSpPr>
       <p:sp>
         <p:nvSpPr>
-          <p:cNvPr id="548" name=""/>
+          <p:cNvPr id="506" name=""/>
           <p:cNvSpPr/>
           <p:nvPr/>
         </p:nvSpPr>
         <p:spPr>
           <a:xfrm>
             <a:off x="720000" y="360000"/>
-            <a:ext cx="8636760" cy="896760"/>
+            <a:ext cx="8636400" cy="896400"/>
           </a:xfrm>
           <a:prstGeom prst="rect">
             <a:avLst/>
@@ -23677,14 +21870,14 @@
       </p:sp>
       <p:sp>
         <p:nvSpPr>
-          <p:cNvPr id="549" name=""/>
+          <p:cNvPr id="507" name=""/>
           <p:cNvSpPr/>
           <p:nvPr/>
         </p:nvSpPr>
         <p:spPr>
           <a:xfrm>
             <a:off x="720000" y="1440000"/>
-            <a:ext cx="8421840" cy="3596760"/>
+            <a:ext cx="8421480" cy="3596400"/>
           </a:xfrm>
           <a:prstGeom prst="rect">
             <a:avLst/>
@@ -23705,7 +21898,7 @@
             <a:normAutofit/>
           </a:bodyPr>
           <a:p>
-            <a:pPr marL="432000" indent="-321840">
+            <a:pPr marL="432000" indent="-321480">
               <a:lnSpc>
                 <a:spcPct val="100000"/>
               </a:lnSpc>
@@ -23727,7 +21920,7 @@
                 <a:latin typeface="Arial"/>
                 <a:ea typeface="DejaVu Sans"/>
               </a:rPr>
-              <a:t>When all the ships of a player sunk, Server sends result message to 2 players.  Then both players return to lobby.</a:t>
+              <a:t>When all the ships of a player sunk, Server adds “matchend” in result message to 2 players.  Then both players can return to lobby.</a:t>
             </a:r>
             <a:endParaRPr b="0" lang="en-US" sz="1800" spc="-1" strike="noStrike">
               <a:latin typeface="Arial"/>
@@ -23747,7 +21940,7 @@
             </a:endParaRPr>
           </a:p>
           <a:p>
-            <a:pPr marL="432000" indent="-321840">
+            <a:pPr marL="432000" indent="-321480">
               <a:lnSpc>
                 <a:spcPct val="100000"/>
               </a:lnSpc>
@@ -23799,14 +21992,44 @@
                 <a:latin typeface="Arial"/>
                 <a:ea typeface="DejaVu Sans"/>
               </a:rPr>
-              <a:t>matchend : win</a:t>
+              <a:t>hit,sunk,H-1-8-8,matchend</a:t>
+            </a:r>
+            <a:r>
+              <a:rPr b="0" lang="en-US" sz="1800" spc="-1" strike="noStrike">
+                <a:solidFill>
+                  <a:srgbClr val="00a933"/>
+                </a:solidFill>
+                <a:latin typeface="Arial"/>
+                <a:ea typeface="DejaVu Sans"/>
+              </a:rPr>
+              <a:t>	</a:t>
+            </a:r>
+            <a:r>
+              <a:rPr b="0" lang="en-US" sz="1800" spc="-1" strike="noStrike">
+                <a:solidFill>
+                  <a:srgbClr val="00a933"/>
+                </a:solidFill>
+                <a:latin typeface="Arial"/>
+                <a:ea typeface="DejaVu Sans"/>
+              </a:rPr>
+              <a:t>	</a:t>
+            </a:r>
+            <a:r>
+              <a:rPr b="0" lang="en-US" sz="1800" spc="-1" strike="noStrike">
+                <a:solidFill>
+                  <a:srgbClr val="00a933"/>
+                </a:solidFill>
+                <a:latin typeface="Arial"/>
+                <a:ea typeface="DejaVu Sans"/>
+              </a:rPr>
+              <a:t>(win)</a:t>
             </a:r>
             <a:endParaRPr b="0" lang="en-US" sz="1800" spc="-1" strike="noStrike">
               <a:latin typeface="Arial"/>
             </a:endParaRPr>
           </a:p>
           <a:p>
-            <a:pPr marL="432000" indent="-321840">
+            <a:pPr marL="432000" indent="-321480">
               <a:lnSpc>
                 <a:spcPct val="100000"/>
               </a:lnSpc>
@@ -23858,7 +22081,37 @@
                 <a:latin typeface="Arial"/>
                 <a:ea typeface="DejaVu Sans"/>
               </a:rPr>
-              <a:t>matchend : lose</a:t>
+              <a:t>fire: hit,sunk,H-1-8-8,matchend</a:t>
+            </a:r>
+            <a:r>
+              <a:rPr b="0" lang="en-US" sz="1800" spc="-1" strike="noStrike">
+                <a:solidFill>
+                  <a:srgbClr val="00a933"/>
+                </a:solidFill>
+                <a:latin typeface="Arial"/>
+                <a:ea typeface="DejaVu Sans"/>
+              </a:rPr>
+              <a:t>	</a:t>
+            </a:r>
+            <a:r>
+              <a:rPr b="0" lang="en-US" sz="1800" spc="-1" strike="noStrike">
+                <a:solidFill>
+                  <a:srgbClr val="00a933"/>
+                </a:solidFill>
+                <a:latin typeface="Arial"/>
+                <a:ea typeface="DejaVu Sans"/>
+              </a:rPr>
+              <a:t>	</a:t>
+            </a:r>
+            <a:r>
+              <a:rPr b="0" lang="en-US" sz="1800" spc="-1" strike="noStrike">
+                <a:solidFill>
+                  <a:srgbClr val="00a933"/>
+                </a:solidFill>
+                <a:latin typeface="Arial"/>
+                <a:ea typeface="DejaVu Sans"/>
+              </a:rPr>
+              <a:t>(lost)</a:t>
             </a:r>
             <a:endParaRPr b="0" lang="en-US" sz="1800" spc="-1" strike="noStrike">
               <a:latin typeface="Arial"/>
@@ -23898,14 +22151,14 @@
       </p:grpSpPr>
       <p:sp>
         <p:nvSpPr>
-          <p:cNvPr id="550" name=""/>
+          <p:cNvPr id="508" name=""/>
           <p:cNvSpPr/>
           <p:nvPr/>
         </p:nvSpPr>
         <p:spPr>
           <a:xfrm>
             <a:off x="504000" y="226080"/>
-            <a:ext cx="9070920" cy="945360"/>
+            <a:ext cx="9070560" cy="945000"/>
           </a:xfrm>
           <a:prstGeom prst="rect">
             <a:avLst/>
@@ -23939,7 +22192,7 @@
                 <a:latin typeface="Arial"/>
                 <a:ea typeface="DejaVu Sans"/>
               </a:rPr>
-              <a:t>GUI</a:t>
+              <a:t>Demo</a:t>
             </a:r>
             <a:endParaRPr b="0" lang="en-US" sz="4400" spc="-1" strike="noStrike">
               <a:latin typeface="Arial"/>
@@ -23949,7 +22202,7 @@
       </p:sp>
       <p:pic>
         <p:nvPicPr>
-          <p:cNvPr id="551" name="" descr=""/>
+          <p:cNvPr id="509" name="" descr=""/>
           <p:cNvPicPr/>
           <p:nvPr/>
         </p:nvPicPr>
@@ -23959,8 +22212,8 @@
         </p:blipFill>
         <p:spPr>
           <a:xfrm>
-            <a:off x="2743200" y="1143000"/>
-            <a:ext cx="4899240" cy="3878280"/>
+            <a:off x="2048760" y="1137240"/>
+            <a:ext cx="6180840" cy="4120560"/>
           </a:xfrm>
           <a:prstGeom prst="rect">
             <a:avLst/>
@@ -23970,57 +22223,6 @@
           </a:ln>
         </p:spPr>
       </p:pic>
-      <p:sp>
-        <p:nvSpPr>
-          <p:cNvPr id="552" name=""/>
-          <p:cNvSpPr/>
-          <p:nvPr/>
-        </p:nvSpPr>
-        <p:spPr>
-          <a:xfrm>
-            <a:off x="2743200" y="5055120"/>
-            <a:ext cx="5028120" cy="430200"/>
-          </a:xfrm>
-          <a:prstGeom prst="rect">
-            <a:avLst/>
-          </a:prstGeom>
-          <a:noFill/>
-          <a:ln w="0">
-            <a:noFill/>
-          </a:ln>
-        </p:spPr>
-        <p:style>
-          <a:lnRef idx="0"/>
-          <a:fillRef idx="0"/>
-          <a:effectRef idx="0"/>
-          <a:fontRef idx="minor"/>
-        </p:style>
-        <p:txBody>
-          <a:bodyPr lIns="90000" rIns="90000" tIns="45000" bIns="45000">
-            <a:noAutofit/>
-          </a:bodyPr>
-          <a:p>
-            <a:pPr>
-              <a:lnSpc>
-                <a:spcPct val="100000"/>
-              </a:lnSpc>
-            </a:pPr>
-            <a:r>
-              <a:rPr b="0" lang="en-US" sz="1200" spc="-1" strike="noStrike">
-                <a:solidFill>
-                  <a:srgbClr val="000000"/>
-                </a:solidFill>
-                <a:latin typeface="Arial"/>
-                <a:ea typeface="DejaVu Sans"/>
-              </a:rPr>
-              <a:t>(The picture is taken from the application developing process, not presented for the final product)</a:t>
-            </a:r>
-            <a:endParaRPr b="0" lang="en-US" sz="1200" spc="-1" strike="noStrike">
-              <a:latin typeface="Arial"/>
-            </a:endParaRPr>
-          </a:p>
-        </p:txBody>
-      </p:sp>
     </p:spTree>
   </p:cSld>
   <mc:AlternateContent>
@@ -24053,14 +22255,14 @@
       </p:grpSpPr>
       <p:sp>
         <p:nvSpPr>
-          <p:cNvPr id="553" name=""/>
+          <p:cNvPr id="510" name=""/>
           <p:cNvSpPr/>
           <p:nvPr/>
         </p:nvSpPr>
         <p:spPr>
           <a:xfrm>
-            <a:off x="504000" y="226080"/>
-            <a:ext cx="9070920" cy="945360"/>
+            <a:off x="733320" y="685800"/>
+            <a:ext cx="8636400" cy="4167000"/>
           </a:xfrm>
           <a:prstGeom prst="rect">
             <a:avLst/>
@@ -24087,879 +22289,16 @@
               </a:lnSpc>
             </a:pPr>
             <a:r>
-              <a:rPr b="0" lang="en-US" sz="4400" spc="-1" strike="noStrike">
+              <a:rPr b="0" lang="en-US" sz="5400" spc="-1" strike="noStrike">
                 <a:solidFill>
                   <a:srgbClr val="000000"/>
                 </a:solidFill>
                 <a:latin typeface="Arial"/>
                 <a:ea typeface="DejaVu Sans"/>
               </a:rPr>
-              <a:t>GUI</a:t>
+              <a:t>Thanks for listening :3</a:t>
             </a:r>
-            <a:endParaRPr b="0" lang="en-US" sz="4400" spc="-1" strike="noStrike">
-              <a:latin typeface="Arial"/>
-            </a:endParaRPr>
-          </a:p>
-        </p:txBody>
-      </p:sp>
-      <p:sp>
-        <p:nvSpPr>
-          <p:cNvPr id="554" name=""/>
-          <p:cNvSpPr/>
-          <p:nvPr/>
-        </p:nvSpPr>
-        <p:spPr>
-          <a:xfrm>
-            <a:off x="2743200" y="5055120"/>
-            <a:ext cx="5028120" cy="430200"/>
-          </a:xfrm>
-          <a:prstGeom prst="rect">
-            <a:avLst/>
-          </a:prstGeom>
-          <a:noFill/>
-          <a:ln w="0">
-            <a:noFill/>
-          </a:ln>
-        </p:spPr>
-        <p:style>
-          <a:lnRef idx="0"/>
-          <a:fillRef idx="0"/>
-          <a:effectRef idx="0"/>
-          <a:fontRef idx="minor"/>
-        </p:style>
-        <p:txBody>
-          <a:bodyPr lIns="90000" rIns="90000" tIns="45000" bIns="45000">
-            <a:noAutofit/>
-          </a:bodyPr>
-          <a:p>
-            <a:pPr>
-              <a:lnSpc>
-                <a:spcPct val="100000"/>
-              </a:lnSpc>
-            </a:pPr>
-            <a:r>
-              <a:rPr b="0" lang="en-US" sz="1200" spc="-1" strike="noStrike">
-                <a:solidFill>
-                  <a:srgbClr val="000000"/>
-                </a:solidFill>
-                <a:latin typeface="Arial"/>
-                <a:ea typeface="DejaVu Sans"/>
-              </a:rPr>
-              <a:t>(The pictures is taken from the application developing process, not presented for the final product)</a:t>
-            </a:r>
-            <a:endParaRPr b="0" lang="en-US" sz="1200" spc="-1" strike="noStrike">
-              <a:latin typeface="Arial"/>
-            </a:endParaRPr>
-          </a:p>
-        </p:txBody>
-      </p:sp>
-      <p:pic>
-        <p:nvPicPr>
-          <p:cNvPr id="555" name="" descr=""/>
-          <p:cNvPicPr/>
-          <p:nvPr/>
-        </p:nvPicPr>
-        <p:blipFill>
-          <a:blip r:embed="rId1"/>
-          <a:stretch/>
-        </p:blipFill>
-        <p:spPr>
-          <a:xfrm>
-            <a:off x="1143000" y="1371600"/>
-            <a:ext cx="4102200" cy="3561840"/>
-          </a:xfrm>
-          <a:prstGeom prst="rect">
-            <a:avLst/>
-          </a:prstGeom>
-          <a:ln w="0">
-            <a:noFill/>
-          </a:ln>
-        </p:spPr>
-      </p:pic>
-      <p:pic>
-        <p:nvPicPr>
-          <p:cNvPr id="556" name="" descr=""/>
-          <p:cNvPicPr/>
-          <p:nvPr/>
-        </p:nvPicPr>
-        <p:blipFill>
-          <a:blip r:embed="rId2"/>
-          <a:stretch/>
-        </p:blipFill>
-        <p:spPr>
-          <a:xfrm>
-            <a:off x="5308560" y="1371600"/>
-            <a:ext cx="3834360" cy="3349440"/>
-          </a:xfrm>
-          <a:prstGeom prst="rect">
-            <a:avLst/>
-          </a:prstGeom>
-          <a:ln w="0">
-            <a:noFill/>
-          </a:ln>
-        </p:spPr>
-      </p:pic>
-    </p:spTree>
-  </p:cSld>
-  <mc:AlternateContent>
-    <mc:Choice Requires="p14">
-      <p:transition spd="slow" p14:dur="2000"/>
-    </mc:Choice>
-    <mc:Fallback>
-      <p:transition spd="slow"/>
-    </mc:Fallback>
-  </mc:AlternateContent>
-</p:sld>
-</file>
-
-<file path=ppt/slides/slide16.xml><?xml version="1.0" encoding="utf-8"?>
-<p:sld xmlns:a="http://schemas.openxmlformats.org/drawingml/2006/main" xmlns:p="http://schemas.openxmlformats.org/presentationml/2006/main" xmlns:r="http://schemas.openxmlformats.org/officeDocument/2006/relationships" xmlns:p14="http://schemas.microsoft.com/office/powerpoint/2010/main" xmlns:p15="http://schemas.microsoft.com/office/powerpoint/2012/main" xmlns:mc="http://schemas.openxmlformats.org/markup-compatibility/2006">
-  <p:cSld>
-    <p:spTree>
-      <p:nvGrpSpPr>
-        <p:cNvPr id="1" name=""/>
-        <p:cNvGrpSpPr/>
-        <p:nvPr/>
-      </p:nvGrpSpPr>
-      <p:grpSpPr>
-        <a:xfrm>
-          <a:off x="0" y="0"/>
-          <a:ext cx="0" cy="0"/>
-          <a:chOff x="0" y="0"/>
-          <a:chExt cx="0" cy="0"/>
-        </a:xfrm>
-      </p:grpSpPr>
-      <p:sp>
-        <p:nvSpPr>
-          <p:cNvPr id="557" name=""/>
-          <p:cNvSpPr/>
-          <p:nvPr/>
-        </p:nvSpPr>
-        <p:spPr>
-          <a:xfrm>
-            <a:off x="504000" y="226080"/>
-            <a:ext cx="9070920" cy="945360"/>
-          </a:xfrm>
-          <a:prstGeom prst="rect">
-            <a:avLst/>
-          </a:prstGeom>
-          <a:noFill/>
-          <a:ln w="0">
-            <a:noFill/>
-          </a:ln>
-        </p:spPr>
-        <p:style>
-          <a:lnRef idx="0"/>
-          <a:fillRef idx="0"/>
-          <a:effectRef idx="0"/>
-          <a:fontRef idx="minor"/>
-        </p:style>
-        <p:txBody>
-          <a:bodyPr lIns="0" rIns="0" tIns="0" bIns="0" anchor="ctr">
-            <a:noAutofit/>
-          </a:bodyPr>
-          <a:p>
-            <a:pPr algn="ctr">
-              <a:lnSpc>
-                <a:spcPct val="100000"/>
-              </a:lnSpc>
-            </a:pPr>
-            <a:r>
-              <a:rPr b="0" lang="en-US" sz="4400" spc="-1" strike="noStrike">
-                <a:solidFill>
-                  <a:srgbClr val="000000"/>
-                </a:solidFill>
-                <a:latin typeface="Arial"/>
-                <a:ea typeface="DejaVu Sans"/>
-              </a:rPr>
-              <a:t>GUI</a:t>
-            </a:r>
-            <a:endParaRPr b="0" lang="en-US" sz="4400" spc="-1" strike="noStrike">
-              <a:latin typeface="Arial"/>
-            </a:endParaRPr>
-          </a:p>
-        </p:txBody>
-      </p:sp>
-      <p:sp>
-        <p:nvSpPr>
-          <p:cNvPr id="558" name=""/>
-          <p:cNvSpPr/>
-          <p:nvPr/>
-        </p:nvSpPr>
-        <p:spPr>
-          <a:xfrm>
-            <a:off x="5943600" y="4572000"/>
-            <a:ext cx="2284920" cy="887400"/>
-          </a:xfrm>
-          <a:prstGeom prst="rect">
-            <a:avLst/>
-          </a:prstGeom>
-          <a:noFill/>
-          <a:ln w="0">
-            <a:noFill/>
-          </a:ln>
-        </p:spPr>
-        <p:style>
-          <a:lnRef idx="0"/>
-          <a:fillRef idx="0"/>
-          <a:effectRef idx="0"/>
-          <a:fontRef idx="minor"/>
-        </p:style>
-        <p:txBody>
-          <a:bodyPr lIns="90000" rIns="90000" tIns="45000" bIns="45000">
-            <a:noAutofit/>
-          </a:bodyPr>
-          <a:p>
-            <a:pPr>
-              <a:lnSpc>
-                <a:spcPct val="100000"/>
-              </a:lnSpc>
-            </a:pPr>
-            <a:r>
-              <a:rPr b="0" lang="en-US" sz="1200" spc="-1" strike="noStrike">
-                <a:solidFill>
-                  <a:srgbClr val="000000"/>
-                </a:solidFill>
-                <a:latin typeface="Arial"/>
-                <a:ea typeface="DejaVu Sans"/>
-              </a:rPr>
-              <a:t>(The picture is taken from the application developing process, not presented for the final product)</a:t>
-            </a:r>
-            <a:endParaRPr b="0" lang="en-US" sz="1200" spc="-1" strike="noStrike">
-              <a:latin typeface="Arial"/>
-            </a:endParaRPr>
-          </a:p>
-        </p:txBody>
-      </p:sp>
-      <p:pic>
-        <p:nvPicPr>
-          <p:cNvPr id="559" name="" descr=""/>
-          <p:cNvPicPr/>
-          <p:nvPr/>
-        </p:nvPicPr>
-        <p:blipFill>
-          <a:blip r:embed="rId1"/>
-          <a:stretch/>
-        </p:blipFill>
-        <p:spPr>
-          <a:xfrm>
-            <a:off x="2057400" y="1172520"/>
-            <a:ext cx="3656520" cy="4204080"/>
-          </a:xfrm>
-          <a:prstGeom prst="rect">
-            <a:avLst/>
-          </a:prstGeom>
-          <a:ln w="0">
-            <a:noFill/>
-          </a:ln>
-        </p:spPr>
-      </p:pic>
-    </p:spTree>
-  </p:cSld>
-  <mc:AlternateContent>
-    <mc:Choice Requires="p14">
-      <p:transition spd="slow" p14:dur="2000"/>
-    </mc:Choice>
-    <mc:Fallback>
-      <p:transition spd="slow"/>
-    </mc:Fallback>
-  </mc:AlternateContent>
-</p:sld>
-</file>
-
-<file path=ppt/slides/slide17.xml><?xml version="1.0" encoding="utf-8"?>
-<p:sld xmlns:a="http://schemas.openxmlformats.org/drawingml/2006/main" xmlns:p="http://schemas.openxmlformats.org/presentationml/2006/main" xmlns:r="http://schemas.openxmlformats.org/officeDocument/2006/relationships" xmlns:p14="http://schemas.microsoft.com/office/powerpoint/2010/main" xmlns:p15="http://schemas.microsoft.com/office/powerpoint/2012/main" xmlns:mc="http://schemas.openxmlformats.org/markup-compatibility/2006">
-  <p:cSld>
-    <p:spTree>
-      <p:nvGrpSpPr>
-        <p:cNvPr id="1" name=""/>
-        <p:cNvGrpSpPr/>
-        <p:nvPr/>
-      </p:nvGrpSpPr>
-      <p:grpSpPr>
-        <a:xfrm>
-          <a:off x="0" y="0"/>
-          <a:ext cx="0" cy="0"/>
-          <a:chOff x="0" y="0"/>
-          <a:chExt cx="0" cy="0"/>
-        </a:xfrm>
-      </p:grpSpPr>
-      <p:sp>
-        <p:nvSpPr>
-          <p:cNvPr id="560" name=""/>
-          <p:cNvSpPr/>
-          <p:nvPr/>
-        </p:nvSpPr>
-        <p:spPr>
-          <a:xfrm>
-            <a:off x="504000" y="226080"/>
-            <a:ext cx="9070920" cy="945360"/>
-          </a:xfrm>
-          <a:prstGeom prst="rect">
-            <a:avLst/>
-          </a:prstGeom>
-          <a:noFill/>
-          <a:ln w="0">
-            <a:noFill/>
-          </a:ln>
-        </p:spPr>
-        <p:style>
-          <a:lnRef idx="0"/>
-          <a:fillRef idx="0"/>
-          <a:effectRef idx="0"/>
-          <a:fontRef idx="minor"/>
-        </p:style>
-        <p:txBody>
-          <a:bodyPr lIns="0" rIns="0" tIns="0" bIns="0" anchor="ctr">
-            <a:noAutofit/>
-          </a:bodyPr>
-          <a:p>
-            <a:pPr algn="ctr">
-              <a:lnSpc>
-                <a:spcPct val="100000"/>
-              </a:lnSpc>
-            </a:pPr>
-            <a:r>
-              <a:rPr b="0" lang="en-US" sz="4400" spc="-1" strike="noStrike">
-                <a:solidFill>
-                  <a:srgbClr val="000000"/>
-                </a:solidFill>
-                <a:latin typeface="Arial"/>
-                <a:ea typeface="DejaVu Sans"/>
-              </a:rPr>
-              <a:t>GUI</a:t>
-            </a:r>
-            <a:endParaRPr b="0" lang="en-US" sz="4400" spc="-1" strike="noStrike">
-              <a:latin typeface="Arial"/>
-            </a:endParaRPr>
-          </a:p>
-        </p:txBody>
-      </p:sp>
-      <p:sp>
-        <p:nvSpPr>
-          <p:cNvPr id="561" name=""/>
-          <p:cNvSpPr/>
-          <p:nvPr/>
-        </p:nvSpPr>
-        <p:spPr>
-          <a:xfrm>
-            <a:off x="2743200" y="5055120"/>
-            <a:ext cx="5028120" cy="430200"/>
-          </a:xfrm>
-          <a:prstGeom prst="rect">
-            <a:avLst/>
-          </a:prstGeom>
-          <a:noFill/>
-          <a:ln w="0">
-            <a:noFill/>
-          </a:ln>
-        </p:spPr>
-        <p:style>
-          <a:lnRef idx="0"/>
-          <a:fillRef idx="0"/>
-          <a:effectRef idx="0"/>
-          <a:fontRef idx="minor"/>
-        </p:style>
-        <p:txBody>
-          <a:bodyPr lIns="90000" rIns="90000" tIns="45000" bIns="45000">
-            <a:noAutofit/>
-          </a:bodyPr>
-          <a:p>
-            <a:pPr>
-              <a:lnSpc>
-                <a:spcPct val="100000"/>
-              </a:lnSpc>
-            </a:pPr>
-            <a:r>
-              <a:rPr b="0" lang="en-US" sz="1200" spc="-1" strike="noStrike">
-                <a:solidFill>
-                  <a:srgbClr val="000000"/>
-                </a:solidFill>
-                <a:latin typeface="Arial"/>
-                <a:ea typeface="DejaVu Sans"/>
-              </a:rPr>
-              <a:t>(The pictures is taken from the application developing process, not presented for the final product)</a:t>
-            </a:r>
-            <a:endParaRPr b="0" lang="en-US" sz="1200" spc="-1" strike="noStrike">
-              <a:latin typeface="Arial"/>
-            </a:endParaRPr>
-          </a:p>
-        </p:txBody>
-      </p:sp>
-      <p:pic>
-        <p:nvPicPr>
-          <p:cNvPr id="562" name="" descr=""/>
-          <p:cNvPicPr/>
-          <p:nvPr/>
-        </p:nvPicPr>
-        <p:blipFill>
-          <a:blip r:embed="rId1"/>
-          <a:stretch/>
-        </p:blipFill>
-        <p:spPr>
-          <a:xfrm>
-            <a:off x="1723320" y="1134720"/>
-            <a:ext cx="7063560" cy="3863880"/>
-          </a:xfrm>
-          <a:prstGeom prst="rect">
-            <a:avLst/>
-          </a:prstGeom>
-          <a:ln w="0">
-            <a:noFill/>
-          </a:ln>
-        </p:spPr>
-      </p:pic>
-    </p:spTree>
-  </p:cSld>
-  <mc:AlternateContent>
-    <mc:Choice Requires="p14">
-      <p:transition spd="slow" p14:dur="2000"/>
-    </mc:Choice>
-    <mc:Fallback>
-      <p:transition spd="slow"/>
-    </mc:Fallback>
-  </mc:AlternateContent>
-</p:sld>
-</file>
-
-<file path=ppt/slides/slide18.xml><?xml version="1.0" encoding="utf-8"?>
-<p:sld xmlns:a="http://schemas.openxmlformats.org/drawingml/2006/main" xmlns:p="http://schemas.openxmlformats.org/presentationml/2006/main" xmlns:r="http://schemas.openxmlformats.org/officeDocument/2006/relationships" xmlns:p14="http://schemas.microsoft.com/office/powerpoint/2010/main" xmlns:p15="http://schemas.microsoft.com/office/powerpoint/2012/main" xmlns:mc="http://schemas.openxmlformats.org/markup-compatibility/2006">
-  <p:cSld>
-    <p:spTree>
-      <p:nvGrpSpPr>
-        <p:cNvPr id="1" name=""/>
-        <p:cNvGrpSpPr/>
-        <p:nvPr/>
-      </p:nvGrpSpPr>
-      <p:grpSpPr>
-        <a:xfrm>
-          <a:off x="0" y="0"/>
-          <a:ext cx="0" cy="0"/>
-          <a:chOff x="0" y="0"/>
-          <a:chExt cx="0" cy="0"/>
-        </a:xfrm>
-      </p:grpSpPr>
-      <p:sp>
-        <p:nvSpPr>
-          <p:cNvPr id="563" name=""/>
-          <p:cNvSpPr/>
-          <p:nvPr/>
-        </p:nvSpPr>
-        <p:spPr>
-          <a:xfrm>
-            <a:off x="720000" y="360000"/>
-            <a:ext cx="8636760" cy="896760"/>
-          </a:xfrm>
-          <a:prstGeom prst="rect">
-            <a:avLst/>
-          </a:prstGeom>
-          <a:noFill/>
-          <a:ln w="0">
-            <a:noFill/>
-          </a:ln>
-        </p:spPr>
-        <p:style>
-          <a:lnRef idx="0"/>
-          <a:fillRef idx="0"/>
-          <a:effectRef idx="0"/>
-          <a:fontRef idx="minor"/>
-        </p:style>
-        <p:txBody>
-          <a:bodyPr lIns="0" rIns="0" tIns="0" bIns="0" anchor="ctr">
-            <a:noAutofit/>
-          </a:bodyPr>
-          <a:p>
-            <a:pPr algn="ctr">
-              <a:lnSpc>
-                <a:spcPct val="100000"/>
-              </a:lnSpc>
-            </a:pPr>
-            <a:r>
-              <a:rPr b="0" lang="en-US" sz="3200" spc="-1" strike="noStrike">
-                <a:solidFill>
-                  <a:srgbClr val="000000"/>
-                </a:solidFill>
-                <a:latin typeface="Arial"/>
-                <a:ea typeface="DejaVu Sans"/>
-              </a:rPr>
-              <a:t>Functions implemented so far</a:t>
-            </a:r>
-            <a:endParaRPr b="0" lang="en-US" sz="3200" spc="-1" strike="noStrike">
-              <a:latin typeface="Arial"/>
-            </a:endParaRPr>
-          </a:p>
-        </p:txBody>
-      </p:sp>
-      <p:sp>
-        <p:nvSpPr>
-          <p:cNvPr id="564" name=""/>
-          <p:cNvSpPr/>
-          <p:nvPr/>
-        </p:nvSpPr>
-        <p:spPr>
-          <a:xfrm>
-            <a:off x="720000" y="1430280"/>
-            <a:ext cx="8421840" cy="3596760"/>
-          </a:xfrm>
-          <a:prstGeom prst="rect">
-            <a:avLst/>
-          </a:prstGeom>
-          <a:noFill/>
-          <a:ln w="0">
-            <a:noFill/>
-          </a:ln>
-        </p:spPr>
-        <p:style>
-          <a:lnRef idx="0"/>
-          <a:fillRef idx="0"/>
-          <a:effectRef idx="0"/>
-          <a:fontRef idx="minor"/>
-        </p:style>
-        <p:txBody>
-          <a:bodyPr lIns="0" rIns="0" tIns="0" bIns="0">
-            <a:normAutofit/>
-          </a:bodyPr>
-          <a:p>
-            <a:pPr marL="432000" indent="-321840">
-              <a:lnSpc>
-                <a:spcPct val="100000"/>
-              </a:lnSpc>
-              <a:spcBef>
-                <a:spcPts val="1417"/>
-              </a:spcBef>
-              <a:buClr>
-                <a:srgbClr val="000000"/>
-              </a:buClr>
-              <a:buSzPct val="45000"/>
-              <a:buFont typeface="Wingdings" charset="2"/>
-              <a:buChar char=""/>
-            </a:pPr>
-            <a:r>
-              <a:rPr b="0" lang="en-US" sz="1800" spc="-1" strike="noStrike">
-                <a:solidFill>
-                  <a:srgbClr val="000000"/>
-                </a:solidFill>
-                <a:latin typeface="Arial"/>
-                <a:ea typeface="DejaVu Sans"/>
-              </a:rPr>
-              <a:t>Log in with a valid username</a:t>
-            </a:r>
-            <a:endParaRPr b="0" lang="en-US" sz="1800" spc="-1" strike="noStrike">
-              <a:latin typeface="Arial"/>
-            </a:endParaRPr>
-          </a:p>
-          <a:p>
-            <a:pPr marL="432000" indent="-321840">
-              <a:lnSpc>
-                <a:spcPct val="100000"/>
-              </a:lnSpc>
-              <a:spcBef>
-                <a:spcPts val="1417"/>
-              </a:spcBef>
-              <a:buClr>
-                <a:srgbClr val="000000"/>
-              </a:buClr>
-              <a:buSzPct val="45000"/>
-              <a:buFont typeface="Wingdings" charset="2"/>
-              <a:buChar char=""/>
-            </a:pPr>
-            <a:r>
-              <a:rPr b="0" lang="en-US" sz="1800" spc="-1" strike="noStrike">
-                <a:solidFill>
-                  <a:srgbClr val="000000"/>
-                </a:solidFill>
-                <a:latin typeface="Arial"/>
-                <a:ea typeface="DejaVu Sans"/>
-              </a:rPr>
-              <a:t>Show / update the list of current online players</a:t>
-            </a:r>
-            <a:endParaRPr b="0" lang="en-US" sz="1800" spc="-1" strike="noStrike">
-              <a:latin typeface="Arial"/>
-            </a:endParaRPr>
-          </a:p>
-          <a:p>
-            <a:pPr marL="432000" indent="-321840">
-              <a:lnSpc>
-                <a:spcPct val="100000"/>
-              </a:lnSpc>
-              <a:spcBef>
-                <a:spcPts val="1417"/>
-              </a:spcBef>
-              <a:buClr>
-                <a:srgbClr val="000000"/>
-              </a:buClr>
-              <a:buSzPct val="45000"/>
-              <a:buFont typeface="Wingdings" charset="2"/>
-              <a:buChar char=""/>
-            </a:pPr>
-            <a:r>
-              <a:rPr b="0" lang="en-US" sz="1800" spc="-1" strike="noStrike">
-                <a:solidFill>
-                  <a:srgbClr val="000000"/>
-                </a:solidFill>
-                <a:latin typeface="Arial"/>
-                <a:ea typeface="DejaVu Sans"/>
-              </a:rPr>
-              <a:t>Match 2 random players together</a:t>
-            </a:r>
-            <a:endParaRPr b="0" lang="en-US" sz="1800" spc="-1" strike="noStrike">
-              <a:latin typeface="Arial"/>
-            </a:endParaRPr>
-          </a:p>
-          <a:p>
-            <a:pPr marL="432000" indent="-321840">
-              <a:lnSpc>
-                <a:spcPct val="100000"/>
-              </a:lnSpc>
-              <a:spcBef>
-                <a:spcPts val="1417"/>
-              </a:spcBef>
-              <a:buClr>
-                <a:srgbClr val="000000"/>
-              </a:buClr>
-              <a:buSzPct val="45000"/>
-              <a:buFont typeface="Wingdings" charset="2"/>
-              <a:buChar char=""/>
-            </a:pPr>
-            <a:r>
-              <a:rPr b="0" lang="en-US" sz="1800" spc="-1" strike="noStrike">
-                <a:solidFill>
-                  <a:srgbClr val="000000"/>
-                </a:solidFill>
-                <a:latin typeface="Arial"/>
-                <a:ea typeface="DejaVu Sans"/>
-              </a:rPr>
-              <a:t>Gameplay (including set up phase and battle phase) implemented, but in offline mode</a:t>
-            </a:r>
-            <a:endParaRPr b="0" lang="en-US" sz="1800" spc="-1" strike="noStrike">
-              <a:latin typeface="Arial"/>
-            </a:endParaRPr>
-          </a:p>
-        </p:txBody>
-      </p:sp>
-    </p:spTree>
-  </p:cSld>
-  <mc:AlternateContent>
-    <mc:Choice Requires="p14">
-      <p:transition spd="slow" p14:dur="2000"/>
-    </mc:Choice>
-    <mc:Fallback>
-      <p:transition spd="slow"/>
-    </mc:Fallback>
-  </mc:AlternateContent>
-</p:sld>
-</file>
-
-<file path=ppt/slides/slide19.xml><?xml version="1.0" encoding="utf-8"?>
-<p:sld xmlns:a="http://schemas.openxmlformats.org/drawingml/2006/main" xmlns:p="http://schemas.openxmlformats.org/presentationml/2006/main" xmlns:r="http://schemas.openxmlformats.org/officeDocument/2006/relationships" xmlns:p14="http://schemas.microsoft.com/office/powerpoint/2010/main" xmlns:p15="http://schemas.microsoft.com/office/powerpoint/2012/main" xmlns:mc="http://schemas.openxmlformats.org/markup-compatibility/2006">
-  <p:cSld>
-    <p:spTree>
-      <p:nvGrpSpPr>
-        <p:cNvPr id="1" name=""/>
-        <p:cNvGrpSpPr/>
-        <p:nvPr/>
-      </p:nvGrpSpPr>
-      <p:grpSpPr>
-        <a:xfrm>
-          <a:off x="0" y="0"/>
-          <a:ext cx="0" cy="0"/>
-          <a:chOff x="0" y="0"/>
-          <a:chExt cx="0" cy="0"/>
-        </a:xfrm>
-      </p:grpSpPr>
-      <p:sp>
-        <p:nvSpPr>
-          <p:cNvPr id="565" name=""/>
-          <p:cNvSpPr/>
-          <p:nvPr/>
-        </p:nvSpPr>
-        <p:spPr>
-          <a:xfrm>
-            <a:off x="720000" y="360000"/>
-            <a:ext cx="8636760" cy="896760"/>
-          </a:xfrm>
-          <a:prstGeom prst="rect">
-            <a:avLst/>
-          </a:prstGeom>
-          <a:noFill/>
-          <a:ln w="0">
-            <a:noFill/>
-          </a:ln>
-        </p:spPr>
-        <p:style>
-          <a:lnRef idx="0"/>
-          <a:fillRef idx="0"/>
-          <a:effectRef idx="0"/>
-          <a:fontRef idx="minor"/>
-        </p:style>
-        <p:txBody>
-          <a:bodyPr lIns="0" rIns="0" tIns="0" bIns="0" anchor="ctr">
-            <a:noAutofit/>
-          </a:bodyPr>
-          <a:p>
-            <a:pPr algn="ctr">
-              <a:lnSpc>
-                <a:spcPct val="100000"/>
-              </a:lnSpc>
-            </a:pPr>
-            <a:r>
-              <a:rPr b="0" lang="en-US" sz="3200" spc="-1" strike="noStrike">
-                <a:solidFill>
-                  <a:srgbClr val="000000"/>
-                </a:solidFill>
-                <a:latin typeface="Arial"/>
-                <a:ea typeface="DejaVu Sans"/>
-              </a:rPr>
-              <a:t>Remaining work</a:t>
-            </a:r>
-            <a:endParaRPr b="0" lang="en-US" sz="3200" spc="-1" strike="noStrike">
-              <a:latin typeface="Arial"/>
-            </a:endParaRPr>
-          </a:p>
-        </p:txBody>
-      </p:sp>
-      <p:sp>
-        <p:nvSpPr>
-          <p:cNvPr id="566" name=""/>
-          <p:cNvSpPr/>
-          <p:nvPr/>
-        </p:nvSpPr>
-        <p:spPr>
-          <a:xfrm>
-            <a:off x="720000" y="1430280"/>
-            <a:ext cx="8421840" cy="3596760"/>
-          </a:xfrm>
-          <a:prstGeom prst="rect">
-            <a:avLst/>
-          </a:prstGeom>
-          <a:noFill/>
-          <a:ln w="0">
-            <a:noFill/>
-          </a:ln>
-        </p:spPr>
-        <p:style>
-          <a:lnRef idx="0"/>
-          <a:fillRef idx="0"/>
-          <a:effectRef idx="0"/>
-          <a:fontRef idx="minor"/>
-        </p:style>
-        <p:txBody>
-          <a:bodyPr lIns="0" rIns="0" tIns="0" bIns="0">
-            <a:normAutofit/>
-          </a:bodyPr>
-          <a:p>
-            <a:pPr marL="432000" indent="-321840">
-              <a:lnSpc>
-                <a:spcPct val="100000"/>
-              </a:lnSpc>
-              <a:spcBef>
-                <a:spcPts val="1417"/>
-              </a:spcBef>
-              <a:buClr>
-                <a:srgbClr val="000000"/>
-              </a:buClr>
-              <a:buSzPct val="45000"/>
-              <a:buFont typeface="Wingdings" charset="2"/>
-              <a:buChar char=""/>
-            </a:pPr>
-            <a:r>
-              <a:rPr b="0" lang="en-US" sz="1800" spc="-1" strike="noStrike">
-                <a:solidFill>
-                  <a:srgbClr val="000000"/>
-                </a:solidFill>
-                <a:latin typeface="Arial"/>
-                <a:ea typeface="DejaVu Sans"/>
-              </a:rPr>
-              <a:t>Enable users to directly challenge each others</a:t>
-            </a:r>
-            <a:endParaRPr b="0" lang="en-US" sz="1800" spc="-1" strike="noStrike">
-              <a:latin typeface="Arial"/>
-            </a:endParaRPr>
-          </a:p>
-          <a:p>
-            <a:pPr marL="432000" indent="-321840">
-              <a:lnSpc>
-                <a:spcPct val="100000"/>
-              </a:lnSpc>
-              <a:spcBef>
-                <a:spcPts val="1417"/>
-              </a:spcBef>
-              <a:buClr>
-                <a:srgbClr val="000000"/>
-              </a:buClr>
-              <a:buSzPct val="45000"/>
-              <a:buFont typeface="Wingdings" charset="2"/>
-              <a:buChar char=""/>
-            </a:pPr>
-            <a:r>
-              <a:rPr b="0" lang="en-US" sz="1800" spc="-1" strike="noStrike">
-                <a:solidFill>
-                  <a:srgbClr val="000000"/>
-                </a:solidFill>
-                <a:latin typeface="Arial"/>
-                <a:ea typeface="DejaVu Sans"/>
-              </a:rPr>
-              <a:t>Play the game online</a:t>
-            </a:r>
-            <a:endParaRPr b="0" lang="en-US" sz="1800" spc="-1" strike="noStrike">
-              <a:latin typeface="Arial"/>
-            </a:endParaRPr>
-          </a:p>
-          <a:p>
-            <a:pPr marL="432000" indent="-321840">
-              <a:lnSpc>
-                <a:spcPct val="100000"/>
-              </a:lnSpc>
-              <a:spcBef>
-                <a:spcPts val="1417"/>
-              </a:spcBef>
-              <a:buClr>
-                <a:srgbClr val="000000"/>
-              </a:buClr>
-              <a:buSzPct val="45000"/>
-              <a:buFont typeface="Wingdings" charset="2"/>
-              <a:buChar char=""/>
-            </a:pPr>
-            <a:r>
-              <a:rPr b="0" lang="en-US" sz="1800" spc="-1" strike="noStrike">
-                <a:solidFill>
-                  <a:srgbClr val="000000"/>
-                </a:solidFill>
-                <a:latin typeface="Arial"/>
-                <a:ea typeface="DejaVu Sans"/>
-              </a:rPr>
-              <a:t>Handle as many potential errors as possible</a:t>
-            </a:r>
-            <a:endParaRPr b="0" lang="en-US" sz="1800" spc="-1" strike="noStrike">
-              <a:latin typeface="Arial"/>
-            </a:endParaRPr>
-          </a:p>
-          <a:p>
-            <a:pPr marL="432000" indent="-321840">
-              <a:lnSpc>
-                <a:spcPct val="100000"/>
-              </a:lnSpc>
-              <a:spcBef>
-                <a:spcPts val="1417"/>
-              </a:spcBef>
-              <a:buClr>
-                <a:srgbClr val="000000"/>
-              </a:buClr>
-              <a:buSzPct val="45000"/>
-              <a:buFont typeface="Wingdings" charset="2"/>
-              <a:buChar char=""/>
-            </a:pPr>
-            <a:r>
-              <a:rPr b="0" lang="en-US" sz="1800" spc="-1" strike="noStrike">
-                <a:solidFill>
-                  <a:srgbClr val="000000"/>
-                </a:solidFill>
-                <a:latin typeface="Arial"/>
-                <a:ea typeface="DejaVu Sans"/>
-              </a:rPr>
-              <a:t>(Optional) Advanced Game mode</a:t>
-            </a:r>
-            <a:endParaRPr b="0" lang="en-US" sz="1800" spc="-1" strike="noStrike">
+            <a:endParaRPr b="0" lang="en-US" sz="5400" spc="-1" strike="noStrike">
               <a:latin typeface="Arial"/>
             </a:endParaRPr>
           </a:p>
@@ -24997,14 +22336,14 @@
       </p:grpSpPr>
       <p:sp>
         <p:nvSpPr>
-          <p:cNvPr id="507" name=""/>
+          <p:cNvPr id="465" name=""/>
           <p:cNvSpPr/>
           <p:nvPr/>
         </p:nvSpPr>
         <p:spPr>
           <a:xfrm>
             <a:off x="720000" y="360000"/>
-            <a:ext cx="8636760" cy="896760"/>
+            <a:ext cx="8636400" cy="896400"/>
           </a:xfrm>
           <a:prstGeom prst="rect">
             <a:avLst/>
@@ -25048,14 +22387,14 @@
       </p:sp>
       <p:sp>
         <p:nvSpPr>
-          <p:cNvPr id="508" name=""/>
+          <p:cNvPr id="466" name=""/>
           <p:cNvSpPr/>
           <p:nvPr/>
         </p:nvSpPr>
         <p:spPr>
           <a:xfrm>
             <a:off x="720000" y="1440000"/>
-            <a:ext cx="4212720" cy="3596760"/>
+            <a:ext cx="4212360" cy="3596400"/>
           </a:xfrm>
           <a:prstGeom prst="rect">
             <a:avLst/>
@@ -25074,7 +22413,7 @@
       </p:sp>
       <p:pic>
         <p:nvPicPr>
-          <p:cNvPr id="509" name="" descr=""/>
+          <p:cNvPr id="467" name="" descr=""/>
           <p:cNvPicPr/>
           <p:nvPr/>
         </p:nvPicPr>
@@ -25085,7 +22424,7 @@
         <p:spPr>
           <a:xfrm>
             <a:off x="5146920" y="1751040"/>
-            <a:ext cx="4212720" cy="2974680"/>
+            <a:ext cx="4212360" cy="2974320"/>
           </a:xfrm>
           <a:prstGeom prst="rect">
             <a:avLst/>
@@ -25097,14 +22436,14 @@
       </p:pic>
       <p:sp>
         <p:nvSpPr>
-          <p:cNvPr id="510" name=""/>
+          <p:cNvPr id="468" name=""/>
           <p:cNvSpPr/>
           <p:nvPr/>
         </p:nvSpPr>
         <p:spPr>
           <a:xfrm>
             <a:off x="720000" y="1600200"/>
-            <a:ext cx="4077720" cy="2903040"/>
+            <a:ext cx="4077360" cy="2902680"/>
           </a:xfrm>
           <a:prstGeom prst="rect">
             <a:avLst/>
@@ -25248,14 +22587,14 @@
       </p:sp>
       <p:sp>
         <p:nvSpPr>
-          <p:cNvPr id="511" name=""/>
+          <p:cNvPr id="469" name=""/>
           <p:cNvSpPr/>
           <p:nvPr/>
         </p:nvSpPr>
         <p:spPr>
           <a:xfrm>
             <a:off x="5257800" y="5029560"/>
-            <a:ext cx="3656160" cy="430200"/>
+            <a:ext cx="3655800" cy="429840"/>
           </a:xfrm>
           <a:prstGeom prst="rect">
             <a:avLst/>
@@ -25292,87 +22631,6 @@
               <a:t>(The image is for illustration, not presented for the final product)</a:t>
             </a:r>
             <a:endParaRPr b="0" lang="en-US" sz="1200" spc="-1" strike="noStrike">
-              <a:latin typeface="Arial"/>
-            </a:endParaRPr>
-          </a:p>
-        </p:txBody>
-      </p:sp>
-    </p:spTree>
-  </p:cSld>
-  <mc:AlternateContent>
-    <mc:Choice Requires="p14">
-      <p:transition spd="slow" p14:dur="2000"/>
-    </mc:Choice>
-    <mc:Fallback>
-      <p:transition spd="slow"/>
-    </mc:Fallback>
-  </mc:AlternateContent>
-</p:sld>
-</file>
-
-<file path=ppt/slides/slide20.xml><?xml version="1.0" encoding="utf-8"?>
-<p:sld xmlns:a="http://schemas.openxmlformats.org/drawingml/2006/main" xmlns:p="http://schemas.openxmlformats.org/presentationml/2006/main" xmlns:r="http://schemas.openxmlformats.org/officeDocument/2006/relationships" xmlns:p14="http://schemas.microsoft.com/office/powerpoint/2010/main" xmlns:p15="http://schemas.microsoft.com/office/powerpoint/2012/main" xmlns:mc="http://schemas.openxmlformats.org/markup-compatibility/2006">
-  <p:cSld>
-    <p:spTree>
-      <p:nvGrpSpPr>
-        <p:cNvPr id="1" name=""/>
-        <p:cNvGrpSpPr/>
-        <p:nvPr/>
-      </p:nvGrpSpPr>
-      <p:grpSpPr>
-        <a:xfrm>
-          <a:off x="0" y="0"/>
-          <a:ext cx="0" cy="0"/>
-          <a:chOff x="0" y="0"/>
-          <a:chExt cx="0" cy="0"/>
-        </a:xfrm>
-      </p:grpSpPr>
-      <p:sp>
-        <p:nvSpPr>
-          <p:cNvPr id="567" name=""/>
-          <p:cNvSpPr/>
-          <p:nvPr/>
-        </p:nvSpPr>
-        <p:spPr>
-          <a:xfrm>
-            <a:off x="733320" y="685800"/>
-            <a:ext cx="8636760" cy="4167360"/>
-          </a:xfrm>
-          <a:prstGeom prst="rect">
-            <a:avLst/>
-          </a:prstGeom>
-          <a:noFill/>
-          <a:ln w="0">
-            <a:noFill/>
-          </a:ln>
-        </p:spPr>
-        <p:style>
-          <a:lnRef idx="0"/>
-          <a:fillRef idx="0"/>
-          <a:effectRef idx="0"/>
-          <a:fontRef idx="minor"/>
-        </p:style>
-        <p:txBody>
-          <a:bodyPr lIns="0" rIns="0" tIns="0" bIns="0" anchor="ctr">
-            <a:noAutofit/>
-          </a:bodyPr>
-          <a:p>
-            <a:pPr algn="ctr">
-              <a:lnSpc>
-                <a:spcPct val="100000"/>
-              </a:lnSpc>
-            </a:pPr>
-            <a:r>
-              <a:rPr b="0" lang="en-US" sz="5400" spc="-1" strike="noStrike">
-                <a:solidFill>
-                  <a:srgbClr val="000000"/>
-                </a:solidFill>
-                <a:latin typeface="Arial"/>
-                <a:ea typeface="DejaVu Sans"/>
-              </a:rPr>
-              <a:t>Thanks for listening :3</a:t>
-            </a:r>
-            <a:endParaRPr b="0" lang="en-US" sz="5400" spc="-1" strike="noStrike">
               <a:latin typeface="Arial"/>
             </a:endParaRPr>
           </a:p>
@@ -25410,14 +22668,14 @@
       </p:grpSpPr>
       <p:sp>
         <p:nvSpPr>
-          <p:cNvPr id="512" name=""/>
+          <p:cNvPr id="470" name=""/>
           <p:cNvSpPr/>
           <p:nvPr/>
         </p:nvSpPr>
         <p:spPr>
           <a:xfrm>
             <a:off x="720000" y="360000"/>
-            <a:ext cx="8636760" cy="896760"/>
+            <a:ext cx="8636400" cy="896400"/>
           </a:xfrm>
           <a:prstGeom prst="rect">
             <a:avLst/>
@@ -25461,14 +22719,14 @@
       </p:sp>
       <p:sp>
         <p:nvSpPr>
-          <p:cNvPr id="513" name=""/>
+          <p:cNvPr id="471" name=""/>
           <p:cNvSpPr/>
           <p:nvPr/>
         </p:nvSpPr>
         <p:spPr>
           <a:xfrm>
             <a:off x="720000" y="1440000"/>
-            <a:ext cx="8650080" cy="3596760"/>
+            <a:ext cx="8649720" cy="3596400"/>
           </a:xfrm>
           <a:prstGeom prst="rect">
             <a:avLst/>
@@ -25489,7 +22747,7 @@
             <a:normAutofit fontScale="15000"/>
           </a:bodyPr>
           <a:p>
-            <a:pPr marL="432000" indent="-321480">
+            <a:pPr marL="432000" indent="-321120">
               <a:lnSpc>
                 <a:spcPct val="100000"/>
               </a:lnSpc>
@@ -25518,7 +22776,7 @@
             </a:endParaRPr>
           </a:p>
           <a:p>
-            <a:pPr marL="432000" indent="-321480">
+            <a:pPr marL="432000" indent="-321120">
               <a:lnSpc>
                 <a:spcPct val="100000"/>
               </a:lnSpc>
@@ -25547,7 +22805,7 @@
             </a:endParaRPr>
           </a:p>
           <a:p>
-            <a:pPr marL="432000" indent="-321480">
+            <a:pPr marL="432000" indent="-321120">
               <a:lnSpc>
                 <a:spcPct val="100000"/>
               </a:lnSpc>
@@ -25576,7 +22834,7 @@
             </a:endParaRPr>
           </a:p>
           <a:p>
-            <a:pPr marL="432000" indent="-321480">
+            <a:pPr marL="432000" indent="-321120">
               <a:lnSpc>
                 <a:spcPct val="100000"/>
               </a:lnSpc>
@@ -25628,7 +22886,7 @@
             </a:endParaRPr>
           </a:p>
           <a:p>
-            <a:pPr marL="432000" indent="-321480">
+            <a:pPr marL="432000" indent="-321120">
               <a:lnSpc>
                 <a:spcPct val="100000"/>
               </a:lnSpc>
@@ -25690,14 +22948,14 @@
       </p:grpSpPr>
       <p:sp>
         <p:nvSpPr>
-          <p:cNvPr id="514" name=""/>
+          <p:cNvPr id="472" name=""/>
           <p:cNvSpPr/>
           <p:nvPr/>
         </p:nvSpPr>
         <p:spPr>
           <a:xfrm>
             <a:off x="720000" y="360000"/>
-            <a:ext cx="8636760" cy="896760"/>
+            <a:ext cx="8636400" cy="896400"/>
           </a:xfrm>
           <a:prstGeom prst="rect">
             <a:avLst/>
@@ -25741,14 +22999,14 @@
       </p:sp>
       <p:sp>
         <p:nvSpPr>
-          <p:cNvPr id="515" name=""/>
+          <p:cNvPr id="473" name=""/>
           <p:cNvSpPr/>
           <p:nvPr/>
         </p:nvSpPr>
         <p:spPr>
           <a:xfrm>
             <a:off x="720000" y="1440000"/>
-            <a:ext cx="4212720" cy="3596760"/>
+            <a:ext cx="4212360" cy="3596400"/>
           </a:xfrm>
           <a:prstGeom prst="rect">
             <a:avLst/>
@@ -25767,14 +23025,14 @@
       </p:sp>
       <p:sp>
         <p:nvSpPr>
-          <p:cNvPr id="516" name=""/>
+          <p:cNvPr id="474" name=""/>
           <p:cNvSpPr/>
           <p:nvPr/>
         </p:nvSpPr>
         <p:spPr>
           <a:xfrm>
             <a:off x="720000" y="1600200"/>
-            <a:ext cx="4077720" cy="2903040"/>
+            <a:ext cx="4077360" cy="2902680"/>
           </a:xfrm>
           <a:prstGeom prst="rect">
             <a:avLst/>
@@ -25918,7 +23176,7 @@
       </p:sp>
       <p:pic>
         <p:nvPicPr>
-          <p:cNvPr id="517" name="" descr=""/>
+          <p:cNvPr id="475" name="" descr=""/>
           <p:cNvPicPr/>
           <p:nvPr/>
         </p:nvPicPr>
@@ -25929,7 +23187,7 @@
         <p:spPr>
           <a:xfrm>
             <a:off x="5496120" y="1457640"/>
-            <a:ext cx="3190680" cy="3342960"/>
+            <a:ext cx="3190320" cy="3342600"/>
           </a:xfrm>
           <a:prstGeom prst="rect">
             <a:avLst/>
@@ -25971,14 +23229,14 @@
       </p:grpSpPr>
       <p:sp>
         <p:nvSpPr>
-          <p:cNvPr id="518" name=""/>
+          <p:cNvPr id="476" name=""/>
           <p:cNvSpPr/>
           <p:nvPr/>
         </p:nvSpPr>
         <p:spPr>
           <a:xfrm>
             <a:off x="720000" y="15840"/>
-            <a:ext cx="8636760" cy="896760"/>
+            <a:ext cx="8636400" cy="896400"/>
           </a:xfrm>
           <a:prstGeom prst="rect">
             <a:avLst/>
@@ -26022,7 +23280,7 @@
       </p:sp>
       <p:pic>
         <p:nvPicPr>
-          <p:cNvPr id="519" name="" descr=""/>
+          <p:cNvPr id="477" name="" descr=""/>
           <p:cNvPicPr/>
           <p:nvPr/>
         </p:nvPicPr>
@@ -26033,7 +23291,7 @@
         <p:spPr>
           <a:xfrm>
             <a:off x="2057400" y="1143000"/>
-            <a:ext cx="5760360" cy="3847680"/>
+            <a:ext cx="5760000" cy="3847320"/>
           </a:xfrm>
           <a:prstGeom prst="rect">
             <a:avLst/>
@@ -26075,14 +23333,14 @@
       </p:grpSpPr>
       <p:sp>
         <p:nvSpPr>
-          <p:cNvPr id="520" name=""/>
+          <p:cNvPr id="478" name=""/>
           <p:cNvSpPr/>
           <p:nvPr/>
         </p:nvSpPr>
         <p:spPr>
           <a:xfrm>
             <a:off x="720000" y="15840"/>
-            <a:ext cx="8636760" cy="896760"/>
+            <a:ext cx="8636400" cy="896400"/>
           </a:xfrm>
           <a:prstGeom prst="rect">
             <a:avLst/>
@@ -26126,7 +23384,7 @@
       </p:sp>
       <p:pic>
         <p:nvPicPr>
-          <p:cNvPr id="521" name="" descr=""/>
+          <p:cNvPr id="479" name="" descr=""/>
           <p:cNvPicPr/>
           <p:nvPr/>
         </p:nvPicPr>
@@ -26137,7 +23395,7 @@
         <p:spPr>
           <a:xfrm>
             <a:off x="914400" y="1828800"/>
-            <a:ext cx="8386560" cy="2286000"/>
+            <a:ext cx="8386200" cy="2285640"/>
           </a:xfrm>
           <a:prstGeom prst="rect">
             <a:avLst/>
@@ -26179,14 +23437,14 @@
       </p:grpSpPr>
       <p:sp>
         <p:nvSpPr>
-          <p:cNvPr id="522" name=""/>
+          <p:cNvPr id="480" name=""/>
           <p:cNvSpPr/>
           <p:nvPr/>
         </p:nvSpPr>
         <p:spPr>
           <a:xfrm>
             <a:off x="720000" y="360000"/>
-            <a:ext cx="8636760" cy="896760"/>
+            <a:ext cx="8636400" cy="896400"/>
           </a:xfrm>
           <a:prstGeom prst="rect">
             <a:avLst/>
@@ -26230,14 +23488,14 @@
       </p:sp>
       <p:sp>
         <p:nvSpPr>
-          <p:cNvPr id="523" name=""/>
+          <p:cNvPr id="481" name=""/>
           <p:cNvSpPr/>
           <p:nvPr/>
         </p:nvSpPr>
         <p:spPr>
           <a:xfrm>
             <a:off x="720000" y="1440000"/>
-            <a:ext cx="8193240" cy="3596760"/>
+            <a:ext cx="8192880" cy="3596400"/>
           </a:xfrm>
           <a:prstGeom prst="rect">
             <a:avLst/>
@@ -26258,7 +23516,7 @@
             <a:normAutofit/>
           </a:bodyPr>
           <a:p>
-            <a:pPr marL="432000" indent="-321840">
+            <a:pPr marL="432000" indent="-321480">
               <a:lnSpc>
                 <a:spcPct val="100000"/>
               </a:lnSpc>
@@ -26287,7 +23545,7 @@
             </a:endParaRPr>
           </a:p>
           <a:p>
-            <a:pPr marL="432000" indent="-321840">
+            <a:pPr marL="432000" indent="-321480">
               <a:lnSpc>
                 <a:spcPct val="100000"/>
               </a:lnSpc>
@@ -26316,7 +23574,7 @@
             </a:endParaRPr>
           </a:p>
           <a:p>
-            <a:pPr lvl="2" marL="1296000" indent="-285840">
+            <a:pPr lvl="2" marL="1296000" indent="-285480">
               <a:lnSpc>
                 <a:spcPct val="100000"/>
               </a:lnSpc>
@@ -26368,7 +23626,7 @@
             </a:endParaRPr>
           </a:p>
           <a:p>
-            <a:pPr lvl="2" marL="1296000" indent="-285840">
+            <a:pPr lvl="2" marL="1296000" indent="-285480">
               <a:lnSpc>
                 <a:spcPct val="100000"/>
               </a:lnSpc>
@@ -26440,7 +23698,7 @@
       </p:sp>
       <p:sp>
         <p:nvSpPr>
-          <p:cNvPr id="524" name=""/>
+          <p:cNvPr id="482" name=""/>
           <p:cNvSpPr/>
           <p:nvPr/>
         </p:nvSpPr>
@@ -26468,7 +23726,7 @@
       </p:sp>
       <p:sp>
         <p:nvSpPr>
-          <p:cNvPr id="525" name=""/>
+          <p:cNvPr id="483" name=""/>
           <p:cNvSpPr/>
           <p:nvPr/>
         </p:nvSpPr>
@@ -26496,7 +23754,7 @@
       </p:sp>
       <p:pic>
         <p:nvPicPr>
-          <p:cNvPr id="526" name="" descr=""/>
+          <p:cNvPr id="484" name="" descr=""/>
           <p:cNvPicPr/>
           <p:nvPr/>
         </p:nvPicPr>
@@ -26507,7 +23765,7 @@
         <p:spPr>
           <a:xfrm>
             <a:off x="7101000" y="1440000"/>
-            <a:ext cx="816840" cy="844200"/>
+            <a:ext cx="816480" cy="843840"/>
           </a:xfrm>
           <a:prstGeom prst="rect">
             <a:avLst/>
@@ -26519,7 +23777,7 @@
       </p:pic>
       <p:pic>
         <p:nvPicPr>
-          <p:cNvPr id="527" name="" descr=""/>
+          <p:cNvPr id="485" name="" descr=""/>
           <p:cNvPicPr/>
           <p:nvPr/>
         </p:nvPicPr>
@@ -26530,7 +23788,7 @@
         <p:spPr>
           <a:xfrm>
             <a:off x="6039360" y="2811600"/>
-            <a:ext cx="816840" cy="844200"/>
+            <a:ext cx="816480" cy="843840"/>
           </a:xfrm>
           <a:prstGeom prst="rect">
             <a:avLst/>
@@ -26542,7 +23800,7 @@
       </p:pic>
       <p:pic>
         <p:nvPicPr>
-          <p:cNvPr id="528" name="" descr=""/>
+          <p:cNvPr id="486" name="" descr=""/>
           <p:cNvPicPr/>
           <p:nvPr/>
         </p:nvPicPr>
@@ -26553,7 +23811,7 @@
         <p:spPr>
           <a:xfrm>
             <a:off x="7182360" y="2811600"/>
-            <a:ext cx="816840" cy="844200"/>
+            <a:ext cx="816480" cy="843840"/>
           </a:xfrm>
           <a:prstGeom prst="rect">
             <a:avLst/>
@@ -26565,7 +23823,7 @@
       </p:pic>
       <p:pic>
         <p:nvPicPr>
-          <p:cNvPr id="529" name="" descr=""/>
+          <p:cNvPr id="487" name="" descr=""/>
           <p:cNvPicPr/>
           <p:nvPr/>
         </p:nvPicPr>
@@ -26576,7 +23834,7 @@
         <p:spPr>
           <a:xfrm>
             <a:off x="8325360" y="2811600"/>
-            <a:ext cx="816840" cy="844200"/>
+            <a:ext cx="816480" cy="843840"/>
           </a:xfrm>
           <a:prstGeom prst="rect">
             <a:avLst/>
@@ -26588,7 +23846,7 @@
       </p:pic>
       <p:sp>
         <p:nvSpPr>
-          <p:cNvPr id="530" name=""/>
+          <p:cNvPr id="488" name=""/>
           <p:cNvSpPr/>
           <p:nvPr/>
         </p:nvSpPr>
@@ -26617,7 +23875,7 @@
       </p:sp>
       <p:sp>
         <p:nvSpPr>
-          <p:cNvPr id="531" name=""/>
+          <p:cNvPr id="489" name=""/>
           <p:cNvSpPr/>
           <p:nvPr/>
         </p:nvSpPr>
@@ -26646,7 +23904,7 @@
       </p:sp>
       <p:sp>
         <p:nvSpPr>
-          <p:cNvPr id="532" name=""/>
+          <p:cNvPr id="490" name=""/>
           <p:cNvSpPr/>
           <p:nvPr/>
         </p:nvSpPr>
@@ -26675,14 +23933,14 @@
       </p:sp>
       <p:sp>
         <p:nvSpPr>
-          <p:cNvPr id="533" name=""/>
+          <p:cNvPr id="491" name=""/>
           <p:cNvSpPr/>
           <p:nvPr/>
         </p:nvSpPr>
         <p:spPr>
           <a:xfrm>
             <a:off x="8001000" y="1687320"/>
-            <a:ext cx="1598400" cy="368280"/>
+            <a:ext cx="1598040" cy="367920"/>
           </a:xfrm>
           <a:prstGeom prst="rect">
             <a:avLst/>
@@ -26726,14 +23984,14 @@
       </p:sp>
       <p:sp>
         <p:nvSpPr>
-          <p:cNvPr id="534" name=""/>
+          <p:cNvPr id="492" name=""/>
           <p:cNvSpPr/>
           <p:nvPr/>
         </p:nvSpPr>
         <p:spPr>
           <a:xfrm>
             <a:off x="5715000" y="3744720"/>
-            <a:ext cx="912600" cy="368280"/>
+            <a:ext cx="912240" cy="367920"/>
           </a:xfrm>
           <a:prstGeom prst="rect">
             <a:avLst/>
@@ -26777,14 +24035,14 @@
       </p:sp>
       <p:sp>
         <p:nvSpPr>
-          <p:cNvPr id="535" name=""/>
+          <p:cNvPr id="493" name=""/>
           <p:cNvSpPr/>
           <p:nvPr/>
         </p:nvSpPr>
         <p:spPr>
           <a:xfrm>
             <a:off x="7086600" y="3744720"/>
-            <a:ext cx="912600" cy="368280"/>
+            <a:ext cx="912240" cy="367920"/>
           </a:xfrm>
           <a:prstGeom prst="rect">
             <a:avLst/>
@@ -26828,14 +24086,14 @@
       </p:sp>
       <p:sp>
         <p:nvSpPr>
-          <p:cNvPr id="536" name=""/>
+          <p:cNvPr id="494" name=""/>
           <p:cNvSpPr/>
           <p:nvPr/>
         </p:nvSpPr>
         <p:spPr>
           <a:xfrm>
             <a:off x="8458200" y="3744720"/>
-            <a:ext cx="912600" cy="368280"/>
+            <a:ext cx="912240" cy="367920"/>
           </a:xfrm>
           <a:prstGeom prst="rect">
             <a:avLst/>
@@ -26909,14 +24167,14 @@
       </p:grpSpPr>
       <p:sp>
         <p:nvSpPr>
-          <p:cNvPr id="537" name=""/>
+          <p:cNvPr id="495" name=""/>
           <p:cNvSpPr/>
           <p:nvPr/>
         </p:nvSpPr>
         <p:spPr>
           <a:xfrm>
             <a:off x="720000" y="360000"/>
-            <a:ext cx="8636760" cy="896760"/>
+            <a:ext cx="8636400" cy="896400"/>
           </a:xfrm>
           <a:prstGeom prst="rect">
             <a:avLst/>
@@ -26960,14 +24218,14 @@
       </p:sp>
       <p:sp>
         <p:nvSpPr>
-          <p:cNvPr id="538" name=""/>
+          <p:cNvPr id="496" name=""/>
           <p:cNvSpPr/>
           <p:nvPr/>
         </p:nvSpPr>
         <p:spPr>
           <a:xfrm>
             <a:off x="720000" y="1430280"/>
-            <a:ext cx="8421840" cy="3596760"/>
+            <a:ext cx="8421480" cy="3596400"/>
           </a:xfrm>
           <a:prstGeom prst="rect">
             <a:avLst/>
@@ -26988,7 +24246,7 @@
             <a:normAutofit/>
           </a:bodyPr>
           <a:p>
-            <a:pPr marL="432000" indent="-321840">
+            <a:pPr marL="432000" indent="-321480">
               <a:lnSpc>
                 <a:spcPct val="100000"/>
               </a:lnSpc>
@@ -27017,7 +24275,7 @@
             </a:endParaRPr>
           </a:p>
           <a:p>
-            <a:pPr marL="432000" indent="-321840">
+            <a:pPr marL="432000" indent="-321480">
               <a:lnSpc>
                 <a:spcPct val="100000"/>
               </a:lnSpc>
@@ -27066,7 +24324,7 @@
             </a:endParaRPr>
           </a:p>
           <a:p>
-            <a:pPr marL="432000" indent="-321840">
+            <a:pPr marL="432000" indent="-321480">
               <a:lnSpc>
                 <a:spcPct val="100000"/>
               </a:lnSpc>
@@ -27095,7 +24353,7 @@
             </a:endParaRPr>
           </a:p>
           <a:p>
-            <a:pPr marL="432000" indent="-321840">
+            <a:pPr marL="432000" indent="-321480">
               <a:lnSpc>
                 <a:spcPct val="100000"/>
               </a:lnSpc>
@@ -27187,14 +24445,14 @@
       </p:grpSpPr>
       <p:sp>
         <p:nvSpPr>
-          <p:cNvPr id="539" name=""/>
+          <p:cNvPr id="497" name=""/>
           <p:cNvSpPr/>
           <p:nvPr/>
         </p:nvSpPr>
         <p:spPr>
           <a:xfrm>
             <a:off x="720000" y="360000"/>
-            <a:ext cx="8636760" cy="896760"/>
+            <a:ext cx="8636400" cy="896400"/>
           </a:xfrm>
           <a:prstGeom prst="rect">
             <a:avLst/>
@@ -27238,14 +24496,14 @@
       </p:sp>
       <p:sp>
         <p:nvSpPr>
-          <p:cNvPr id="540" name=""/>
+          <p:cNvPr id="498" name=""/>
           <p:cNvSpPr/>
           <p:nvPr/>
         </p:nvSpPr>
         <p:spPr>
           <a:xfrm>
             <a:off x="720000" y="1440000"/>
-            <a:ext cx="8421840" cy="3596760"/>
+            <a:ext cx="8421480" cy="3596400"/>
           </a:xfrm>
           <a:prstGeom prst="rect">
             <a:avLst/>
@@ -27266,7 +24524,7 @@
             <a:normAutofit/>
           </a:bodyPr>
           <a:p>
-            <a:pPr marL="432000" indent="-321840">
+            <a:pPr marL="432000" indent="-321480">
               <a:lnSpc>
                 <a:spcPct val="100000"/>
               </a:lnSpc>
@@ -27295,7 +24553,7 @@
             </a:endParaRPr>
           </a:p>
           <a:p>
-            <a:pPr marL="432000" indent="-321840">
+            <a:pPr marL="432000" indent="-321480">
               <a:lnSpc>
                 <a:spcPct val="100000"/>
               </a:lnSpc>
@@ -27324,7 +24582,7 @@
             </a:endParaRPr>
           </a:p>
           <a:p>
-            <a:pPr marL="432000" indent="-321840">
+            <a:pPr marL="432000" indent="-321480">
               <a:lnSpc>
                 <a:spcPct val="100000"/>
               </a:lnSpc>
@@ -27366,14 +24624,14 @@
                 <a:latin typeface="Arial"/>
                 <a:ea typeface="DejaVu Sans"/>
               </a:rPr>
-              <a:t>userlist: [username1]#[tag]/[state],[username2]#[tag]/[state],</a:t>
+              <a:t>userlist: [username1]#[tag]/[state],[username2]#[tag]/[state], </a:t>
             </a:r>
             <a:endParaRPr b="0" lang="en-US" sz="1800" spc="-1" strike="noStrike">
               <a:latin typeface="Arial"/>
             </a:endParaRPr>
           </a:p>
           <a:p>
-            <a:pPr marL="432000" indent="-321840">
+            <a:pPr marL="432000" indent="-321480">
               <a:lnSpc>
                 <a:spcPct val="100000"/>
               </a:lnSpc>
@@ -27422,7 +24680,7 @@
             </a:endParaRPr>
           </a:p>
           <a:p>
-            <a:pPr marL="432000" indent="-321840">
+            <a:pPr marL="432000" indent="-321480">
               <a:lnSpc>
                 <a:spcPct val="100000"/>
               </a:lnSpc>
@@ -27461,19 +24719,13 @@
             </a:endParaRPr>
           </a:p>
           <a:p>
-            <a:pPr marL="432000" indent="-321840">
+            <a:pPr>
               <a:lnSpc>
                 <a:spcPct val="100000"/>
               </a:lnSpc>
               <a:spcBef>
                 <a:spcPts val="1417"/>
               </a:spcBef>
-              <a:buClr>
-                <a:srgbClr val="000000"/>
-              </a:buClr>
-              <a:buSzPct val="45000"/>
-              <a:buFont typeface="Wingdings" charset="2"/>
-              <a:buChar char=""/>
             </a:pPr>
             <a:endParaRPr b="0" lang="en-US" sz="1800" spc="-1" strike="noStrike">
               <a:latin typeface="Arial"/>
@@ -27947,232 +25199,6 @@
 </file>
 
 <file path=ppt/theme/theme11.xml><?xml version="1.0" encoding="utf-8"?>
-<a:theme xmlns:a="http://schemas.openxmlformats.org/drawingml/2006/main" name="Office Theme">
-  <a:themeElements>
-    <a:clrScheme name="Office">
-      <a:dk1>
-        <a:sysClr val="windowText" lastClr="000000"/>
-      </a:dk1>
-      <a:lt1>
-        <a:sysClr val="window" lastClr="FFFFFF"/>
-      </a:lt1>
-      <a:dk2>
-        <a:srgbClr val="1f497d"/>
-      </a:dk2>
-      <a:lt2>
-        <a:srgbClr val="eeece1"/>
-      </a:lt2>
-      <a:accent1>
-        <a:srgbClr val="4f81bd"/>
-      </a:accent1>
-      <a:accent2>
-        <a:srgbClr val="c0504d"/>
-      </a:accent2>
-      <a:accent3>
-        <a:srgbClr val="9bbb59"/>
-      </a:accent3>
-      <a:accent4>
-        <a:srgbClr val="8064a2"/>
-      </a:accent4>
-      <a:accent5>
-        <a:srgbClr val="4bacc6"/>
-      </a:accent5>
-      <a:accent6>
-        <a:srgbClr val="f79646"/>
-      </a:accent6>
-      <a:hlink>
-        <a:srgbClr val="0000ff"/>
-      </a:hlink>
-      <a:folHlink>
-        <a:srgbClr val="800080"/>
-      </a:folHlink>
-    </a:clrScheme>
-    <a:fontScheme name="Office">
-      <a:majorFont>
-        <a:latin typeface="Arial"/>
-        <a:ea typeface="DejaVu Sans"/>
-        <a:cs typeface="DejaVu Sans"/>
-      </a:majorFont>
-      <a:minorFont>
-        <a:latin typeface="Arial"/>
-        <a:ea typeface="DejaVu Sans"/>
-        <a:cs typeface="DejaVu Sans"/>
-      </a:minorFont>
-    </a:fontScheme>
-    <a:fmtScheme name="Office">
-      <a:fillStyleLst>
-        <a:solidFill>
-          <a:schemeClr val="phClr"/>
-        </a:solidFill>
-        <a:gradFill rotWithShape="1">
-          <a:gsLst>
-            <a:gs pos="0">
-              <a:schemeClr val="phClr">
-                <a:tint val="50000"/>
-                <a:satMod val="300000"/>
-              </a:schemeClr>
-            </a:gs>
-            <a:gs pos="35000">
-              <a:schemeClr val="phClr">
-                <a:tint val="37000"/>
-                <a:satMod val="300000"/>
-              </a:schemeClr>
-            </a:gs>
-            <a:gs pos="100000">
-              <a:schemeClr val="phClr">
-                <a:tint val="15000"/>
-                <a:satMod val="350000"/>
-              </a:schemeClr>
-            </a:gs>
-          </a:gsLst>
-          <a:lin ang="16200000" scaled="1"/>
-        </a:gradFill>
-        <a:gradFill rotWithShape="1">
-          <a:gsLst>
-            <a:gs pos="0">
-              <a:schemeClr val="phClr">
-                <a:shade val="51000"/>
-                <a:satMod val="130000"/>
-              </a:schemeClr>
-            </a:gs>
-            <a:gs pos="80000">
-              <a:schemeClr val="phClr">
-                <a:shade val="93000"/>
-                <a:satMod val="130000"/>
-              </a:schemeClr>
-            </a:gs>
-            <a:gs pos="100000">
-              <a:schemeClr val="phClr">
-                <a:shade val="94000"/>
-                <a:satMod val="135000"/>
-              </a:schemeClr>
-            </a:gs>
-          </a:gsLst>
-          <a:lin ang="16200000" scaled="0"/>
-        </a:gradFill>
-      </a:fillStyleLst>
-      <a:lnStyleLst>
-        <a:ln w="9525" cap="flat" cmpd="sng" algn="ctr">
-          <a:solidFill>
-            <a:schemeClr val="phClr">
-              <a:shade val="95000"/>
-              <a:satMod val="105000"/>
-            </a:schemeClr>
-          </a:solidFill>
-          <a:prstDash val="solid"/>
-          <a:miter/>
-        </a:ln>
-        <a:ln w="25400" cap="flat" cmpd="sng" algn="ctr">
-          <a:solidFill>
-            <a:schemeClr val="phClr"/>
-          </a:solidFill>
-          <a:prstDash val="solid"/>
-          <a:miter/>
-        </a:ln>
-        <a:ln w="38100" cap="flat" cmpd="sng" algn="ctr">
-          <a:solidFill>
-            <a:schemeClr val="phClr"/>
-          </a:solidFill>
-          <a:prstDash val="solid"/>
-          <a:miter/>
-        </a:ln>
-      </a:lnStyleLst>
-      <a:effectStyleLst>
-        <a:effectStyle>
-          <a:effectLst>
-            <a:outerShdw blurRad="40000" dist="20000" dir="5400000" rotWithShape="0">
-              <a:srgbClr val="000000">
-                <a:alpha val="38000"/>
-              </a:srgbClr>
-            </a:outerShdw>
-          </a:effectLst>
-        </a:effectStyle>
-        <a:effectStyle>
-          <a:effectLst>
-            <a:outerShdw blurRad="40000" dist="23000" dir="5400000" rotWithShape="0">
-              <a:srgbClr val="000000">
-                <a:alpha val="35000"/>
-              </a:srgbClr>
-            </a:outerShdw>
-          </a:effectLst>
-        </a:effectStyle>
-        <a:effectStyle>
-          <a:effectLst>
-            <a:outerShdw blurRad="40000" dist="23000" dir="5400000" rotWithShape="0">
-              <a:srgbClr val="000000">
-                <a:alpha val="35000"/>
-              </a:srgbClr>
-            </a:outerShdw>
-          </a:effectLst>
-          <a:scene3d>
-            <a:camera prst="orthographicFront">
-              <a:rot lat="0" lon="0" rev="0"/>
-            </a:camera>
-            <a:lightRig rig="threePt" dir="t">
-              <a:rot lat="0" lon="0" rev="1200000"/>
-            </a:lightRig>
-          </a:scene3d>
-          <a:sp3d>
-            <a:bevelT w="63500" h="25400"/>
-          </a:sp3d>
-        </a:effectStyle>
-      </a:effectStyleLst>
-      <a:bgFillStyleLst>
-        <a:solidFill>
-          <a:schemeClr val="phClr"/>
-        </a:solidFill>
-        <a:gradFill rotWithShape="1">
-          <a:gsLst>
-            <a:gs pos="0">
-              <a:schemeClr val="phClr">
-                <a:tint val="40000"/>
-                <a:satMod val="350000"/>
-              </a:schemeClr>
-            </a:gs>
-            <a:gs pos="40000">
-              <a:schemeClr val="phClr">
-                <a:tint val="45000"/>
-                <a:shade val="99000"/>
-                <a:satMod val="350000"/>
-              </a:schemeClr>
-            </a:gs>
-            <a:gs pos="100000">
-              <a:schemeClr val="phClr">
-                <a:shade val="20000"/>
-                <a:satMod val="255000"/>
-              </a:schemeClr>
-            </a:gs>
-          </a:gsLst>
-          <a:path path="circle">
-            <a:fillToRect l="50000" t="-80000" r="50000" b="180000"/>
-          </a:path>
-        </a:gradFill>
-        <a:gradFill rotWithShape="1">
-          <a:gsLst>
-            <a:gs pos="0">
-              <a:schemeClr val="phClr">
-                <a:tint val="80000"/>
-                <a:satMod val="300000"/>
-              </a:schemeClr>
-            </a:gs>
-            <a:gs pos="100000">
-              <a:schemeClr val="phClr">
-                <a:shade val="30000"/>
-                <a:satMod val="200000"/>
-              </a:schemeClr>
-            </a:gs>
-          </a:gsLst>
-          <a:path path="circle">
-            <a:fillToRect l="50000" t="50000" r="50000" b="50000"/>
-          </a:path>
-        </a:gradFill>
-      </a:bgFillStyleLst>
-    </a:fmtScheme>
-  </a:themeElements>
-</a:theme>
-</file>
-
-<file path=ppt/theme/theme12.xml><?xml version="1.0" encoding="utf-8"?>
 <a:theme xmlns:a="http://schemas.openxmlformats.org/drawingml/2006/main" name="Office Theme">
   <a:themeElements>
     <a:clrScheme name="Office">
